--- a/docs/diagrams/powerpoint/ArchitectureDiagram.pptx
+++ b/docs/diagrams/powerpoint/ArchitectureDiagram.pptx
@@ -2,18 +2,18 @@
 <file path=ppt/presentation.xml><?xml version="1.0" encoding="utf-8"?>
 <p:presentation xmlns:a="http://schemas.openxmlformats.org/drawingml/2006/main" xmlns:r="http://schemas.openxmlformats.org/officeDocument/2006/relationships" xmlns:p="http://schemas.openxmlformats.org/presentationml/2006/main" saveSubsetFonts="1">
   <p:sldMasterIdLst>
-    <p:sldMasterId id="2147483672" r:id="rId1"/>
+    <p:sldMasterId id="2147483684" r:id="rId1"/>
   </p:sldMasterIdLst>
   <p:sldIdLst>
     <p:sldId id="256" r:id="rId2"/>
   </p:sldIdLst>
-  <p:sldSz cx="10799763" cy="10799763"/>
+  <p:sldSz cx="7199313" cy="7199313"/>
   <p:notesSz cx="6858000" cy="9144000"/>
   <p:defaultTextStyle>
     <a:defPPr>
-      <a:defRPr lang="vi-VN"/>
+      <a:defRPr lang="en-US"/>
     </a:defPPr>
-    <a:lvl1pPr marL="0" algn="l" defTabSz="914400" rtl="0" eaLnBrk="1" latinLnBrk="0" hangingPunct="1">
+    <a:lvl1pPr marL="0" algn="l" defTabSz="457200" rtl="0" eaLnBrk="1" latinLnBrk="0" hangingPunct="1">
       <a:defRPr sz="1800" kern="1200">
         <a:solidFill>
           <a:schemeClr val="tx1"/>
@@ -23,7 +23,7 @@
         <a:cs typeface="+mn-cs"/>
       </a:defRPr>
     </a:lvl1pPr>
-    <a:lvl2pPr marL="457200" algn="l" defTabSz="914400" rtl="0" eaLnBrk="1" latinLnBrk="0" hangingPunct="1">
+    <a:lvl2pPr marL="457200" algn="l" defTabSz="457200" rtl="0" eaLnBrk="1" latinLnBrk="0" hangingPunct="1">
       <a:defRPr sz="1800" kern="1200">
         <a:solidFill>
           <a:schemeClr val="tx1"/>
@@ -33,7 +33,7 @@
         <a:cs typeface="+mn-cs"/>
       </a:defRPr>
     </a:lvl2pPr>
-    <a:lvl3pPr marL="914400" algn="l" defTabSz="914400" rtl="0" eaLnBrk="1" latinLnBrk="0" hangingPunct="1">
+    <a:lvl3pPr marL="914400" algn="l" defTabSz="457200" rtl="0" eaLnBrk="1" latinLnBrk="0" hangingPunct="1">
       <a:defRPr sz="1800" kern="1200">
         <a:solidFill>
           <a:schemeClr val="tx1"/>
@@ -43,7 +43,7 @@
         <a:cs typeface="+mn-cs"/>
       </a:defRPr>
     </a:lvl3pPr>
-    <a:lvl4pPr marL="1371600" algn="l" defTabSz="914400" rtl="0" eaLnBrk="1" latinLnBrk="0" hangingPunct="1">
+    <a:lvl4pPr marL="1371600" algn="l" defTabSz="457200" rtl="0" eaLnBrk="1" latinLnBrk="0" hangingPunct="1">
       <a:defRPr sz="1800" kern="1200">
         <a:solidFill>
           <a:schemeClr val="tx1"/>
@@ -53,7 +53,7 @@
         <a:cs typeface="+mn-cs"/>
       </a:defRPr>
     </a:lvl4pPr>
-    <a:lvl5pPr marL="1828800" algn="l" defTabSz="914400" rtl="0" eaLnBrk="1" latinLnBrk="0" hangingPunct="1">
+    <a:lvl5pPr marL="1828800" algn="l" defTabSz="457200" rtl="0" eaLnBrk="1" latinLnBrk="0" hangingPunct="1">
       <a:defRPr sz="1800" kern="1200">
         <a:solidFill>
           <a:schemeClr val="tx1"/>
@@ -63,7 +63,7 @@
         <a:cs typeface="+mn-cs"/>
       </a:defRPr>
     </a:lvl5pPr>
-    <a:lvl6pPr marL="2286000" algn="l" defTabSz="914400" rtl="0" eaLnBrk="1" latinLnBrk="0" hangingPunct="1">
+    <a:lvl6pPr marL="2286000" algn="l" defTabSz="457200" rtl="0" eaLnBrk="1" latinLnBrk="0" hangingPunct="1">
       <a:defRPr sz="1800" kern="1200">
         <a:solidFill>
           <a:schemeClr val="tx1"/>
@@ -73,7 +73,7 @@
         <a:cs typeface="+mn-cs"/>
       </a:defRPr>
     </a:lvl6pPr>
-    <a:lvl7pPr marL="2743200" algn="l" defTabSz="914400" rtl="0" eaLnBrk="1" latinLnBrk="0" hangingPunct="1">
+    <a:lvl7pPr marL="2743200" algn="l" defTabSz="457200" rtl="0" eaLnBrk="1" latinLnBrk="0" hangingPunct="1">
       <a:defRPr sz="1800" kern="1200">
         <a:solidFill>
           <a:schemeClr val="tx1"/>
@@ -83,7 +83,7 @@
         <a:cs typeface="+mn-cs"/>
       </a:defRPr>
     </a:lvl7pPr>
-    <a:lvl8pPr marL="3200400" algn="l" defTabSz="914400" rtl="0" eaLnBrk="1" latinLnBrk="0" hangingPunct="1">
+    <a:lvl8pPr marL="3200400" algn="l" defTabSz="457200" rtl="0" eaLnBrk="1" latinLnBrk="0" hangingPunct="1">
       <a:defRPr sz="1800" kern="1200">
         <a:solidFill>
           <a:schemeClr val="tx1"/>
@@ -93,7 +93,7 @@
         <a:cs typeface="+mn-cs"/>
       </a:defRPr>
     </a:lvl8pPr>
-    <a:lvl9pPr marL="3657600" algn="l" defTabSz="914400" rtl="0" eaLnBrk="1" latinLnBrk="0" hangingPunct="1">
+    <a:lvl9pPr marL="3657600" algn="l" defTabSz="457200" rtl="0" eaLnBrk="1" latinLnBrk="0" hangingPunct="1">
       <a:defRPr sz="1800" kern="1200">
         <a:solidFill>
           <a:schemeClr val="tx1"/>
@@ -104,6 +104,11 @@
       </a:defRPr>
     </a:lvl9pPr>
   </p:defaultTextStyle>
+  <p:extLst>
+    <p:ext uri="{EFAFB233-063F-42B5-8137-9DF3F51BA10A}">
+      <p15:sldGuideLst xmlns:p15="http://schemas.microsoft.com/office/powerpoint/2012/main"/>
+    </p:ext>
+  </p:extLst>
 </p:presentation>
 </file>
 
@@ -126,13 +131,7 @@
       </p:grpSpPr>
       <p:sp>
         <p:nvSpPr>
-          <p:cNvPr id="2" name="Title 1">
-            <a:extLst>
-              <a:ext uri="{FF2B5EF4-FFF2-40B4-BE49-F238E27FC236}">
-                <a16:creationId xmlns:a16="http://schemas.microsoft.com/office/drawing/2014/main" id="{80F15537-A967-6162-E403-36193586A933}"/>
-              </a:ext>
-            </a:extLst>
-          </p:cNvPr>
+          <p:cNvPr id="2" name="Title 1"/>
           <p:cNvSpPr>
             <a:spLocks noGrp="1"/>
           </p:cNvSpPr>
@@ -142,15 +141,15 @@
         </p:nvSpPr>
         <p:spPr>
           <a:xfrm>
-            <a:off x="1349971" y="1767462"/>
-            <a:ext cx="8099822" cy="3759917"/>
+            <a:off x="539949" y="1178222"/>
+            <a:ext cx="6119416" cy="2506427"/>
           </a:xfrm>
         </p:spPr>
         <p:txBody>
           <a:bodyPr anchor="b"/>
           <a:lstStyle>
             <a:lvl1pPr algn="ctr">
-              <a:defRPr sz="5315"/>
+              <a:defRPr sz="4724"/>
             </a:lvl1pPr>
           </a:lstStyle>
           <a:p>
@@ -158,19 +157,13 @@
               <a:rPr lang="en-US"/>
               <a:t>Click to edit Master title style</a:t>
             </a:r>
-            <a:endParaRPr lang="vi-VN"/>
-          </a:p>
-        </p:txBody>
-      </p:sp>
-      <p:sp>
-        <p:nvSpPr>
-          <p:cNvPr id="3" name="Subtitle 2">
-            <a:extLst>
-              <a:ext uri="{FF2B5EF4-FFF2-40B4-BE49-F238E27FC236}">
-                <a16:creationId xmlns:a16="http://schemas.microsoft.com/office/drawing/2014/main" id="{CD307F53-4661-9F50-3115-FB4DCC5168C9}"/>
-              </a:ext>
-            </a:extLst>
-          </p:cNvPr>
+            <a:endParaRPr lang="en-US" dirty="0"/>
+          </a:p>
+        </p:txBody>
+      </p:sp>
+      <p:sp>
+        <p:nvSpPr>
+          <p:cNvPr id="3" name="Subtitle 2"/>
           <p:cNvSpPr>
             <a:spLocks noGrp="1"/>
           </p:cNvSpPr>
@@ -180,8 +173,8 @@
         </p:nvSpPr>
         <p:spPr>
           <a:xfrm>
-            <a:off x="1349971" y="5672376"/>
-            <a:ext cx="8099822" cy="2607442"/>
+            <a:off x="899914" y="3781306"/>
+            <a:ext cx="5399485" cy="1738167"/>
           </a:xfrm>
         </p:spPr>
         <p:txBody>
@@ -189,39 +182,39 @@
           <a:lstStyle>
             <a:lvl1pPr marL="0" indent="0" algn="ctr">
               <a:buNone/>
-              <a:defRPr sz="2126"/>
+              <a:defRPr sz="1890"/>
             </a:lvl1pPr>
-            <a:lvl2pPr marL="404988" indent="0" algn="ctr">
-              <a:buNone/>
-              <a:defRPr sz="1772"/>
+            <a:lvl2pPr marL="359954" indent="0" algn="ctr">
+              <a:buNone/>
+              <a:defRPr sz="1575"/>
             </a:lvl2pPr>
-            <a:lvl3pPr marL="809976" indent="0" algn="ctr">
-              <a:buNone/>
-              <a:defRPr sz="1594"/>
+            <a:lvl3pPr marL="719907" indent="0" algn="ctr">
+              <a:buNone/>
+              <a:defRPr sz="1417"/>
             </a:lvl3pPr>
-            <a:lvl4pPr marL="1214963" indent="0" algn="ctr">
-              <a:buNone/>
-              <a:defRPr sz="1417"/>
+            <a:lvl4pPr marL="1079861" indent="0" algn="ctr">
+              <a:buNone/>
+              <a:defRPr sz="1260"/>
             </a:lvl4pPr>
-            <a:lvl5pPr marL="1619951" indent="0" algn="ctr">
-              <a:buNone/>
-              <a:defRPr sz="1417"/>
+            <a:lvl5pPr marL="1439814" indent="0" algn="ctr">
+              <a:buNone/>
+              <a:defRPr sz="1260"/>
             </a:lvl5pPr>
-            <a:lvl6pPr marL="2024939" indent="0" algn="ctr">
-              <a:buNone/>
-              <a:defRPr sz="1417"/>
+            <a:lvl6pPr marL="1799768" indent="0" algn="ctr">
+              <a:buNone/>
+              <a:defRPr sz="1260"/>
             </a:lvl6pPr>
-            <a:lvl7pPr marL="2429927" indent="0" algn="ctr">
-              <a:buNone/>
-              <a:defRPr sz="1417"/>
+            <a:lvl7pPr marL="2159721" indent="0" algn="ctr">
+              <a:buNone/>
+              <a:defRPr sz="1260"/>
             </a:lvl7pPr>
-            <a:lvl8pPr marL="2834914" indent="0" algn="ctr">
-              <a:buNone/>
-              <a:defRPr sz="1417"/>
+            <a:lvl8pPr marL="2519675" indent="0" algn="ctr">
+              <a:buNone/>
+              <a:defRPr sz="1260"/>
             </a:lvl8pPr>
-            <a:lvl9pPr marL="3239902" indent="0" algn="ctr">
-              <a:buNone/>
-              <a:defRPr sz="1417"/>
+            <a:lvl9pPr marL="2879628" indent="0" algn="ctr">
+              <a:buNone/>
+              <a:defRPr sz="1260"/>
             </a:lvl9pPr>
           </a:lstStyle>
           <a:p>
@@ -229,19 +222,13 @@
               <a:rPr lang="en-US"/>
               <a:t>Click to edit Master subtitle style</a:t>
             </a:r>
-            <a:endParaRPr lang="vi-VN"/>
-          </a:p>
-        </p:txBody>
-      </p:sp>
-      <p:sp>
-        <p:nvSpPr>
-          <p:cNvPr id="4" name="Date Placeholder 3">
-            <a:extLst>
-              <a:ext uri="{FF2B5EF4-FFF2-40B4-BE49-F238E27FC236}">
-                <a16:creationId xmlns:a16="http://schemas.microsoft.com/office/drawing/2014/main" id="{2A3F584B-68CA-7D6E-1A73-2AFA69E0BC1F}"/>
-              </a:ext>
-            </a:extLst>
-          </p:cNvPr>
+            <a:endParaRPr lang="en-US" dirty="0"/>
+          </a:p>
+        </p:txBody>
+      </p:sp>
+      <p:sp>
+        <p:nvSpPr>
+          <p:cNvPr id="4" name="Date Placeholder 3"/>
           <p:cNvSpPr>
             <a:spLocks noGrp="1"/>
           </p:cNvSpPr>
@@ -257,7 +244,7 @@
             <a:fld id="{11A6662E-FAF4-44BC-88B5-85A7CBFB6D30}" type="datetime1">
               <a:rPr lang="en-US" smtClean="0"/>
               <a:pPr/>
-              <a:t>10/30/2024</a:t>
+              <a:t>11/5/2024</a:t>
             </a:fld>
             <a:endParaRPr lang="en-US" dirty="0"/>
           </a:p>
@@ -265,13 +252,7 @@
       </p:sp>
       <p:sp>
         <p:nvSpPr>
-          <p:cNvPr id="5" name="Footer Placeholder 4">
-            <a:extLst>
-              <a:ext uri="{FF2B5EF4-FFF2-40B4-BE49-F238E27FC236}">
-                <a16:creationId xmlns:a16="http://schemas.microsoft.com/office/drawing/2014/main" id="{D18D94F0-785E-1C31-3DF3-67A891C59E34}"/>
-              </a:ext>
-            </a:extLst>
-          </p:cNvPr>
+          <p:cNvPr id="5" name="Footer Placeholder 4"/>
           <p:cNvSpPr>
             <a:spLocks noGrp="1"/>
           </p:cNvSpPr>
@@ -296,13 +277,7 @@
       </p:sp>
       <p:sp>
         <p:nvSpPr>
-          <p:cNvPr id="6" name="Slide Number Placeholder 5">
-            <a:extLst>
-              <a:ext uri="{FF2B5EF4-FFF2-40B4-BE49-F238E27FC236}">
-                <a16:creationId xmlns:a16="http://schemas.microsoft.com/office/drawing/2014/main" id="{E53A06EB-A4D9-FCFD-DA8D-89ADFF791255}"/>
-              </a:ext>
-            </a:extLst>
-          </p:cNvPr>
+          <p:cNvPr id="6" name="Slide Number Placeholder 5"/>
           <p:cNvSpPr>
             <a:spLocks noGrp="1"/>
           </p:cNvSpPr>
@@ -327,7 +302,7 @@
     </p:spTree>
     <p:extLst>
       <p:ext uri="{BB962C8B-B14F-4D97-AF65-F5344CB8AC3E}">
-        <p14:creationId xmlns:p14="http://schemas.microsoft.com/office/powerpoint/2010/main" val="1727561170"/>
+        <p14:creationId xmlns:p14="http://schemas.microsoft.com/office/powerpoint/2010/main" val="1704050636"/>
       </p:ext>
     </p:extLst>
   </p:cSld>
@@ -356,13 +331,7 @@
       </p:grpSpPr>
       <p:sp>
         <p:nvSpPr>
-          <p:cNvPr id="2" name="Title 1">
-            <a:extLst>
-              <a:ext uri="{FF2B5EF4-FFF2-40B4-BE49-F238E27FC236}">
-                <a16:creationId xmlns:a16="http://schemas.microsoft.com/office/drawing/2014/main" id="{FDC6B6DD-A71D-1004-E2AF-83199B1ADBE7}"/>
-              </a:ext>
-            </a:extLst>
-          </p:cNvPr>
+          <p:cNvPr id="2" name="Title 1"/>
           <p:cNvSpPr>
             <a:spLocks noGrp="1"/>
           </p:cNvSpPr>
@@ -379,19 +348,13 @@
               <a:rPr lang="en-US"/>
               <a:t>Click to edit Master title style</a:t>
             </a:r>
-            <a:endParaRPr lang="vi-VN"/>
-          </a:p>
-        </p:txBody>
-      </p:sp>
-      <p:sp>
-        <p:nvSpPr>
-          <p:cNvPr id="3" name="Vertical Text Placeholder 2">
-            <a:extLst>
-              <a:ext uri="{FF2B5EF4-FFF2-40B4-BE49-F238E27FC236}">
-                <a16:creationId xmlns:a16="http://schemas.microsoft.com/office/drawing/2014/main" id="{DCAE85B0-4D21-A63D-D38C-396BC2E98B9A}"/>
-              </a:ext>
-            </a:extLst>
-          </p:cNvPr>
+            <a:endParaRPr lang="en-US" dirty="0"/>
+          </a:p>
+        </p:txBody>
+      </p:sp>
+      <p:sp>
+        <p:nvSpPr>
+          <p:cNvPr id="3" name="Vertical Text Placeholder 2"/>
           <p:cNvSpPr>
             <a:spLocks noGrp="1"/>
           </p:cNvSpPr>
@@ -437,19 +400,13 @@
               <a:rPr lang="en-US"/>
               <a:t>Fifth level</a:t>
             </a:r>
-            <a:endParaRPr lang="vi-VN"/>
-          </a:p>
-        </p:txBody>
-      </p:sp>
-      <p:sp>
-        <p:nvSpPr>
-          <p:cNvPr id="4" name="Date Placeholder 3">
-            <a:extLst>
-              <a:ext uri="{FF2B5EF4-FFF2-40B4-BE49-F238E27FC236}">
-                <a16:creationId xmlns:a16="http://schemas.microsoft.com/office/drawing/2014/main" id="{C3725791-6423-13F2-D609-7E771652C5EE}"/>
-              </a:ext>
-            </a:extLst>
-          </p:cNvPr>
+            <a:endParaRPr lang="en-US" dirty="0"/>
+          </a:p>
+        </p:txBody>
+      </p:sp>
+      <p:sp>
+        <p:nvSpPr>
+          <p:cNvPr id="4" name="Date Placeholder 3"/>
           <p:cNvSpPr>
             <a:spLocks noGrp="1"/>
           </p:cNvSpPr>
@@ -464,7 +421,7 @@
           <a:p>
             <a:fld id="{4C559632-1575-4E14-B53B-3DC3D5ED3947}" type="datetime1">
               <a:rPr lang="en-US" smtClean="0"/>
-              <a:t>10/30/2024</a:t>
+              <a:t>11/5/2024</a:t>
             </a:fld>
             <a:endParaRPr lang="en-US"/>
           </a:p>
@@ -472,13 +429,7 @@
       </p:sp>
       <p:sp>
         <p:nvSpPr>
-          <p:cNvPr id="5" name="Footer Placeholder 4">
-            <a:extLst>
-              <a:ext uri="{FF2B5EF4-FFF2-40B4-BE49-F238E27FC236}">
-                <a16:creationId xmlns:a16="http://schemas.microsoft.com/office/drawing/2014/main" id="{41F302C1-2150-C8CB-1DE9-AE45D3409144}"/>
-              </a:ext>
-            </a:extLst>
-          </p:cNvPr>
+          <p:cNvPr id="5" name="Footer Placeholder 4"/>
           <p:cNvSpPr>
             <a:spLocks noGrp="1"/>
           </p:cNvSpPr>
@@ -497,13 +448,7 @@
       </p:sp>
       <p:sp>
         <p:nvSpPr>
-          <p:cNvPr id="6" name="Slide Number Placeholder 5">
-            <a:extLst>
-              <a:ext uri="{FF2B5EF4-FFF2-40B4-BE49-F238E27FC236}">
-                <a16:creationId xmlns:a16="http://schemas.microsoft.com/office/drawing/2014/main" id="{CAF0BA25-D4A1-A978-0A6F-D63461D83EA0}"/>
-              </a:ext>
-            </a:extLst>
-          </p:cNvPr>
+          <p:cNvPr id="6" name="Slide Number Placeholder 5"/>
           <p:cNvSpPr>
             <a:spLocks noGrp="1"/>
           </p:cNvSpPr>
@@ -527,7 +472,7 @@
     </p:spTree>
     <p:extLst>
       <p:ext uri="{BB962C8B-B14F-4D97-AF65-F5344CB8AC3E}">
-        <p14:creationId xmlns:p14="http://schemas.microsoft.com/office/powerpoint/2010/main" val="1391380784"/>
+        <p14:creationId xmlns:p14="http://schemas.microsoft.com/office/powerpoint/2010/main" val="196864402"/>
       </p:ext>
     </p:extLst>
   </p:cSld>
@@ -556,13 +501,7 @@
       </p:grpSpPr>
       <p:sp>
         <p:nvSpPr>
-          <p:cNvPr id="2" name="Vertical Title 1">
-            <a:extLst>
-              <a:ext uri="{FF2B5EF4-FFF2-40B4-BE49-F238E27FC236}">
-                <a16:creationId xmlns:a16="http://schemas.microsoft.com/office/drawing/2014/main" id="{67F6CAAF-A32D-4A59-14F5-24771CA653AC}"/>
-              </a:ext>
-            </a:extLst>
-          </p:cNvPr>
+          <p:cNvPr id="2" name="Vertical Title 1"/>
           <p:cNvSpPr>
             <a:spLocks noGrp="1"/>
           </p:cNvSpPr>
@@ -572,8 +511,8 @@
         </p:nvSpPr>
         <p:spPr>
           <a:xfrm>
-            <a:off x="7728580" y="574987"/>
-            <a:ext cx="2328699" cy="9152300"/>
+            <a:off x="5152009" y="383297"/>
+            <a:ext cx="1552352" cy="6101085"/>
           </a:xfrm>
         </p:spPr>
         <p:txBody>
@@ -584,19 +523,13 @@
               <a:rPr lang="en-US"/>
               <a:t>Click to edit Master title style</a:t>
             </a:r>
-            <a:endParaRPr lang="vi-VN"/>
-          </a:p>
-        </p:txBody>
-      </p:sp>
-      <p:sp>
-        <p:nvSpPr>
-          <p:cNvPr id="3" name="Vertical Text Placeholder 2">
-            <a:extLst>
-              <a:ext uri="{FF2B5EF4-FFF2-40B4-BE49-F238E27FC236}">
-                <a16:creationId xmlns:a16="http://schemas.microsoft.com/office/drawing/2014/main" id="{0962F91D-6A81-EBF4-CB7A-84A823298184}"/>
-              </a:ext>
-            </a:extLst>
-          </p:cNvPr>
+            <a:endParaRPr lang="en-US" dirty="0"/>
+          </a:p>
+        </p:txBody>
+      </p:sp>
+      <p:sp>
+        <p:nvSpPr>
+          <p:cNvPr id="3" name="Vertical Text Placeholder 2"/>
           <p:cNvSpPr>
             <a:spLocks noGrp="1"/>
           </p:cNvSpPr>
@@ -606,8 +539,8 @@
         </p:nvSpPr>
         <p:spPr>
           <a:xfrm>
-            <a:off x="742484" y="574987"/>
-            <a:ext cx="6851100" cy="9152300"/>
+            <a:off x="494953" y="383297"/>
+            <a:ext cx="4567064" cy="6101085"/>
           </a:xfrm>
         </p:spPr>
         <p:txBody>
@@ -647,19 +580,13 @@
               <a:rPr lang="en-US"/>
               <a:t>Fifth level</a:t>
             </a:r>
-            <a:endParaRPr lang="vi-VN"/>
-          </a:p>
-        </p:txBody>
-      </p:sp>
-      <p:sp>
-        <p:nvSpPr>
-          <p:cNvPr id="4" name="Date Placeholder 3">
-            <a:extLst>
-              <a:ext uri="{FF2B5EF4-FFF2-40B4-BE49-F238E27FC236}">
-                <a16:creationId xmlns:a16="http://schemas.microsoft.com/office/drawing/2014/main" id="{1CB7187E-5AE3-F3C3-E227-DD7CAA6424DF}"/>
-              </a:ext>
-            </a:extLst>
-          </p:cNvPr>
+            <a:endParaRPr lang="en-US" dirty="0"/>
+          </a:p>
+        </p:txBody>
+      </p:sp>
+      <p:sp>
+        <p:nvSpPr>
+          <p:cNvPr id="4" name="Date Placeholder 3"/>
           <p:cNvSpPr>
             <a:spLocks noGrp="1"/>
           </p:cNvSpPr>
@@ -674,7 +601,7 @@
           <a:p>
             <a:fld id="{CC4A6868-2568-4CC9-B302-F37117B01A6E}" type="datetime1">
               <a:rPr lang="en-US" smtClean="0"/>
-              <a:t>10/30/2024</a:t>
+              <a:t>11/5/2024</a:t>
             </a:fld>
             <a:endParaRPr lang="en-US"/>
           </a:p>
@@ -682,13 +609,7 @@
       </p:sp>
       <p:sp>
         <p:nvSpPr>
-          <p:cNvPr id="5" name="Footer Placeholder 4">
-            <a:extLst>
-              <a:ext uri="{FF2B5EF4-FFF2-40B4-BE49-F238E27FC236}">
-                <a16:creationId xmlns:a16="http://schemas.microsoft.com/office/drawing/2014/main" id="{A21A1654-A3F7-A86C-A779-AC6448472B62}"/>
-              </a:ext>
-            </a:extLst>
-          </p:cNvPr>
+          <p:cNvPr id="5" name="Footer Placeholder 4"/>
           <p:cNvSpPr>
             <a:spLocks noGrp="1"/>
           </p:cNvSpPr>
@@ -707,13 +628,7 @@
       </p:sp>
       <p:sp>
         <p:nvSpPr>
-          <p:cNvPr id="6" name="Slide Number Placeholder 5">
-            <a:extLst>
-              <a:ext uri="{FF2B5EF4-FFF2-40B4-BE49-F238E27FC236}">
-                <a16:creationId xmlns:a16="http://schemas.microsoft.com/office/drawing/2014/main" id="{B7BB7C4B-F15A-B0C5-5C8A-18221B80DE63}"/>
-              </a:ext>
-            </a:extLst>
-          </p:cNvPr>
+          <p:cNvPr id="6" name="Slide Number Placeholder 5"/>
           <p:cNvSpPr>
             <a:spLocks noGrp="1"/>
           </p:cNvSpPr>
@@ -737,7 +652,7 @@
     </p:spTree>
     <p:extLst>
       <p:ext uri="{BB962C8B-B14F-4D97-AF65-F5344CB8AC3E}">
-        <p14:creationId xmlns:p14="http://schemas.microsoft.com/office/powerpoint/2010/main" val="3949018272"/>
+        <p14:creationId xmlns:p14="http://schemas.microsoft.com/office/powerpoint/2010/main" val="2434958143"/>
       </p:ext>
     </p:extLst>
   </p:cSld>
@@ -766,13 +681,7 @@
       </p:grpSpPr>
       <p:sp>
         <p:nvSpPr>
-          <p:cNvPr id="2" name="Title 1">
-            <a:extLst>
-              <a:ext uri="{FF2B5EF4-FFF2-40B4-BE49-F238E27FC236}">
-                <a16:creationId xmlns:a16="http://schemas.microsoft.com/office/drawing/2014/main" id="{2A9AEF07-30E2-9D1C-D9C9-6B88E4198DD0}"/>
-              </a:ext>
-            </a:extLst>
-          </p:cNvPr>
+          <p:cNvPr id="2" name="Title 1"/>
           <p:cNvSpPr>
             <a:spLocks noGrp="1"/>
           </p:cNvSpPr>
@@ -789,19 +698,13 @@
               <a:rPr lang="en-US"/>
               <a:t>Click to edit Master title style</a:t>
             </a:r>
-            <a:endParaRPr lang="vi-VN"/>
-          </a:p>
-        </p:txBody>
-      </p:sp>
-      <p:sp>
-        <p:nvSpPr>
-          <p:cNvPr id="3" name="Content Placeholder 2">
-            <a:extLst>
-              <a:ext uri="{FF2B5EF4-FFF2-40B4-BE49-F238E27FC236}">
-                <a16:creationId xmlns:a16="http://schemas.microsoft.com/office/drawing/2014/main" id="{D6944F99-90A4-A0FC-60E3-FE190F84DD8B}"/>
-              </a:ext>
-            </a:extLst>
-          </p:cNvPr>
+            <a:endParaRPr lang="en-US" dirty="0"/>
+          </a:p>
+        </p:txBody>
+      </p:sp>
+      <p:sp>
+        <p:nvSpPr>
+          <p:cNvPr id="3" name="Content Placeholder 2"/>
           <p:cNvSpPr>
             <a:spLocks noGrp="1"/>
           </p:cNvSpPr>
@@ -847,19 +750,13 @@
               <a:rPr lang="en-US"/>
               <a:t>Fifth level</a:t>
             </a:r>
-            <a:endParaRPr lang="vi-VN"/>
-          </a:p>
-        </p:txBody>
-      </p:sp>
-      <p:sp>
-        <p:nvSpPr>
-          <p:cNvPr id="4" name="Date Placeholder 3">
-            <a:extLst>
-              <a:ext uri="{FF2B5EF4-FFF2-40B4-BE49-F238E27FC236}">
-                <a16:creationId xmlns:a16="http://schemas.microsoft.com/office/drawing/2014/main" id="{7EAB07F4-38DA-C832-DC86-FD951565CDF3}"/>
-              </a:ext>
-            </a:extLst>
-          </p:cNvPr>
+            <a:endParaRPr lang="en-US" dirty="0"/>
+          </a:p>
+        </p:txBody>
+      </p:sp>
+      <p:sp>
+        <p:nvSpPr>
+          <p:cNvPr id="4" name="Date Placeholder 3"/>
           <p:cNvSpPr>
             <a:spLocks noGrp="1"/>
           </p:cNvSpPr>
@@ -874,7 +771,7 @@
           <a:p>
             <a:fld id="{0055F08A-1E71-4B2B-BB49-E743F2903911}" type="datetime1">
               <a:rPr lang="en-US" smtClean="0"/>
-              <a:t>10/30/2024</a:t>
+              <a:t>11/5/2024</a:t>
             </a:fld>
             <a:endParaRPr lang="en-US" dirty="0"/>
           </a:p>
@@ -882,13 +779,7 @@
       </p:sp>
       <p:sp>
         <p:nvSpPr>
-          <p:cNvPr id="5" name="Footer Placeholder 4">
-            <a:extLst>
-              <a:ext uri="{FF2B5EF4-FFF2-40B4-BE49-F238E27FC236}">
-                <a16:creationId xmlns:a16="http://schemas.microsoft.com/office/drawing/2014/main" id="{EAB0E7D9-6D88-7CF6-C28E-D7D263FB5634}"/>
-              </a:ext>
-            </a:extLst>
-          </p:cNvPr>
+          <p:cNvPr id="5" name="Footer Placeholder 4"/>
           <p:cNvSpPr>
             <a:spLocks noGrp="1"/>
           </p:cNvSpPr>
@@ -907,13 +798,7 @@
       </p:sp>
       <p:sp>
         <p:nvSpPr>
-          <p:cNvPr id="6" name="Slide Number Placeholder 5">
-            <a:extLst>
-              <a:ext uri="{FF2B5EF4-FFF2-40B4-BE49-F238E27FC236}">
-                <a16:creationId xmlns:a16="http://schemas.microsoft.com/office/drawing/2014/main" id="{D2F88663-5C33-F9AC-D187-D3C4B0CAD358}"/>
-              </a:ext>
-            </a:extLst>
-          </p:cNvPr>
+          <p:cNvPr id="6" name="Slide Number Placeholder 5"/>
           <p:cNvSpPr>
             <a:spLocks noGrp="1"/>
           </p:cNvSpPr>
@@ -937,7 +822,7 @@
     </p:spTree>
     <p:extLst>
       <p:ext uri="{BB962C8B-B14F-4D97-AF65-F5344CB8AC3E}">
-        <p14:creationId xmlns:p14="http://schemas.microsoft.com/office/powerpoint/2010/main" val="3312760883"/>
+        <p14:creationId xmlns:p14="http://schemas.microsoft.com/office/powerpoint/2010/main" val="1685064768"/>
       </p:ext>
     </p:extLst>
   </p:cSld>
@@ -966,13 +851,7 @@
       </p:grpSpPr>
       <p:sp>
         <p:nvSpPr>
-          <p:cNvPr id="2" name="Title 1">
-            <a:extLst>
-              <a:ext uri="{FF2B5EF4-FFF2-40B4-BE49-F238E27FC236}">
-                <a16:creationId xmlns:a16="http://schemas.microsoft.com/office/drawing/2014/main" id="{DF80BCFF-13E0-8C21-979E-78EB39CDF0F8}"/>
-              </a:ext>
-            </a:extLst>
-          </p:cNvPr>
+          <p:cNvPr id="2" name="Title 1"/>
           <p:cNvSpPr>
             <a:spLocks noGrp="1"/>
           </p:cNvSpPr>
@@ -982,15 +861,15 @@
         </p:nvSpPr>
         <p:spPr>
           <a:xfrm>
-            <a:off x="736859" y="2692442"/>
-            <a:ext cx="9314796" cy="4492401"/>
+            <a:off x="491204" y="1794831"/>
+            <a:ext cx="6209407" cy="2994714"/>
           </a:xfrm>
         </p:spPr>
         <p:txBody>
           <a:bodyPr anchor="b"/>
           <a:lstStyle>
             <a:lvl1pPr>
-              <a:defRPr sz="5315"/>
+              <a:defRPr sz="4724"/>
             </a:lvl1pPr>
           </a:lstStyle>
           <a:p>
@@ -998,19 +877,13 @@
               <a:rPr lang="en-US"/>
               <a:t>Click to edit Master title style</a:t>
             </a:r>
-            <a:endParaRPr lang="vi-VN"/>
-          </a:p>
-        </p:txBody>
-      </p:sp>
-      <p:sp>
-        <p:nvSpPr>
-          <p:cNvPr id="3" name="Text Placeholder 2">
-            <a:extLst>
-              <a:ext uri="{FF2B5EF4-FFF2-40B4-BE49-F238E27FC236}">
-                <a16:creationId xmlns:a16="http://schemas.microsoft.com/office/drawing/2014/main" id="{CA44DC17-4B63-3329-A402-079E2559FD84}"/>
-              </a:ext>
-            </a:extLst>
-          </p:cNvPr>
+            <a:endParaRPr lang="en-US" dirty="0"/>
+          </a:p>
+        </p:txBody>
+      </p:sp>
+      <p:sp>
+        <p:nvSpPr>
+          <p:cNvPr id="3" name="Text Placeholder 2"/>
           <p:cNvSpPr>
             <a:spLocks noGrp="1"/>
           </p:cNvSpPr>
@@ -1020,8 +893,8 @@
         </p:nvSpPr>
         <p:spPr>
           <a:xfrm>
-            <a:off x="736859" y="7227343"/>
-            <a:ext cx="9314796" cy="2362447"/>
+            <a:off x="491204" y="4817876"/>
+            <a:ext cx="6209407" cy="1574849"/>
           </a:xfrm>
         </p:spPr>
         <p:txBody>
@@ -1029,7 +902,7 @@
           <a:lstStyle>
             <a:lvl1pPr marL="0" indent="0">
               <a:buNone/>
-              <a:defRPr sz="2126">
+              <a:defRPr sz="1890">
                 <a:solidFill>
                   <a:schemeClr val="tx1">
                     <a:tint val="82000"/>
@@ -1037,9 +910,9 @@
                 </a:solidFill>
               </a:defRPr>
             </a:lvl1pPr>
-            <a:lvl2pPr marL="404988" indent="0">
-              <a:buNone/>
-              <a:defRPr sz="1772">
+            <a:lvl2pPr marL="359954" indent="0">
+              <a:buNone/>
+              <a:defRPr sz="1575">
                 <a:solidFill>
                   <a:schemeClr val="tx1">
                     <a:tint val="82000"/>
@@ -1047,9 +920,9 @@
                 </a:solidFill>
               </a:defRPr>
             </a:lvl2pPr>
-            <a:lvl3pPr marL="809976" indent="0">
-              <a:buNone/>
-              <a:defRPr sz="1594">
+            <a:lvl3pPr marL="719907" indent="0">
+              <a:buNone/>
+              <a:defRPr sz="1417">
                 <a:solidFill>
                   <a:schemeClr val="tx1">
                     <a:tint val="82000"/>
@@ -1057,9 +930,9 @@
                 </a:solidFill>
               </a:defRPr>
             </a:lvl3pPr>
-            <a:lvl4pPr marL="1214963" indent="0">
-              <a:buNone/>
-              <a:defRPr sz="1417">
+            <a:lvl4pPr marL="1079861" indent="0">
+              <a:buNone/>
+              <a:defRPr sz="1260">
                 <a:solidFill>
                   <a:schemeClr val="tx1">
                     <a:tint val="82000"/>
@@ -1067,9 +940,9 @@
                 </a:solidFill>
               </a:defRPr>
             </a:lvl4pPr>
-            <a:lvl5pPr marL="1619951" indent="0">
-              <a:buNone/>
-              <a:defRPr sz="1417">
+            <a:lvl5pPr marL="1439814" indent="0">
+              <a:buNone/>
+              <a:defRPr sz="1260">
                 <a:solidFill>
                   <a:schemeClr val="tx1">
                     <a:tint val="82000"/>
@@ -1077,9 +950,9 @@
                 </a:solidFill>
               </a:defRPr>
             </a:lvl5pPr>
-            <a:lvl6pPr marL="2024939" indent="0">
-              <a:buNone/>
-              <a:defRPr sz="1417">
+            <a:lvl6pPr marL="1799768" indent="0">
+              <a:buNone/>
+              <a:defRPr sz="1260">
                 <a:solidFill>
                   <a:schemeClr val="tx1">
                     <a:tint val="82000"/>
@@ -1087,9 +960,9 @@
                 </a:solidFill>
               </a:defRPr>
             </a:lvl6pPr>
-            <a:lvl7pPr marL="2429927" indent="0">
-              <a:buNone/>
-              <a:defRPr sz="1417">
+            <a:lvl7pPr marL="2159721" indent="0">
+              <a:buNone/>
+              <a:defRPr sz="1260">
                 <a:solidFill>
                   <a:schemeClr val="tx1">
                     <a:tint val="82000"/>
@@ -1097,9 +970,9 @@
                 </a:solidFill>
               </a:defRPr>
             </a:lvl7pPr>
-            <a:lvl8pPr marL="2834914" indent="0">
-              <a:buNone/>
-              <a:defRPr sz="1417">
+            <a:lvl8pPr marL="2519675" indent="0">
+              <a:buNone/>
+              <a:defRPr sz="1260">
                 <a:solidFill>
                   <a:schemeClr val="tx1">
                     <a:tint val="82000"/>
@@ -1107,9 +980,9 @@
                 </a:solidFill>
               </a:defRPr>
             </a:lvl8pPr>
-            <a:lvl9pPr marL="3239902" indent="0">
-              <a:buNone/>
-              <a:defRPr sz="1417">
+            <a:lvl9pPr marL="2879628" indent="0">
+              <a:buNone/>
+              <a:defRPr sz="1260">
                 <a:solidFill>
                   <a:schemeClr val="tx1">
                     <a:tint val="82000"/>
@@ -1129,13 +1002,7 @@
       </p:sp>
       <p:sp>
         <p:nvSpPr>
-          <p:cNvPr id="4" name="Date Placeholder 3">
-            <a:extLst>
-              <a:ext uri="{FF2B5EF4-FFF2-40B4-BE49-F238E27FC236}">
-                <a16:creationId xmlns:a16="http://schemas.microsoft.com/office/drawing/2014/main" id="{2025F662-E101-FB30-4E26-8DE8E3B2FB97}"/>
-              </a:ext>
-            </a:extLst>
-          </p:cNvPr>
+          <p:cNvPr id="4" name="Date Placeholder 3"/>
           <p:cNvSpPr>
             <a:spLocks noGrp="1"/>
           </p:cNvSpPr>
@@ -1150,7 +1017,7 @@
           <a:p>
             <a:fld id="{15417D9E-721A-44BB-8863-9873FE64DA75}" type="datetime1">
               <a:rPr lang="en-US" smtClean="0"/>
-              <a:t>10/30/2024</a:t>
+              <a:t>11/5/2024</a:t>
             </a:fld>
             <a:endParaRPr lang="en-US"/>
           </a:p>
@@ -1158,13 +1025,7 @@
       </p:sp>
       <p:sp>
         <p:nvSpPr>
-          <p:cNvPr id="5" name="Footer Placeholder 4">
-            <a:extLst>
-              <a:ext uri="{FF2B5EF4-FFF2-40B4-BE49-F238E27FC236}">
-                <a16:creationId xmlns:a16="http://schemas.microsoft.com/office/drawing/2014/main" id="{CEC1FCB0-138D-7E36-7D87-D027A44F0529}"/>
-              </a:ext>
-            </a:extLst>
-          </p:cNvPr>
+          <p:cNvPr id="5" name="Footer Placeholder 4"/>
           <p:cNvSpPr>
             <a:spLocks noGrp="1"/>
           </p:cNvSpPr>
@@ -1183,13 +1044,7 @@
       </p:sp>
       <p:sp>
         <p:nvSpPr>
-          <p:cNvPr id="6" name="Slide Number Placeholder 5">
-            <a:extLst>
-              <a:ext uri="{FF2B5EF4-FFF2-40B4-BE49-F238E27FC236}">
-                <a16:creationId xmlns:a16="http://schemas.microsoft.com/office/drawing/2014/main" id="{D394DD6B-3775-478B-FF0E-F01B3AB8DFA4}"/>
-              </a:ext>
-            </a:extLst>
-          </p:cNvPr>
+          <p:cNvPr id="6" name="Slide Number Placeholder 5"/>
           <p:cNvSpPr>
             <a:spLocks noGrp="1"/>
           </p:cNvSpPr>
@@ -1213,7 +1068,7 @@
     </p:spTree>
     <p:extLst>
       <p:ext uri="{BB962C8B-B14F-4D97-AF65-F5344CB8AC3E}">
-        <p14:creationId xmlns:p14="http://schemas.microsoft.com/office/powerpoint/2010/main" val="801700971"/>
+        <p14:creationId xmlns:p14="http://schemas.microsoft.com/office/powerpoint/2010/main" val="4030461686"/>
       </p:ext>
     </p:extLst>
   </p:cSld>
@@ -1242,13 +1097,7 @@
       </p:grpSpPr>
       <p:sp>
         <p:nvSpPr>
-          <p:cNvPr id="2" name="Title 1">
-            <a:extLst>
-              <a:ext uri="{FF2B5EF4-FFF2-40B4-BE49-F238E27FC236}">
-                <a16:creationId xmlns:a16="http://schemas.microsoft.com/office/drawing/2014/main" id="{B9E83DA5-3C5A-906C-E090-AD7304F9FB08}"/>
-              </a:ext>
-            </a:extLst>
-          </p:cNvPr>
+          <p:cNvPr id="2" name="Title 1"/>
           <p:cNvSpPr>
             <a:spLocks noGrp="1"/>
           </p:cNvSpPr>
@@ -1265,19 +1114,13 @@
               <a:rPr lang="en-US"/>
               <a:t>Click to edit Master title style</a:t>
             </a:r>
-            <a:endParaRPr lang="vi-VN"/>
-          </a:p>
-        </p:txBody>
-      </p:sp>
-      <p:sp>
-        <p:nvSpPr>
-          <p:cNvPr id="3" name="Content Placeholder 2">
-            <a:extLst>
-              <a:ext uri="{FF2B5EF4-FFF2-40B4-BE49-F238E27FC236}">
-                <a16:creationId xmlns:a16="http://schemas.microsoft.com/office/drawing/2014/main" id="{80118F10-249B-70D5-CE9A-1B958F7097CA}"/>
-              </a:ext>
-            </a:extLst>
-          </p:cNvPr>
+            <a:endParaRPr lang="en-US" dirty="0"/>
+          </a:p>
+        </p:txBody>
+      </p:sp>
+      <p:sp>
+        <p:nvSpPr>
+          <p:cNvPr id="3" name="Content Placeholder 2"/>
           <p:cNvSpPr>
             <a:spLocks noGrp="1"/>
           </p:cNvSpPr>
@@ -1287,8 +1130,8 @@
         </p:nvSpPr>
         <p:spPr>
           <a:xfrm>
-            <a:off x="742484" y="2874937"/>
-            <a:ext cx="4589899" cy="6852350"/>
+            <a:off x="494953" y="1916484"/>
+            <a:ext cx="3059708" cy="4567898"/>
           </a:xfrm>
         </p:spPr>
         <p:txBody>
@@ -1328,19 +1171,13 @@
               <a:rPr lang="en-US"/>
               <a:t>Fifth level</a:t>
             </a:r>
-            <a:endParaRPr lang="vi-VN"/>
-          </a:p>
-        </p:txBody>
-      </p:sp>
-      <p:sp>
-        <p:nvSpPr>
-          <p:cNvPr id="4" name="Content Placeholder 3">
-            <a:extLst>
-              <a:ext uri="{FF2B5EF4-FFF2-40B4-BE49-F238E27FC236}">
-                <a16:creationId xmlns:a16="http://schemas.microsoft.com/office/drawing/2014/main" id="{CD754C68-E45F-9944-F099-CB3CAB2D6471}"/>
-              </a:ext>
-            </a:extLst>
-          </p:cNvPr>
+            <a:endParaRPr lang="en-US" dirty="0"/>
+          </a:p>
+        </p:txBody>
+      </p:sp>
+      <p:sp>
+        <p:nvSpPr>
+          <p:cNvPr id="4" name="Content Placeholder 3"/>
           <p:cNvSpPr>
             <a:spLocks noGrp="1"/>
           </p:cNvSpPr>
@@ -1350,8 +1187,8 @@
         </p:nvSpPr>
         <p:spPr>
           <a:xfrm>
-            <a:off x="5467380" y="2874937"/>
-            <a:ext cx="4589899" cy="6852350"/>
+            <a:off x="3644652" y="1916484"/>
+            <a:ext cx="3059708" cy="4567898"/>
           </a:xfrm>
         </p:spPr>
         <p:txBody>
@@ -1391,19 +1228,13 @@
               <a:rPr lang="en-US"/>
               <a:t>Fifth level</a:t>
             </a:r>
-            <a:endParaRPr lang="vi-VN"/>
-          </a:p>
-        </p:txBody>
-      </p:sp>
-      <p:sp>
-        <p:nvSpPr>
-          <p:cNvPr id="5" name="Date Placeholder 4">
-            <a:extLst>
-              <a:ext uri="{FF2B5EF4-FFF2-40B4-BE49-F238E27FC236}">
-                <a16:creationId xmlns:a16="http://schemas.microsoft.com/office/drawing/2014/main" id="{8EE331BC-255D-6E24-59F5-E9BAA4CA0F0A}"/>
-              </a:ext>
-            </a:extLst>
-          </p:cNvPr>
+            <a:endParaRPr lang="en-US" dirty="0"/>
+          </a:p>
+        </p:txBody>
+      </p:sp>
+      <p:sp>
+        <p:nvSpPr>
+          <p:cNvPr id="5" name="Date Placeholder 4"/>
           <p:cNvSpPr>
             <a:spLocks noGrp="1"/>
           </p:cNvSpPr>
@@ -1418,7 +1249,7 @@
           <a:p>
             <a:fld id="{5F31DA2F-80B8-49CF-99FB-5ABCA53A607A}" type="datetime1">
               <a:rPr lang="en-US" smtClean="0"/>
-              <a:t>10/30/2024</a:t>
+              <a:t>11/5/2024</a:t>
             </a:fld>
             <a:endParaRPr lang="en-US"/>
           </a:p>
@@ -1426,13 +1257,7 @@
       </p:sp>
       <p:sp>
         <p:nvSpPr>
-          <p:cNvPr id="6" name="Footer Placeholder 5">
-            <a:extLst>
-              <a:ext uri="{FF2B5EF4-FFF2-40B4-BE49-F238E27FC236}">
-                <a16:creationId xmlns:a16="http://schemas.microsoft.com/office/drawing/2014/main" id="{03EC926D-1505-0272-A274-4220BE895DA1}"/>
-              </a:ext>
-            </a:extLst>
-          </p:cNvPr>
+          <p:cNvPr id="6" name="Footer Placeholder 5"/>
           <p:cNvSpPr>
             <a:spLocks noGrp="1"/>
           </p:cNvSpPr>
@@ -1451,13 +1276,7 @@
       </p:sp>
       <p:sp>
         <p:nvSpPr>
-          <p:cNvPr id="7" name="Slide Number Placeholder 6">
-            <a:extLst>
-              <a:ext uri="{FF2B5EF4-FFF2-40B4-BE49-F238E27FC236}">
-                <a16:creationId xmlns:a16="http://schemas.microsoft.com/office/drawing/2014/main" id="{6FF3A031-0BE5-18C8-BFC9-B75775DA4260}"/>
-              </a:ext>
-            </a:extLst>
-          </p:cNvPr>
+          <p:cNvPr id="7" name="Slide Number Placeholder 6"/>
           <p:cNvSpPr>
             <a:spLocks noGrp="1"/>
           </p:cNvSpPr>
@@ -1481,7 +1300,7 @@
     </p:spTree>
     <p:extLst>
       <p:ext uri="{BB962C8B-B14F-4D97-AF65-F5344CB8AC3E}">
-        <p14:creationId xmlns:p14="http://schemas.microsoft.com/office/powerpoint/2010/main" val="1696977138"/>
+        <p14:creationId xmlns:p14="http://schemas.microsoft.com/office/powerpoint/2010/main" val="1858592108"/>
       </p:ext>
     </p:extLst>
   </p:cSld>
@@ -1510,13 +1329,7 @@
       </p:grpSpPr>
       <p:sp>
         <p:nvSpPr>
-          <p:cNvPr id="2" name="Title 1">
-            <a:extLst>
-              <a:ext uri="{FF2B5EF4-FFF2-40B4-BE49-F238E27FC236}">
-                <a16:creationId xmlns:a16="http://schemas.microsoft.com/office/drawing/2014/main" id="{B9ADEAE1-426E-43F3-0CC8-8DA398873009}"/>
-              </a:ext>
-            </a:extLst>
-          </p:cNvPr>
+          <p:cNvPr id="2" name="Title 1"/>
           <p:cNvSpPr>
             <a:spLocks noGrp="1"/>
           </p:cNvSpPr>
@@ -1526,8 +1339,8 @@
         </p:nvSpPr>
         <p:spPr>
           <a:xfrm>
-            <a:off x="743890" y="574988"/>
-            <a:ext cx="9314796" cy="2087455"/>
+            <a:off x="495891" y="383299"/>
+            <a:ext cx="6209407" cy="1391534"/>
           </a:xfrm>
         </p:spPr>
         <p:txBody>
@@ -1538,19 +1351,13 @@
               <a:rPr lang="en-US"/>
               <a:t>Click to edit Master title style</a:t>
             </a:r>
-            <a:endParaRPr lang="vi-VN"/>
-          </a:p>
-        </p:txBody>
-      </p:sp>
-      <p:sp>
-        <p:nvSpPr>
-          <p:cNvPr id="3" name="Text Placeholder 2">
-            <a:extLst>
-              <a:ext uri="{FF2B5EF4-FFF2-40B4-BE49-F238E27FC236}">
-                <a16:creationId xmlns:a16="http://schemas.microsoft.com/office/drawing/2014/main" id="{D1F4813B-E8CD-8C84-1C8C-175156E37B64}"/>
-              </a:ext>
-            </a:extLst>
-          </p:cNvPr>
+            <a:endParaRPr lang="en-US" dirty="0"/>
+          </a:p>
+        </p:txBody>
+      </p:sp>
+      <p:sp>
+        <p:nvSpPr>
+          <p:cNvPr id="3" name="Text Placeholder 2"/>
           <p:cNvSpPr>
             <a:spLocks noGrp="1"/>
           </p:cNvSpPr>
@@ -1560,8 +1367,8 @@
         </p:nvSpPr>
         <p:spPr>
           <a:xfrm>
-            <a:off x="743891" y="2647443"/>
-            <a:ext cx="4568806" cy="1297471"/>
+            <a:off x="495891" y="1764832"/>
+            <a:ext cx="3045646" cy="864917"/>
           </a:xfrm>
         </p:spPr>
         <p:txBody>
@@ -1569,39 +1376,39 @@
           <a:lstStyle>
             <a:lvl1pPr marL="0" indent="0">
               <a:buNone/>
-              <a:defRPr sz="2126" b="1"/>
+              <a:defRPr sz="1890" b="1"/>
             </a:lvl1pPr>
-            <a:lvl2pPr marL="404988" indent="0">
-              <a:buNone/>
-              <a:defRPr sz="1772" b="1"/>
+            <a:lvl2pPr marL="359954" indent="0">
+              <a:buNone/>
+              <a:defRPr sz="1575" b="1"/>
             </a:lvl2pPr>
-            <a:lvl3pPr marL="809976" indent="0">
-              <a:buNone/>
-              <a:defRPr sz="1594" b="1"/>
+            <a:lvl3pPr marL="719907" indent="0">
+              <a:buNone/>
+              <a:defRPr sz="1417" b="1"/>
             </a:lvl3pPr>
-            <a:lvl4pPr marL="1214963" indent="0">
-              <a:buNone/>
-              <a:defRPr sz="1417" b="1"/>
+            <a:lvl4pPr marL="1079861" indent="0">
+              <a:buNone/>
+              <a:defRPr sz="1260" b="1"/>
             </a:lvl4pPr>
-            <a:lvl5pPr marL="1619951" indent="0">
-              <a:buNone/>
-              <a:defRPr sz="1417" b="1"/>
+            <a:lvl5pPr marL="1439814" indent="0">
+              <a:buNone/>
+              <a:defRPr sz="1260" b="1"/>
             </a:lvl5pPr>
-            <a:lvl6pPr marL="2024939" indent="0">
-              <a:buNone/>
-              <a:defRPr sz="1417" b="1"/>
+            <a:lvl6pPr marL="1799768" indent="0">
+              <a:buNone/>
+              <a:defRPr sz="1260" b="1"/>
             </a:lvl6pPr>
-            <a:lvl7pPr marL="2429927" indent="0">
-              <a:buNone/>
-              <a:defRPr sz="1417" b="1"/>
+            <a:lvl7pPr marL="2159721" indent="0">
+              <a:buNone/>
+              <a:defRPr sz="1260" b="1"/>
             </a:lvl7pPr>
-            <a:lvl8pPr marL="2834914" indent="0">
-              <a:buNone/>
-              <a:defRPr sz="1417" b="1"/>
+            <a:lvl8pPr marL="2519675" indent="0">
+              <a:buNone/>
+              <a:defRPr sz="1260" b="1"/>
             </a:lvl8pPr>
-            <a:lvl9pPr marL="3239902" indent="0">
-              <a:buNone/>
-              <a:defRPr sz="1417" b="1"/>
+            <a:lvl9pPr marL="2879628" indent="0">
+              <a:buNone/>
+              <a:defRPr sz="1260" b="1"/>
             </a:lvl9pPr>
           </a:lstStyle>
           <a:p>
@@ -1615,13 +1422,7 @@
       </p:sp>
       <p:sp>
         <p:nvSpPr>
-          <p:cNvPr id="4" name="Content Placeholder 3">
-            <a:extLst>
-              <a:ext uri="{FF2B5EF4-FFF2-40B4-BE49-F238E27FC236}">
-                <a16:creationId xmlns:a16="http://schemas.microsoft.com/office/drawing/2014/main" id="{CCFD1B7A-0E48-0D5B-9444-8F71AF74D608}"/>
-              </a:ext>
-            </a:extLst>
-          </p:cNvPr>
+          <p:cNvPr id="4" name="Content Placeholder 3"/>
           <p:cNvSpPr>
             <a:spLocks noGrp="1"/>
           </p:cNvSpPr>
@@ -1631,8 +1432,8 @@
         </p:nvSpPr>
         <p:spPr>
           <a:xfrm>
-            <a:off x="743891" y="3944914"/>
-            <a:ext cx="4568806" cy="5802373"/>
+            <a:off x="495891" y="2629749"/>
+            <a:ext cx="3045646" cy="3867965"/>
           </a:xfrm>
         </p:spPr>
         <p:txBody>
@@ -1672,19 +1473,13 @@
               <a:rPr lang="en-US"/>
               <a:t>Fifth level</a:t>
             </a:r>
-            <a:endParaRPr lang="vi-VN"/>
-          </a:p>
-        </p:txBody>
-      </p:sp>
-      <p:sp>
-        <p:nvSpPr>
-          <p:cNvPr id="5" name="Text Placeholder 4">
-            <a:extLst>
-              <a:ext uri="{FF2B5EF4-FFF2-40B4-BE49-F238E27FC236}">
-                <a16:creationId xmlns:a16="http://schemas.microsoft.com/office/drawing/2014/main" id="{00425B1B-B72D-4BCD-0764-32003A3ACC98}"/>
-              </a:ext>
-            </a:extLst>
-          </p:cNvPr>
+            <a:endParaRPr lang="en-US" dirty="0"/>
+          </a:p>
+        </p:txBody>
+      </p:sp>
+      <p:sp>
+        <p:nvSpPr>
+          <p:cNvPr id="5" name="Text Placeholder 4"/>
           <p:cNvSpPr>
             <a:spLocks noGrp="1"/>
           </p:cNvSpPr>
@@ -1694,8 +1489,8 @@
         </p:nvSpPr>
         <p:spPr>
           <a:xfrm>
-            <a:off x="5467380" y="2647443"/>
-            <a:ext cx="4591306" cy="1297471"/>
+            <a:off x="3644652" y="1764832"/>
+            <a:ext cx="3060646" cy="864917"/>
           </a:xfrm>
         </p:spPr>
         <p:txBody>
@@ -1703,39 +1498,39 @@
           <a:lstStyle>
             <a:lvl1pPr marL="0" indent="0">
               <a:buNone/>
-              <a:defRPr sz="2126" b="1"/>
+              <a:defRPr sz="1890" b="1"/>
             </a:lvl1pPr>
-            <a:lvl2pPr marL="404988" indent="0">
-              <a:buNone/>
-              <a:defRPr sz="1772" b="1"/>
+            <a:lvl2pPr marL="359954" indent="0">
+              <a:buNone/>
+              <a:defRPr sz="1575" b="1"/>
             </a:lvl2pPr>
-            <a:lvl3pPr marL="809976" indent="0">
-              <a:buNone/>
-              <a:defRPr sz="1594" b="1"/>
+            <a:lvl3pPr marL="719907" indent="0">
+              <a:buNone/>
+              <a:defRPr sz="1417" b="1"/>
             </a:lvl3pPr>
-            <a:lvl4pPr marL="1214963" indent="0">
-              <a:buNone/>
-              <a:defRPr sz="1417" b="1"/>
+            <a:lvl4pPr marL="1079861" indent="0">
+              <a:buNone/>
+              <a:defRPr sz="1260" b="1"/>
             </a:lvl4pPr>
-            <a:lvl5pPr marL="1619951" indent="0">
-              <a:buNone/>
-              <a:defRPr sz="1417" b="1"/>
+            <a:lvl5pPr marL="1439814" indent="0">
+              <a:buNone/>
+              <a:defRPr sz="1260" b="1"/>
             </a:lvl5pPr>
-            <a:lvl6pPr marL="2024939" indent="0">
-              <a:buNone/>
-              <a:defRPr sz="1417" b="1"/>
+            <a:lvl6pPr marL="1799768" indent="0">
+              <a:buNone/>
+              <a:defRPr sz="1260" b="1"/>
             </a:lvl6pPr>
-            <a:lvl7pPr marL="2429927" indent="0">
-              <a:buNone/>
-              <a:defRPr sz="1417" b="1"/>
+            <a:lvl7pPr marL="2159721" indent="0">
+              <a:buNone/>
+              <a:defRPr sz="1260" b="1"/>
             </a:lvl7pPr>
-            <a:lvl8pPr marL="2834914" indent="0">
-              <a:buNone/>
-              <a:defRPr sz="1417" b="1"/>
+            <a:lvl8pPr marL="2519675" indent="0">
+              <a:buNone/>
+              <a:defRPr sz="1260" b="1"/>
             </a:lvl8pPr>
-            <a:lvl9pPr marL="3239902" indent="0">
-              <a:buNone/>
-              <a:defRPr sz="1417" b="1"/>
+            <a:lvl9pPr marL="2879628" indent="0">
+              <a:buNone/>
+              <a:defRPr sz="1260" b="1"/>
             </a:lvl9pPr>
           </a:lstStyle>
           <a:p>
@@ -1749,13 +1544,7 @@
       </p:sp>
       <p:sp>
         <p:nvSpPr>
-          <p:cNvPr id="6" name="Content Placeholder 5">
-            <a:extLst>
-              <a:ext uri="{FF2B5EF4-FFF2-40B4-BE49-F238E27FC236}">
-                <a16:creationId xmlns:a16="http://schemas.microsoft.com/office/drawing/2014/main" id="{94E020B2-CB86-49AC-208A-097ADE1C6E51}"/>
-              </a:ext>
-            </a:extLst>
-          </p:cNvPr>
+          <p:cNvPr id="6" name="Content Placeholder 5"/>
           <p:cNvSpPr>
             <a:spLocks noGrp="1"/>
           </p:cNvSpPr>
@@ -1765,8 +1554,8 @@
         </p:nvSpPr>
         <p:spPr>
           <a:xfrm>
-            <a:off x="5467380" y="3944914"/>
-            <a:ext cx="4591306" cy="5802373"/>
+            <a:off x="3644652" y="2629749"/>
+            <a:ext cx="3060646" cy="3867965"/>
           </a:xfrm>
         </p:spPr>
         <p:txBody>
@@ -1806,19 +1595,13 @@
               <a:rPr lang="en-US"/>
               <a:t>Fifth level</a:t>
             </a:r>
-            <a:endParaRPr lang="vi-VN"/>
-          </a:p>
-        </p:txBody>
-      </p:sp>
-      <p:sp>
-        <p:nvSpPr>
-          <p:cNvPr id="7" name="Date Placeholder 6">
-            <a:extLst>
-              <a:ext uri="{FF2B5EF4-FFF2-40B4-BE49-F238E27FC236}">
-                <a16:creationId xmlns:a16="http://schemas.microsoft.com/office/drawing/2014/main" id="{BF790440-2027-F5AD-69E5-8BC98386B23C}"/>
-              </a:ext>
-            </a:extLst>
-          </p:cNvPr>
+            <a:endParaRPr lang="en-US" dirty="0"/>
+          </a:p>
+        </p:txBody>
+      </p:sp>
+      <p:sp>
+        <p:nvSpPr>
+          <p:cNvPr id="7" name="Date Placeholder 6"/>
           <p:cNvSpPr>
             <a:spLocks noGrp="1"/>
           </p:cNvSpPr>
@@ -1833,7 +1616,7 @@
           <a:p>
             <a:fld id="{28852172-E6C9-4B6C-929A-A9DE3837BBF1}" type="datetime1">
               <a:rPr lang="en-US" smtClean="0"/>
-              <a:t>10/30/2024</a:t>
+              <a:t>11/5/2024</a:t>
             </a:fld>
             <a:endParaRPr lang="en-US"/>
           </a:p>
@@ -1841,13 +1624,7 @@
       </p:sp>
       <p:sp>
         <p:nvSpPr>
-          <p:cNvPr id="8" name="Footer Placeholder 7">
-            <a:extLst>
-              <a:ext uri="{FF2B5EF4-FFF2-40B4-BE49-F238E27FC236}">
-                <a16:creationId xmlns:a16="http://schemas.microsoft.com/office/drawing/2014/main" id="{8AE86157-A1D1-C2DA-69D3-01D044AC92D1}"/>
-              </a:ext>
-            </a:extLst>
-          </p:cNvPr>
+          <p:cNvPr id="8" name="Footer Placeholder 7"/>
           <p:cNvSpPr>
             <a:spLocks noGrp="1"/>
           </p:cNvSpPr>
@@ -1866,13 +1643,7 @@
       </p:sp>
       <p:sp>
         <p:nvSpPr>
-          <p:cNvPr id="9" name="Slide Number Placeholder 8">
-            <a:extLst>
-              <a:ext uri="{FF2B5EF4-FFF2-40B4-BE49-F238E27FC236}">
-                <a16:creationId xmlns:a16="http://schemas.microsoft.com/office/drawing/2014/main" id="{EB674D0C-EF67-C879-C55B-9E43FBFA5909}"/>
-              </a:ext>
-            </a:extLst>
-          </p:cNvPr>
+          <p:cNvPr id="9" name="Slide Number Placeholder 8"/>
           <p:cNvSpPr>
             <a:spLocks noGrp="1"/>
           </p:cNvSpPr>
@@ -1896,7 +1667,7 @@
     </p:spTree>
     <p:extLst>
       <p:ext uri="{BB962C8B-B14F-4D97-AF65-F5344CB8AC3E}">
-        <p14:creationId xmlns:p14="http://schemas.microsoft.com/office/powerpoint/2010/main" val="3797044513"/>
+        <p14:creationId xmlns:p14="http://schemas.microsoft.com/office/powerpoint/2010/main" val="2825425814"/>
       </p:ext>
     </p:extLst>
   </p:cSld>
@@ -1925,13 +1696,7 @@
       </p:grpSpPr>
       <p:sp>
         <p:nvSpPr>
-          <p:cNvPr id="2" name="Title 1">
-            <a:extLst>
-              <a:ext uri="{FF2B5EF4-FFF2-40B4-BE49-F238E27FC236}">
-                <a16:creationId xmlns:a16="http://schemas.microsoft.com/office/drawing/2014/main" id="{C7DFCB1D-F5EB-422E-4968-AEE9AF4FA92C}"/>
-              </a:ext>
-            </a:extLst>
-          </p:cNvPr>
+          <p:cNvPr id="2" name="Title 1"/>
           <p:cNvSpPr>
             <a:spLocks noGrp="1"/>
           </p:cNvSpPr>
@@ -1948,19 +1713,13 @@
               <a:rPr lang="en-US"/>
               <a:t>Click to edit Master title style</a:t>
             </a:r>
-            <a:endParaRPr lang="vi-VN"/>
-          </a:p>
-        </p:txBody>
-      </p:sp>
-      <p:sp>
-        <p:nvSpPr>
-          <p:cNvPr id="3" name="Date Placeholder 2">
-            <a:extLst>
-              <a:ext uri="{FF2B5EF4-FFF2-40B4-BE49-F238E27FC236}">
-                <a16:creationId xmlns:a16="http://schemas.microsoft.com/office/drawing/2014/main" id="{C44581AC-CDE5-AF1F-83C4-DFAC0DA1FE24}"/>
-              </a:ext>
-            </a:extLst>
-          </p:cNvPr>
+            <a:endParaRPr lang="en-US" dirty="0"/>
+          </a:p>
+        </p:txBody>
+      </p:sp>
+      <p:sp>
+        <p:nvSpPr>
+          <p:cNvPr id="3" name="Date Placeholder 2"/>
           <p:cNvSpPr>
             <a:spLocks noGrp="1"/>
           </p:cNvSpPr>
@@ -1975,7 +1734,7 @@
           <a:p>
             <a:fld id="{3AB41CFF-90C9-47B3-9DA1-F2BF8D839F7E}" type="datetime1">
               <a:rPr lang="en-US" smtClean="0"/>
-              <a:t>10/30/2024</a:t>
+              <a:t>11/5/2024</a:t>
             </a:fld>
             <a:endParaRPr lang="en-US"/>
           </a:p>
@@ -1983,13 +1742,7 @@
       </p:sp>
       <p:sp>
         <p:nvSpPr>
-          <p:cNvPr id="4" name="Footer Placeholder 3">
-            <a:extLst>
-              <a:ext uri="{FF2B5EF4-FFF2-40B4-BE49-F238E27FC236}">
-                <a16:creationId xmlns:a16="http://schemas.microsoft.com/office/drawing/2014/main" id="{5C252578-E5CE-2EF8-CBAC-94ABCE540924}"/>
-              </a:ext>
-            </a:extLst>
-          </p:cNvPr>
+          <p:cNvPr id="4" name="Footer Placeholder 3"/>
           <p:cNvSpPr>
             <a:spLocks noGrp="1"/>
           </p:cNvSpPr>
@@ -2008,13 +1761,7 @@
       </p:sp>
       <p:sp>
         <p:nvSpPr>
-          <p:cNvPr id="5" name="Slide Number Placeholder 4">
-            <a:extLst>
-              <a:ext uri="{FF2B5EF4-FFF2-40B4-BE49-F238E27FC236}">
-                <a16:creationId xmlns:a16="http://schemas.microsoft.com/office/drawing/2014/main" id="{00C70EE0-9686-1C1C-508E-9A8797C7081C}"/>
-              </a:ext>
-            </a:extLst>
-          </p:cNvPr>
+          <p:cNvPr id="5" name="Slide Number Placeholder 4"/>
           <p:cNvSpPr>
             <a:spLocks noGrp="1"/>
           </p:cNvSpPr>
@@ -2038,7 +1785,7 @@
     </p:spTree>
     <p:extLst>
       <p:ext uri="{BB962C8B-B14F-4D97-AF65-F5344CB8AC3E}">
-        <p14:creationId xmlns:p14="http://schemas.microsoft.com/office/powerpoint/2010/main" val="4057480605"/>
+        <p14:creationId xmlns:p14="http://schemas.microsoft.com/office/powerpoint/2010/main" val="3320329045"/>
       </p:ext>
     </p:extLst>
   </p:cSld>
@@ -2067,13 +1814,7 @@
       </p:grpSpPr>
       <p:sp>
         <p:nvSpPr>
-          <p:cNvPr id="2" name="Date Placeholder 1">
-            <a:extLst>
-              <a:ext uri="{FF2B5EF4-FFF2-40B4-BE49-F238E27FC236}">
-                <a16:creationId xmlns:a16="http://schemas.microsoft.com/office/drawing/2014/main" id="{A22B2835-E0EC-D33D-C2F1-315955683737}"/>
-              </a:ext>
-            </a:extLst>
-          </p:cNvPr>
+          <p:cNvPr id="2" name="Date Placeholder 1"/>
           <p:cNvSpPr>
             <a:spLocks noGrp="1"/>
           </p:cNvSpPr>
@@ -2088,7 +1829,7 @@
           <a:p>
             <a:fld id="{F06048FA-06AB-4884-A69B-986B96E68A24}" type="datetime1">
               <a:rPr lang="en-US" smtClean="0"/>
-              <a:t>10/30/2024</a:t>
+              <a:t>11/5/2024</a:t>
             </a:fld>
             <a:endParaRPr lang="en-US"/>
           </a:p>
@@ -2096,13 +1837,7 @@
       </p:sp>
       <p:sp>
         <p:nvSpPr>
-          <p:cNvPr id="3" name="Footer Placeholder 2">
-            <a:extLst>
-              <a:ext uri="{FF2B5EF4-FFF2-40B4-BE49-F238E27FC236}">
-                <a16:creationId xmlns:a16="http://schemas.microsoft.com/office/drawing/2014/main" id="{98CACB50-ED8B-91E9-543E-2B1ED81C72C5}"/>
-              </a:ext>
-            </a:extLst>
-          </p:cNvPr>
+          <p:cNvPr id="3" name="Footer Placeholder 2"/>
           <p:cNvSpPr>
             <a:spLocks noGrp="1"/>
           </p:cNvSpPr>
@@ -2121,13 +1856,7 @@
       </p:sp>
       <p:sp>
         <p:nvSpPr>
-          <p:cNvPr id="4" name="Slide Number Placeholder 3">
-            <a:extLst>
-              <a:ext uri="{FF2B5EF4-FFF2-40B4-BE49-F238E27FC236}">
-                <a16:creationId xmlns:a16="http://schemas.microsoft.com/office/drawing/2014/main" id="{5D9F3BDB-E579-CC41-2B40-3D053D30051A}"/>
-              </a:ext>
-            </a:extLst>
-          </p:cNvPr>
+          <p:cNvPr id="4" name="Slide Number Placeholder 3"/>
           <p:cNvSpPr>
             <a:spLocks noGrp="1"/>
           </p:cNvSpPr>
@@ -2151,7 +1880,7 @@
     </p:spTree>
     <p:extLst>
       <p:ext uri="{BB962C8B-B14F-4D97-AF65-F5344CB8AC3E}">
-        <p14:creationId xmlns:p14="http://schemas.microsoft.com/office/powerpoint/2010/main" val="3507322252"/>
+        <p14:creationId xmlns:p14="http://schemas.microsoft.com/office/powerpoint/2010/main" val="425926993"/>
       </p:ext>
     </p:extLst>
   </p:cSld>
@@ -2180,13 +1909,7 @@
       </p:grpSpPr>
       <p:sp>
         <p:nvSpPr>
-          <p:cNvPr id="2" name="Title 1">
-            <a:extLst>
-              <a:ext uri="{FF2B5EF4-FFF2-40B4-BE49-F238E27FC236}">
-                <a16:creationId xmlns:a16="http://schemas.microsoft.com/office/drawing/2014/main" id="{C6EE2370-1CF4-198D-8B91-F30193D4EE45}"/>
-              </a:ext>
-            </a:extLst>
-          </p:cNvPr>
+          <p:cNvPr id="2" name="Title 1"/>
           <p:cNvSpPr>
             <a:spLocks noGrp="1"/>
           </p:cNvSpPr>
@@ -2196,15 +1919,15 @@
         </p:nvSpPr>
         <p:spPr>
           <a:xfrm>
-            <a:off x="743891" y="719984"/>
-            <a:ext cx="3483204" cy="2519945"/>
+            <a:off x="495890" y="479954"/>
+            <a:ext cx="2321966" cy="1679840"/>
           </a:xfrm>
         </p:spPr>
         <p:txBody>
           <a:bodyPr anchor="b"/>
           <a:lstStyle>
             <a:lvl1pPr>
-              <a:defRPr sz="2835"/>
+              <a:defRPr sz="2519"/>
             </a:lvl1pPr>
           </a:lstStyle>
           <a:p>
@@ -2212,19 +1935,13 @@
               <a:rPr lang="en-US"/>
               <a:t>Click to edit Master title style</a:t>
             </a:r>
-            <a:endParaRPr lang="vi-VN"/>
-          </a:p>
-        </p:txBody>
-      </p:sp>
-      <p:sp>
-        <p:nvSpPr>
-          <p:cNvPr id="3" name="Content Placeholder 2">
-            <a:extLst>
-              <a:ext uri="{FF2B5EF4-FFF2-40B4-BE49-F238E27FC236}">
-                <a16:creationId xmlns:a16="http://schemas.microsoft.com/office/drawing/2014/main" id="{6B8EAC92-0E74-BC97-2B84-0EA4540EAC29}"/>
-              </a:ext>
-            </a:extLst>
-          </p:cNvPr>
+            <a:endParaRPr lang="en-US" dirty="0"/>
+          </a:p>
+        </p:txBody>
+      </p:sp>
+      <p:sp>
+        <p:nvSpPr>
+          <p:cNvPr id="3" name="Content Placeholder 2"/>
           <p:cNvSpPr>
             <a:spLocks noGrp="1"/>
           </p:cNvSpPr>
@@ -2234,39 +1951,39 @@
         </p:nvSpPr>
         <p:spPr>
           <a:xfrm>
-            <a:off x="4591306" y="1554966"/>
-            <a:ext cx="5467380" cy="7674832"/>
+            <a:off x="3060646" y="1036570"/>
+            <a:ext cx="3644652" cy="5116178"/>
           </a:xfrm>
         </p:spPr>
         <p:txBody>
           <a:bodyPr/>
           <a:lstStyle>
             <a:lvl1pPr>
-              <a:defRPr sz="2835"/>
+              <a:defRPr sz="2519"/>
             </a:lvl1pPr>
             <a:lvl2pPr>
-              <a:defRPr sz="2480"/>
+              <a:defRPr sz="2204"/>
             </a:lvl2pPr>
             <a:lvl3pPr>
-              <a:defRPr sz="2126"/>
+              <a:defRPr sz="1890"/>
             </a:lvl3pPr>
             <a:lvl4pPr>
-              <a:defRPr sz="1772"/>
+              <a:defRPr sz="1575"/>
             </a:lvl4pPr>
             <a:lvl5pPr>
-              <a:defRPr sz="1772"/>
+              <a:defRPr sz="1575"/>
             </a:lvl5pPr>
             <a:lvl6pPr>
-              <a:defRPr sz="1772"/>
+              <a:defRPr sz="1575"/>
             </a:lvl6pPr>
             <a:lvl7pPr>
-              <a:defRPr sz="1772"/>
+              <a:defRPr sz="1575"/>
             </a:lvl7pPr>
             <a:lvl8pPr>
-              <a:defRPr sz="1772"/>
+              <a:defRPr sz="1575"/>
             </a:lvl8pPr>
             <a:lvl9pPr>
-              <a:defRPr sz="1772"/>
+              <a:defRPr sz="1575"/>
             </a:lvl9pPr>
           </a:lstStyle>
           <a:p>
@@ -2303,19 +2020,13 @@
               <a:rPr lang="en-US"/>
               <a:t>Fifth level</a:t>
             </a:r>
-            <a:endParaRPr lang="vi-VN"/>
-          </a:p>
-        </p:txBody>
-      </p:sp>
-      <p:sp>
-        <p:nvSpPr>
-          <p:cNvPr id="4" name="Text Placeholder 3">
-            <a:extLst>
-              <a:ext uri="{FF2B5EF4-FFF2-40B4-BE49-F238E27FC236}">
-                <a16:creationId xmlns:a16="http://schemas.microsoft.com/office/drawing/2014/main" id="{54832C64-1D4E-BB31-397A-25602584AAB3}"/>
-              </a:ext>
-            </a:extLst>
-          </p:cNvPr>
+            <a:endParaRPr lang="en-US" dirty="0"/>
+          </a:p>
+        </p:txBody>
+      </p:sp>
+      <p:sp>
+        <p:nvSpPr>
+          <p:cNvPr id="4" name="Text Placeholder 3"/>
           <p:cNvSpPr>
             <a:spLocks noGrp="1"/>
           </p:cNvSpPr>
@@ -2325,8 +2036,8 @@
         </p:nvSpPr>
         <p:spPr>
           <a:xfrm>
-            <a:off x="743891" y="3239929"/>
-            <a:ext cx="3483204" cy="6002369"/>
+            <a:off x="495890" y="2159794"/>
+            <a:ext cx="2321966" cy="4001285"/>
           </a:xfrm>
         </p:spPr>
         <p:txBody>
@@ -2334,39 +2045,39 @@
           <a:lstStyle>
             <a:lvl1pPr marL="0" indent="0">
               <a:buNone/>
-              <a:defRPr sz="1417"/>
+              <a:defRPr sz="1260"/>
             </a:lvl1pPr>
-            <a:lvl2pPr marL="404988" indent="0">
-              <a:buNone/>
-              <a:defRPr sz="1240"/>
+            <a:lvl2pPr marL="359954" indent="0">
+              <a:buNone/>
+              <a:defRPr sz="1102"/>
             </a:lvl2pPr>
-            <a:lvl3pPr marL="809976" indent="0">
-              <a:buNone/>
-              <a:defRPr sz="1063"/>
+            <a:lvl3pPr marL="719907" indent="0">
+              <a:buNone/>
+              <a:defRPr sz="945"/>
             </a:lvl3pPr>
-            <a:lvl4pPr marL="1214963" indent="0">
-              <a:buNone/>
-              <a:defRPr sz="886"/>
+            <a:lvl4pPr marL="1079861" indent="0">
+              <a:buNone/>
+              <a:defRPr sz="787"/>
             </a:lvl4pPr>
-            <a:lvl5pPr marL="1619951" indent="0">
-              <a:buNone/>
-              <a:defRPr sz="886"/>
+            <a:lvl5pPr marL="1439814" indent="0">
+              <a:buNone/>
+              <a:defRPr sz="787"/>
             </a:lvl5pPr>
-            <a:lvl6pPr marL="2024939" indent="0">
-              <a:buNone/>
-              <a:defRPr sz="886"/>
+            <a:lvl6pPr marL="1799768" indent="0">
+              <a:buNone/>
+              <a:defRPr sz="787"/>
             </a:lvl6pPr>
-            <a:lvl7pPr marL="2429927" indent="0">
-              <a:buNone/>
-              <a:defRPr sz="886"/>
+            <a:lvl7pPr marL="2159721" indent="0">
+              <a:buNone/>
+              <a:defRPr sz="787"/>
             </a:lvl7pPr>
-            <a:lvl8pPr marL="2834914" indent="0">
-              <a:buNone/>
-              <a:defRPr sz="886"/>
+            <a:lvl8pPr marL="2519675" indent="0">
+              <a:buNone/>
+              <a:defRPr sz="787"/>
             </a:lvl8pPr>
-            <a:lvl9pPr marL="3239902" indent="0">
-              <a:buNone/>
-              <a:defRPr sz="886"/>
+            <a:lvl9pPr marL="2879628" indent="0">
+              <a:buNone/>
+              <a:defRPr sz="787"/>
             </a:lvl9pPr>
           </a:lstStyle>
           <a:p>
@@ -2380,13 +2091,7 @@
       </p:sp>
       <p:sp>
         <p:nvSpPr>
-          <p:cNvPr id="5" name="Date Placeholder 4">
-            <a:extLst>
-              <a:ext uri="{FF2B5EF4-FFF2-40B4-BE49-F238E27FC236}">
-                <a16:creationId xmlns:a16="http://schemas.microsoft.com/office/drawing/2014/main" id="{13F93DA4-7E0B-09D9-11AE-47C2E52E5138}"/>
-              </a:ext>
-            </a:extLst>
-          </p:cNvPr>
+          <p:cNvPr id="5" name="Date Placeholder 4"/>
           <p:cNvSpPr>
             <a:spLocks noGrp="1"/>
           </p:cNvSpPr>
@@ -2401,7 +2106,7 @@
           <a:p>
             <a:fld id="{50DB7ABA-0172-4F9C-889D-567164F66BCD}" type="datetime1">
               <a:rPr lang="en-US" smtClean="0"/>
-              <a:t>10/30/2024</a:t>
+              <a:t>11/5/2024</a:t>
             </a:fld>
             <a:endParaRPr lang="en-US"/>
           </a:p>
@@ -2409,13 +2114,7 @@
       </p:sp>
       <p:sp>
         <p:nvSpPr>
-          <p:cNvPr id="6" name="Footer Placeholder 5">
-            <a:extLst>
-              <a:ext uri="{FF2B5EF4-FFF2-40B4-BE49-F238E27FC236}">
-                <a16:creationId xmlns:a16="http://schemas.microsoft.com/office/drawing/2014/main" id="{5A03744D-11E8-3F3E-5E98-652F7E850715}"/>
-              </a:ext>
-            </a:extLst>
-          </p:cNvPr>
+          <p:cNvPr id="6" name="Footer Placeholder 5"/>
           <p:cNvSpPr>
             <a:spLocks noGrp="1"/>
           </p:cNvSpPr>
@@ -2434,13 +2133,7 @@
       </p:sp>
       <p:sp>
         <p:nvSpPr>
-          <p:cNvPr id="7" name="Slide Number Placeholder 6">
-            <a:extLst>
-              <a:ext uri="{FF2B5EF4-FFF2-40B4-BE49-F238E27FC236}">
-                <a16:creationId xmlns:a16="http://schemas.microsoft.com/office/drawing/2014/main" id="{EA0CC041-5C98-F2C3-5C48-3CE2E496132D}"/>
-              </a:ext>
-            </a:extLst>
-          </p:cNvPr>
+          <p:cNvPr id="7" name="Slide Number Placeholder 6"/>
           <p:cNvSpPr>
             <a:spLocks noGrp="1"/>
           </p:cNvSpPr>
@@ -2464,7 +2157,7 @@
     </p:spTree>
     <p:extLst>
       <p:ext uri="{BB962C8B-B14F-4D97-AF65-F5344CB8AC3E}">
-        <p14:creationId xmlns:p14="http://schemas.microsoft.com/office/powerpoint/2010/main" val="3637116127"/>
+        <p14:creationId xmlns:p14="http://schemas.microsoft.com/office/powerpoint/2010/main" val="1540979372"/>
       </p:ext>
     </p:extLst>
   </p:cSld>
@@ -2493,13 +2186,7 @@
       </p:grpSpPr>
       <p:sp>
         <p:nvSpPr>
-          <p:cNvPr id="2" name="Title 1">
-            <a:extLst>
-              <a:ext uri="{FF2B5EF4-FFF2-40B4-BE49-F238E27FC236}">
-                <a16:creationId xmlns:a16="http://schemas.microsoft.com/office/drawing/2014/main" id="{B59046CC-2EAC-700E-F224-0EE18E5F13E6}"/>
-              </a:ext>
-            </a:extLst>
-          </p:cNvPr>
+          <p:cNvPr id="2" name="Title 1"/>
           <p:cNvSpPr>
             <a:spLocks noGrp="1"/>
           </p:cNvSpPr>
@@ -2509,15 +2196,15 @@
         </p:nvSpPr>
         <p:spPr>
           <a:xfrm>
-            <a:off x="743891" y="719984"/>
-            <a:ext cx="3483204" cy="2519945"/>
+            <a:off x="495890" y="479954"/>
+            <a:ext cx="2321966" cy="1679840"/>
           </a:xfrm>
         </p:spPr>
         <p:txBody>
           <a:bodyPr anchor="b"/>
           <a:lstStyle>
             <a:lvl1pPr>
-              <a:defRPr sz="2835"/>
+              <a:defRPr sz="2519"/>
             </a:lvl1pPr>
           </a:lstStyle>
           <a:p>
@@ -2525,21 +2212,15 @@
               <a:rPr lang="en-US"/>
               <a:t>Click to edit Master title style</a:t>
             </a:r>
-            <a:endParaRPr lang="vi-VN"/>
-          </a:p>
-        </p:txBody>
-      </p:sp>
-      <p:sp>
-        <p:nvSpPr>
-          <p:cNvPr id="3" name="Picture Placeholder 2">
-            <a:extLst>
-              <a:ext uri="{FF2B5EF4-FFF2-40B4-BE49-F238E27FC236}">
-                <a16:creationId xmlns:a16="http://schemas.microsoft.com/office/drawing/2014/main" id="{7A766940-B1A0-99C8-066D-42EA11911B51}"/>
-              </a:ext>
-            </a:extLst>
-          </p:cNvPr>
-          <p:cNvSpPr>
-            <a:spLocks noGrp="1"/>
+            <a:endParaRPr lang="en-US" dirty="0"/>
+          </a:p>
+        </p:txBody>
+      </p:sp>
+      <p:sp>
+        <p:nvSpPr>
+          <p:cNvPr id="3" name="Picture Placeholder 2"/>
+          <p:cNvSpPr>
+            <a:spLocks noGrp="1" noChangeAspect="1"/>
           </p:cNvSpPr>
           <p:nvPr>
             <p:ph type="pic" idx="1"/>
@@ -2547,8 +2228,73 @@
         </p:nvSpPr>
         <p:spPr>
           <a:xfrm>
-            <a:off x="4591306" y="1554966"/>
-            <a:ext cx="5467380" cy="7674832"/>
+            <a:off x="3060646" y="1036570"/>
+            <a:ext cx="3644652" cy="5116178"/>
+          </a:xfrm>
+        </p:spPr>
+        <p:txBody>
+          <a:bodyPr anchor="t"/>
+          <a:lstStyle>
+            <a:lvl1pPr marL="0" indent="0">
+              <a:buNone/>
+              <a:defRPr sz="2519"/>
+            </a:lvl1pPr>
+            <a:lvl2pPr marL="359954" indent="0">
+              <a:buNone/>
+              <a:defRPr sz="2204"/>
+            </a:lvl2pPr>
+            <a:lvl3pPr marL="719907" indent="0">
+              <a:buNone/>
+              <a:defRPr sz="1890"/>
+            </a:lvl3pPr>
+            <a:lvl4pPr marL="1079861" indent="0">
+              <a:buNone/>
+              <a:defRPr sz="1575"/>
+            </a:lvl4pPr>
+            <a:lvl5pPr marL="1439814" indent="0">
+              <a:buNone/>
+              <a:defRPr sz="1575"/>
+            </a:lvl5pPr>
+            <a:lvl6pPr marL="1799768" indent="0">
+              <a:buNone/>
+              <a:defRPr sz="1575"/>
+            </a:lvl6pPr>
+            <a:lvl7pPr marL="2159721" indent="0">
+              <a:buNone/>
+              <a:defRPr sz="1575"/>
+            </a:lvl7pPr>
+            <a:lvl8pPr marL="2519675" indent="0">
+              <a:buNone/>
+              <a:defRPr sz="1575"/>
+            </a:lvl8pPr>
+            <a:lvl9pPr marL="2879628" indent="0">
+              <a:buNone/>
+              <a:defRPr sz="1575"/>
+            </a:lvl9pPr>
+          </a:lstStyle>
+          <a:p>
+            <a:r>
+              <a:rPr lang="en-US"/>
+              <a:t>Click icon to add picture</a:t>
+            </a:r>
+            <a:endParaRPr lang="en-US" dirty="0"/>
+          </a:p>
+        </p:txBody>
+      </p:sp>
+      <p:sp>
+        <p:nvSpPr>
+          <p:cNvPr id="4" name="Text Placeholder 3"/>
+          <p:cNvSpPr>
+            <a:spLocks noGrp="1"/>
+          </p:cNvSpPr>
+          <p:nvPr>
+            <p:ph type="body" sz="half" idx="2"/>
+          </p:nvPr>
+        </p:nvSpPr>
+        <p:spPr>
+          <a:xfrm>
+            <a:off x="495890" y="2159794"/>
+            <a:ext cx="2321966" cy="4001285"/>
           </a:xfrm>
         </p:spPr>
         <p:txBody>
@@ -2556,109 +2302,42 @@
           <a:lstStyle>
             <a:lvl1pPr marL="0" indent="0">
               <a:buNone/>
-              <a:defRPr sz="2835"/>
+              <a:defRPr sz="1260"/>
             </a:lvl1pPr>
-            <a:lvl2pPr marL="404988" indent="0">
-              <a:buNone/>
-              <a:defRPr sz="2480"/>
+            <a:lvl2pPr marL="359954" indent="0">
+              <a:buNone/>
+              <a:defRPr sz="1102"/>
             </a:lvl2pPr>
-            <a:lvl3pPr marL="809976" indent="0">
-              <a:buNone/>
-              <a:defRPr sz="2126"/>
+            <a:lvl3pPr marL="719907" indent="0">
+              <a:buNone/>
+              <a:defRPr sz="945"/>
             </a:lvl3pPr>
-            <a:lvl4pPr marL="1214963" indent="0">
-              <a:buNone/>
-              <a:defRPr sz="1772"/>
+            <a:lvl4pPr marL="1079861" indent="0">
+              <a:buNone/>
+              <a:defRPr sz="787"/>
             </a:lvl4pPr>
-            <a:lvl5pPr marL="1619951" indent="0">
-              <a:buNone/>
-              <a:defRPr sz="1772"/>
+            <a:lvl5pPr marL="1439814" indent="0">
+              <a:buNone/>
+              <a:defRPr sz="787"/>
             </a:lvl5pPr>
-            <a:lvl6pPr marL="2024939" indent="0">
-              <a:buNone/>
-              <a:defRPr sz="1772"/>
+            <a:lvl6pPr marL="1799768" indent="0">
+              <a:buNone/>
+              <a:defRPr sz="787"/>
             </a:lvl6pPr>
-            <a:lvl7pPr marL="2429927" indent="0">
-              <a:buNone/>
-              <a:defRPr sz="1772"/>
+            <a:lvl7pPr marL="2159721" indent="0">
+              <a:buNone/>
+              <a:defRPr sz="787"/>
             </a:lvl7pPr>
-            <a:lvl8pPr marL="2834914" indent="0">
-              <a:buNone/>
-              <a:defRPr sz="1772"/>
+            <a:lvl8pPr marL="2519675" indent="0">
+              <a:buNone/>
+              <a:defRPr sz="787"/>
             </a:lvl8pPr>
-            <a:lvl9pPr marL="3239902" indent="0">
-              <a:buNone/>
-              <a:defRPr sz="1772"/>
+            <a:lvl9pPr marL="2879628" indent="0">
+              <a:buNone/>
+              <a:defRPr sz="787"/>
             </a:lvl9pPr>
           </a:lstStyle>
           <a:p>
-            <a:endParaRPr lang="vi-VN"/>
-          </a:p>
-        </p:txBody>
-      </p:sp>
-      <p:sp>
-        <p:nvSpPr>
-          <p:cNvPr id="4" name="Text Placeholder 3">
-            <a:extLst>
-              <a:ext uri="{FF2B5EF4-FFF2-40B4-BE49-F238E27FC236}">
-                <a16:creationId xmlns:a16="http://schemas.microsoft.com/office/drawing/2014/main" id="{ACC42DD4-47E1-0365-862B-ED4DCAE815AB}"/>
-              </a:ext>
-            </a:extLst>
-          </p:cNvPr>
-          <p:cNvSpPr>
-            <a:spLocks noGrp="1"/>
-          </p:cNvSpPr>
-          <p:nvPr>
-            <p:ph type="body" sz="half" idx="2"/>
-          </p:nvPr>
-        </p:nvSpPr>
-        <p:spPr>
-          <a:xfrm>
-            <a:off x="743891" y="3239929"/>
-            <a:ext cx="3483204" cy="6002369"/>
-          </a:xfrm>
-        </p:spPr>
-        <p:txBody>
-          <a:bodyPr/>
-          <a:lstStyle>
-            <a:lvl1pPr marL="0" indent="0">
-              <a:buNone/>
-              <a:defRPr sz="1417"/>
-            </a:lvl1pPr>
-            <a:lvl2pPr marL="404988" indent="0">
-              <a:buNone/>
-              <a:defRPr sz="1240"/>
-            </a:lvl2pPr>
-            <a:lvl3pPr marL="809976" indent="0">
-              <a:buNone/>
-              <a:defRPr sz="1063"/>
-            </a:lvl3pPr>
-            <a:lvl4pPr marL="1214963" indent="0">
-              <a:buNone/>
-              <a:defRPr sz="886"/>
-            </a:lvl4pPr>
-            <a:lvl5pPr marL="1619951" indent="0">
-              <a:buNone/>
-              <a:defRPr sz="886"/>
-            </a:lvl5pPr>
-            <a:lvl6pPr marL="2024939" indent="0">
-              <a:buNone/>
-              <a:defRPr sz="886"/>
-            </a:lvl6pPr>
-            <a:lvl7pPr marL="2429927" indent="0">
-              <a:buNone/>
-              <a:defRPr sz="886"/>
-            </a:lvl7pPr>
-            <a:lvl8pPr marL="2834914" indent="0">
-              <a:buNone/>
-              <a:defRPr sz="886"/>
-            </a:lvl8pPr>
-            <a:lvl9pPr marL="3239902" indent="0">
-              <a:buNone/>
-              <a:defRPr sz="886"/>
-            </a:lvl9pPr>
-          </a:lstStyle>
-          <a:p>
             <a:pPr lvl="0"/>
             <a:r>
               <a:rPr lang="en-US"/>
@@ -2669,13 +2348,7 @@
       </p:sp>
       <p:sp>
         <p:nvSpPr>
-          <p:cNvPr id="5" name="Date Placeholder 4">
-            <a:extLst>
-              <a:ext uri="{FF2B5EF4-FFF2-40B4-BE49-F238E27FC236}">
-                <a16:creationId xmlns:a16="http://schemas.microsoft.com/office/drawing/2014/main" id="{5671E320-2DEB-F097-D1E1-4CC0584A0771}"/>
-              </a:ext>
-            </a:extLst>
-          </p:cNvPr>
+          <p:cNvPr id="5" name="Date Placeholder 4"/>
           <p:cNvSpPr>
             <a:spLocks noGrp="1"/>
           </p:cNvSpPr>
@@ -2690,7 +2363,7 @@
           <a:p>
             <a:fld id="{78AC6A5B-8AE7-4A41-B5A7-9ADC6686DC18}" type="datetime1">
               <a:rPr lang="en-US" smtClean="0"/>
-              <a:t>10/30/2024</a:t>
+              <a:t>11/5/2024</a:t>
             </a:fld>
             <a:endParaRPr lang="en-US"/>
           </a:p>
@@ -2698,13 +2371,7 @@
       </p:sp>
       <p:sp>
         <p:nvSpPr>
-          <p:cNvPr id="6" name="Footer Placeholder 5">
-            <a:extLst>
-              <a:ext uri="{FF2B5EF4-FFF2-40B4-BE49-F238E27FC236}">
-                <a16:creationId xmlns:a16="http://schemas.microsoft.com/office/drawing/2014/main" id="{EDA9F584-0639-EFAA-9518-A97E535BDA34}"/>
-              </a:ext>
-            </a:extLst>
-          </p:cNvPr>
+          <p:cNvPr id="6" name="Footer Placeholder 5"/>
           <p:cNvSpPr>
             <a:spLocks noGrp="1"/>
           </p:cNvSpPr>
@@ -2723,13 +2390,7 @@
       </p:sp>
       <p:sp>
         <p:nvSpPr>
-          <p:cNvPr id="7" name="Slide Number Placeholder 6">
-            <a:extLst>
-              <a:ext uri="{FF2B5EF4-FFF2-40B4-BE49-F238E27FC236}">
-                <a16:creationId xmlns:a16="http://schemas.microsoft.com/office/drawing/2014/main" id="{01DC95B6-FAE9-2A43-6DF8-08F0FC134560}"/>
-              </a:ext>
-            </a:extLst>
-          </p:cNvPr>
+          <p:cNvPr id="7" name="Slide Number Placeholder 6"/>
           <p:cNvSpPr>
             <a:spLocks noGrp="1"/>
           </p:cNvSpPr>
@@ -2753,7 +2414,7 @@
     </p:spTree>
     <p:extLst>
       <p:ext uri="{BB962C8B-B14F-4D97-AF65-F5344CB8AC3E}">
-        <p14:creationId xmlns:p14="http://schemas.microsoft.com/office/powerpoint/2010/main" val="2437789418"/>
+        <p14:creationId xmlns:p14="http://schemas.microsoft.com/office/powerpoint/2010/main" val="1844069275"/>
       </p:ext>
     </p:extLst>
   </p:cSld>
@@ -2787,13 +2448,7 @@
       </p:grpSpPr>
       <p:sp>
         <p:nvSpPr>
-          <p:cNvPr id="2" name="Title Placeholder 1">
-            <a:extLst>
-              <a:ext uri="{FF2B5EF4-FFF2-40B4-BE49-F238E27FC236}">
-                <a16:creationId xmlns:a16="http://schemas.microsoft.com/office/drawing/2014/main" id="{86D433A9-A804-9C34-1610-51BCB02BF494}"/>
-              </a:ext>
-            </a:extLst>
-          </p:cNvPr>
+          <p:cNvPr id="2" name="Title Placeholder 1"/>
           <p:cNvSpPr>
             <a:spLocks noGrp="1"/>
           </p:cNvSpPr>
@@ -2803,8 +2458,8 @@
         </p:nvSpPr>
         <p:spPr>
           <a:xfrm>
-            <a:off x="742484" y="574988"/>
-            <a:ext cx="9314796" cy="2087455"/>
+            <a:off x="494953" y="383299"/>
+            <a:ext cx="6209407" cy="1391534"/>
           </a:xfrm>
           <a:prstGeom prst="rect">
             <a:avLst/>
@@ -2820,19 +2475,13 @@
               <a:rPr lang="en-US"/>
               <a:t>Click to edit Master title style</a:t>
             </a:r>
-            <a:endParaRPr lang="vi-VN"/>
-          </a:p>
-        </p:txBody>
-      </p:sp>
-      <p:sp>
-        <p:nvSpPr>
-          <p:cNvPr id="3" name="Text Placeholder 2">
-            <a:extLst>
-              <a:ext uri="{FF2B5EF4-FFF2-40B4-BE49-F238E27FC236}">
-                <a16:creationId xmlns:a16="http://schemas.microsoft.com/office/drawing/2014/main" id="{18002C44-2007-283E-BEC7-8E631D33D94F}"/>
-              </a:ext>
-            </a:extLst>
-          </p:cNvPr>
+            <a:endParaRPr lang="en-US" dirty="0"/>
+          </a:p>
+        </p:txBody>
+      </p:sp>
+      <p:sp>
+        <p:nvSpPr>
+          <p:cNvPr id="3" name="Text Placeholder 2"/>
           <p:cNvSpPr>
             <a:spLocks noGrp="1"/>
           </p:cNvSpPr>
@@ -2842,8 +2491,8 @@
         </p:nvSpPr>
         <p:spPr>
           <a:xfrm>
-            <a:off x="742484" y="2874937"/>
-            <a:ext cx="9314796" cy="6852350"/>
+            <a:off x="494953" y="1916484"/>
+            <a:ext cx="6209407" cy="4567898"/>
           </a:xfrm>
           <a:prstGeom prst="rect">
             <a:avLst/>
@@ -2888,19 +2537,13 @@
               <a:rPr lang="en-US"/>
               <a:t>Fifth level</a:t>
             </a:r>
-            <a:endParaRPr lang="vi-VN"/>
-          </a:p>
-        </p:txBody>
-      </p:sp>
-      <p:sp>
-        <p:nvSpPr>
-          <p:cNvPr id="4" name="Date Placeholder 3">
-            <a:extLst>
-              <a:ext uri="{FF2B5EF4-FFF2-40B4-BE49-F238E27FC236}">
-                <a16:creationId xmlns:a16="http://schemas.microsoft.com/office/drawing/2014/main" id="{2648D522-93AF-F793-A810-9C065747034E}"/>
-              </a:ext>
-            </a:extLst>
-          </p:cNvPr>
+            <a:endParaRPr lang="en-US" dirty="0"/>
+          </a:p>
+        </p:txBody>
+      </p:sp>
+      <p:sp>
+        <p:nvSpPr>
+          <p:cNvPr id="4" name="Date Placeholder 3"/>
           <p:cNvSpPr>
             <a:spLocks noGrp="1"/>
           </p:cNvSpPr>
@@ -2910,8 +2553,8 @@
         </p:nvSpPr>
         <p:spPr>
           <a:xfrm>
-            <a:off x="742484" y="10009781"/>
-            <a:ext cx="2429947" cy="574987"/>
+            <a:off x="494953" y="6672698"/>
+            <a:ext cx="1619845" cy="383297"/>
           </a:xfrm>
           <a:prstGeom prst="rect">
             <a:avLst/>
@@ -2921,7 +2564,7 @@
           <a:bodyPr vert="horz" lIns="91440" tIns="45720" rIns="91440" bIns="45720" rtlCol="0" anchor="ctr"/>
           <a:lstStyle>
             <a:lvl1pPr algn="l">
-              <a:defRPr sz="1063">
+              <a:defRPr sz="945">
                 <a:solidFill>
                   <a:schemeClr val="tx1">
                     <a:tint val="82000"/>
@@ -2934,7 +2577,7 @@
             <a:fld id="{57E0CF6C-748E-4B7A-BC8B-3011EF78ED13}" type="datetime1">
               <a:rPr lang="en-US" smtClean="0"/>
               <a:pPr/>
-              <a:t>10/30/2024</a:t>
+              <a:t>11/5/2024</a:t>
             </a:fld>
             <a:endParaRPr lang="en-US" dirty="0"/>
           </a:p>
@@ -2942,13 +2585,7 @@
       </p:sp>
       <p:sp>
         <p:nvSpPr>
-          <p:cNvPr id="5" name="Footer Placeholder 4">
-            <a:extLst>
-              <a:ext uri="{FF2B5EF4-FFF2-40B4-BE49-F238E27FC236}">
-                <a16:creationId xmlns:a16="http://schemas.microsoft.com/office/drawing/2014/main" id="{D8C05256-702E-AB2D-DEC1-C086D835D635}"/>
-              </a:ext>
-            </a:extLst>
-          </p:cNvPr>
+          <p:cNvPr id="5" name="Footer Placeholder 4"/>
           <p:cNvSpPr>
             <a:spLocks noGrp="1"/>
           </p:cNvSpPr>
@@ -2958,8 +2595,8 @@
         </p:nvSpPr>
         <p:spPr>
           <a:xfrm>
-            <a:off x="3577422" y="10009781"/>
-            <a:ext cx="3644920" cy="574987"/>
+            <a:off x="2384773" y="6672698"/>
+            <a:ext cx="2429768" cy="383297"/>
           </a:xfrm>
           <a:prstGeom prst="rect">
             <a:avLst/>
@@ -2969,7 +2606,7 @@
           <a:bodyPr vert="horz" lIns="91440" tIns="45720" rIns="91440" bIns="45720" rtlCol="0" anchor="ctr"/>
           <a:lstStyle>
             <a:lvl1pPr algn="ctr">
-              <a:defRPr sz="1063">
+              <a:defRPr sz="945">
                 <a:solidFill>
                   <a:schemeClr val="tx1">
                     <a:tint val="82000"/>
@@ -2991,13 +2628,7 @@
       </p:sp>
       <p:sp>
         <p:nvSpPr>
-          <p:cNvPr id="6" name="Slide Number Placeholder 5">
-            <a:extLst>
-              <a:ext uri="{FF2B5EF4-FFF2-40B4-BE49-F238E27FC236}">
-                <a16:creationId xmlns:a16="http://schemas.microsoft.com/office/drawing/2014/main" id="{79DBCF46-8B7C-FF36-F772-D6C6EDDE3512}"/>
-              </a:ext>
-            </a:extLst>
-          </p:cNvPr>
+          <p:cNvPr id="6" name="Slide Number Placeholder 5"/>
           <p:cNvSpPr>
             <a:spLocks noGrp="1"/>
           </p:cNvSpPr>
@@ -3007,8 +2638,8 @@
         </p:nvSpPr>
         <p:spPr>
           <a:xfrm>
-            <a:off x="7627332" y="10009781"/>
-            <a:ext cx="2429947" cy="574987"/>
+            <a:off x="5084515" y="6672698"/>
+            <a:ext cx="1619845" cy="383297"/>
           </a:xfrm>
           <a:prstGeom prst="rect">
             <a:avLst/>
@@ -3018,7 +2649,7 @@
           <a:bodyPr vert="horz" lIns="91440" tIns="45720" rIns="91440" bIns="45720" rtlCol="0" anchor="ctr"/>
           <a:lstStyle>
             <a:lvl1pPr algn="r">
-              <a:defRPr sz="1063">
+              <a:defRPr sz="945">
                 <a:solidFill>
                   <a:schemeClr val="tx1">
                     <a:tint val="82000"/>
@@ -3040,28 +2671,28 @@
     </p:spTree>
     <p:extLst>
       <p:ext uri="{BB962C8B-B14F-4D97-AF65-F5344CB8AC3E}">
-        <p14:creationId xmlns:p14="http://schemas.microsoft.com/office/powerpoint/2010/main" val="4205561777"/>
+        <p14:creationId xmlns:p14="http://schemas.microsoft.com/office/powerpoint/2010/main" val="1032861046"/>
       </p:ext>
     </p:extLst>
   </p:cSld>
   <p:clrMap bg1="lt1" tx1="dk1" bg2="lt2" tx2="dk2" accent1="accent1" accent2="accent2" accent3="accent3" accent4="accent4" accent5="accent5" accent6="accent6" hlink="hlink" folHlink="folHlink"/>
   <p:sldLayoutIdLst>
-    <p:sldLayoutId id="2147483673" r:id="rId1"/>
-    <p:sldLayoutId id="2147483674" r:id="rId2"/>
-    <p:sldLayoutId id="2147483675" r:id="rId3"/>
-    <p:sldLayoutId id="2147483676" r:id="rId4"/>
-    <p:sldLayoutId id="2147483677" r:id="rId5"/>
-    <p:sldLayoutId id="2147483678" r:id="rId6"/>
-    <p:sldLayoutId id="2147483679" r:id="rId7"/>
-    <p:sldLayoutId id="2147483680" r:id="rId8"/>
-    <p:sldLayoutId id="2147483681" r:id="rId9"/>
-    <p:sldLayoutId id="2147483682" r:id="rId10"/>
-    <p:sldLayoutId id="2147483683" r:id="rId11"/>
+    <p:sldLayoutId id="2147483685" r:id="rId1"/>
+    <p:sldLayoutId id="2147483686" r:id="rId2"/>
+    <p:sldLayoutId id="2147483687" r:id="rId3"/>
+    <p:sldLayoutId id="2147483688" r:id="rId4"/>
+    <p:sldLayoutId id="2147483689" r:id="rId5"/>
+    <p:sldLayoutId id="2147483690" r:id="rId6"/>
+    <p:sldLayoutId id="2147483691" r:id="rId7"/>
+    <p:sldLayoutId id="2147483692" r:id="rId8"/>
+    <p:sldLayoutId id="2147483693" r:id="rId9"/>
+    <p:sldLayoutId id="2147483694" r:id="rId10"/>
+    <p:sldLayoutId id="2147483695" r:id="rId11"/>
   </p:sldLayoutIdLst>
   <p:hf sldNum="0" hdr="0" ftr="0" dt="0"/>
   <p:txStyles>
     <p:titleStyle>
-      <a:lvl1pPr algn="l" defTabSz="809976" rtl="0" eaLnBrk="1" latinLnBrk="0" hangingPunct="1">
+      <a:lvl1pPr algn="l" defTabSz="719907" rtl="0" eaLnBrk="1" latinLnBrk="0" hangingPunct="1">
         <a:lnSpc>
           <a:spcPct val="90000"/>
         </a:lnSpc>
@@ -3069,7 +2700,7 @@
           <a:spcPct val="0"/>
         </a:spcBef>
         <a:buNone/>
-        <a:defRPr sz="3898" kern="1200">
+        <a:defRPr sz="3464" kern="1200">
           <a:solidFill>
             <a:schemeClr val="tx1"/>
           </a:solidFill>
@@ -3080,16 +2711,16 @@
       </a:lvl1pPr>
     </p:titleStyle>
     <p:bodyStyle>
-      <a:lvl1pPr marL="202494" indent="-202494" algn="l" defTabSz="809976" rtl="0" eaLnBrk="1" latinLnBrk="0" hangingPunct="1">
+      <a:lvl1pPr marL="179977" indent="-179977" algn="l" defTabSz="719907" rtl="0" eaLnBrk="1" latinLnBrk="0" hangingPunct="1">
         <a:lnSpc>
           <a:spcPct val="90000"/>
         </a:lnSpc>
         <a:spcBef>
-          <a:spcPts val="886"/>
+          <a:spcPts val="787"/>
         </a:spcBef>
         <a:buFont typeface="Arial" panose="020B0604020202020204" pitchFamily="34" charset="0"/>
         <a:buChar char="•"/>
-        <a:defRPr sz="2480" kern="1200">
+        <a:defRPr sz="2204" kern="1200">
           <a:solidFill>
             <a:schemeClr val="tx1"/>
           </a:solidFill>
@@ -3098,16 +2729,16 @@
           <a:cs typeface="+mn-cs"/>
         </a:defRPr>
       </a:lvl1pPr>
-      <a:lvl2pPr marL="607482" indent="-202494" algn="l" defTabSz="809976" rtl="0" eaLnBrk="1" latinLnBrk="0" hangingPunct="1">
+      <a:lvl2pPr marL="539930" indent="-179977" algn="l" defTabSz="719907" rtl="0" eaLnBrk="1" latinLnBrk="0" hangingPunct="1">
         <a:lnSpc>
           <a:spcPct val="90000"/>
         </a:lnSpc>
         <a:spcBef>
-          <a:spcPts val="443"/>
+          <a:spcPts val="394"/>
         </a:spcBef>
         <a:buFont typeface="Arial" panose="020B0604020202020204" pitchFamily="34" charset="0"/>
         <a:buChar char="•"/>
-        <a:defRPr sz="2126" kern="1200">
+        <a:defRPr sz="1890" kern="1200">
           <a:solidFill>
             <a:schemeClr val="tx1"/>
           </a:solidFill>
@@ -3116,16 +2747,16 @@
           <a:cs typeface="+mn-cs"/>
         </a:defRPr>
       </a:lvl2pPr>
-      <a:lvl3pPr marL="1012469" indent="-202494" algn="l" defTabSz="809976" rtl="0" eaLnBrk="1" latinLnBrk="0" hangingPunct="1">
+      <a:lvl3pPr marL="899884" indent="-179977" algn="l" defTabSz="719907" rtl="0" eaLnBrk="1" latinLnBrk="0" hangingPunct="1">
         <a:lnSpc>
           <a:spcPct val="90000"/>
         </a:lnSpc>
         <a:spcBef>
-          <a:spcPts val="443"/>
+          <a:spcPts val="394"/>
         </a:spcBef>
         <a:buFont typeface="Arial" panose="020B0604020202020204" pitchFamily="34" charset="0"/>
         <a:buChar char="•"/>
-        <a:defRPr sz="1772" kern="1200">
+        <a:defRPr sz="1575" kern="1200">
           <a:solidFill>
             <a:schemeClr val="tx1"/>
           </a:solidFill>
@@ -3134,16 +2765,16 @@
           <a:cs typeface="+mn-cs"/>
         </a:defRPr>
       </a:lvl3pPr>
-      <a:lvl4pPr marL="1417457" indent="-202494" algn="l" defTabSz="809976" rtl="0" eaLnBrk="1" latinLnBrk="0" hangingPunct="1">
+      <a:lvl4pPr marL="1259837" indent="-179977" algn="l" defTabSz="719907" rtl="0" eaLnBrk="1" latinLnBrk="0" hangingPunct="1">
         <a:lnSpc>
           <a:spcPct val="90000"/>
         </a:lnSpc>
         <a:spcBef>
-          <a:spcPts val="443"/>
+          <a:spcPts val="394"/>
         </a:spcBef>
         <a:buFont typeface="Arial" panose="020B0604020202020204" pitchFamily="34" charset="0"/>
         <a:buChar char="•"/>
-        <a:defRPr sz="1594" kern="1200">
+        <a:defRPr sz="1417" kern="1200">
           <a:solidFill>
             <a:schemeClr val="tx1"/>
           </a:solidFill>
@@ -3152,16 +2783,16 @@
           <a:cs typeface="+mn-cs"/>
         </a:defRPr>
       </a:lvl4pPr>
-      <a:lvl5pPr marL="1822445" indent="-202494" algn="l" defTabSz="809976" rtl="0" eaLnBrk="1" latinLnBrk="0" hangingPunct="1">
+      <a:lvl5pPr marL="1619791" indent="-179977" algn="l" defTabSz="719907" rtl="0" eaLnBrk="1" latinLnBrk="0" hangingPunct="1">
         <a:lnSpc>
           <a:spcPct val="90000"/>
         </a:lnSpc>
         <a:spcBef>
-          <a:spcPts val="443"/>
+          <a:spcPts val="394"/>
         </a:spcBef>
         <a:buFont typeface="Arial" panose="020B0604020202020204" pitchFamily="34" charset="0"/>
         <a:buChar char="•"/>
-        <a:defRPr sz="1594" kern="1200">
+        <a:defRPr sz="1417" kern="1200">
           <a:solidFill>
             <a:schemeClr val="tx1"/>
           </a:solidFill>
@@ -3170,16 +2801,16 @@
           <a:cs typeface="+mn-cs"/>
         </a:defRPr>
       </a:lvl5pPr>
-      <a:lvl6pPr marL="2227433" indent="-202494" algn="l" defTabSz="809976" rtl="0" eaLnBrk="1" latinLnBrk="0" hangingPunct="1">
+      <a:lvl6pPr marL="1979745" indent="-179977" algn="l" defTabSz="719907" rtl="0" eaLnBrk="1" latinLnBrk="0" hangingPunct="1">
         <a:lnSpc>
           <a:spcPct val="90000"/>
         </a:lnSpc>
         <a:spcBef>
-          <a:spcPts val="443"/>
+          <a:spcPts val="394"/>
         </a:spcBef>
         <a:buFont typeface="Arial" panose="020B0604020202020204" pitchFamily="34" charset="0"/>
         <a:buChar char="•"/>
-        <a:defRPr sz="1594" kern="1200">
+        <a:defRPr sz="1417" kern="1200">
           <a:solidFill>
             <a:schemeClr val="tx1"/>
           </a:solidFill>
@@ -3188,16 +2819,16 @@
           <a:cs typeface="+mn-cs"/>
         </a:defRPr>
       </a:lvl6pPr>
-      <a:lvl7pPr marL="2632420" indent="-202494" algn="l" defTabSz="809976" rtl="0" eaLnBrk="1" latinLnBrk="0" hangingPunct="1">
+      <a:lvl7pPr marL="2339698" indent="-179977" algn="l" defTabSz="719907" rtl="0" eaLnBrk="1" latinLnBrk="0" hangingPunct="1">
         <a:lnSpc>
           <a:spcPct val="90000"/>
         </a:lnSpc>
         <a:spcBef>
-          <a:spcPts val="443"/>
+          <a:spcPts val="394"/>
         </a:spcBef>
         <a:buFont typeface="Arial" panose="020B0604020202020204" pitchFamily="34" charset="0"/>
         <a:buChar char="•"/>
-        <a:defRPr sz="1594" kern="1200">
+        <a:defRPr sz="1417" kern="1200">
           <a:solidFill>
             <a:schemeClr val="tx1"/>
           </a:solidFill>
@@ -3206,16 +2837,16 @@
           <a:cs typeface="+mn-cs"/>
         </a:defRPr>
       </a:lvl7pPr>
-      <a:lvl8pPr marL="3037408" indent="-202494" algn="l" defTabSz="809976" rtl="0" eaLnBrk="1" latinLnBrk="0" hangingPunct="1">
+      <a:lvl8pPr marL="2699652" indent="-179977" algn="l" defTabSz="719907" rtl="0" eaLnBrk="1" latinLnBrk="0" hangingPunct="1">
         <a:lnSpc>
           <a:spcPct val="90000"/>
         </a:lnSpc>
         <a:spcBef>
-          <a:spcPts val="443"/>
+          <a:spcPts val="394"/>
         </a:spcBef>
         <a:buFont typeface="Arial" panose="020B0604020202020204" pitchFamily="34" charset="0"/>
         <a:buChar char="•"/>
-        <a:defRPr sz="1594" kern="1200">
+        <a:defRPr sz="1417" kern="1200">
           <a:solidFill>
             <a:schemeClr val="tx1"/>
           </a:solidFill>
@@ -3224,16 +2855,16 @@
           <a:cs typeface="+mn-cs"/>
         </a:defRPr>
       </a:lvl8pPr>
-      <a:lvl9pPr marL="3442396" indent="-202494" algn="l" defTabSz="809976" rtl="0" eaLnBrk="1" latinLnBrk="0" hangingPunct="1">
+      <a:lvl9pPr marL="3059605" indent="-179977" algn="l" defTabSz="719907" rtl="0" eaLnBrk="1" latinLnBrk="0" hangingPunct="1">
         <a:lnSpc>
           <a:spcPct val="90000"/>
         </a:lnSpc>
         <a:spcBef>
-          <a:spcPts val="443"/>
+          <a:spcPts val="394"/>
         </a:spcBef>
         <a:buFont typeface="Arial" panose="020B0604020202020204" pitchFamily="34" charset="0"/>
         <a:buChar char="•"/>
-        <a:defRPr sz="1594" kern="1200">
+        <a:defRPr sz="1417" kern="1200">
           <a:solidFill>
             <a:schemeClr val="tx1"/>
           </a:solidFill>
@@ -3245,10 +2876,10 @@
     </p:bodyStyle>
     <p:otherStyle>
       <a:defPPr>
-        <a:defRPr lang="vi-VN"/>
+        <a:defRPr lang="en-US"/>
       </a:defPPr>
-      <a:lvl1pPr marL="0" algn="l" defTabSz="809976" rtl="0" eaLnBrk="1" latinLnBrk="0" hangingPunct="1">
-        <a:defRPr sz="1594" kern="1200">
+      <a:lvl1pPr marL="0" algn="l" defTabSz="719907" rtl="0" eaLnBrk="1" latinLnBrk="0" hangingPunct="1">
+        <a:defRPr sz="1417" kern="1200">
           <a:solidFill>
             <a:schemeClr val="tx1"/>
           </a:solidFill>
@@ -3257,8 +2888,8 @@
           <a:cs typeface="+mn-cs"/>
         </a:defRPr>
       </a:lvl1pPr>
-      <a:lvl2pPr marL="404988" algn="l" defTabSz="809976" rtl="0" eaLnBrk="1" latinLnBrk="0" hangingPunct="1">
-        <a:defRPr sz="1594" kern="1200">
+      <a:lvl2pPr marL="359954" algn="l" defTabSz="719907" rtl="0" eaLnBrk="1" latinLnBrk="0" hangingPunct="1">
+        <a:defRPr sz="1417" kern="1200">
           <a:solidFill>
             <a:schemeClr val="tx1"/>
           </a:solidFill>
@@ -3267,8 +2898,8 @@
           <a:cs typeface="+mn-cs"/>
         </a:defRPr>
       </a:lvl2pPr>
-      <a:lvl3pPr marL="809976" algn="l" defTabSz="809976" rtl="0" eaLnBrk="1" latinLnBrk="0" hangingPunct="1">
-        <a:defRPr sz="1594" kern="1200">
+      <a:lvl3pPr marL="719907" algn="l" defTabSz="719907" rtl="0" eaLnBrk="1" latinLnBrk="0" hangingPunct="1">
+        <a:defRPr sz="1417" kern="1200">
           <a:solidFill>
             <a:schemeClr val="tx1"/>
           </a:solidFill>
@@ -3277,8 +2908,8 @@
           <a:cs typeface="+mn-cs"/>
         </a:defRPr>
       </a:lvl3pPr>
-      <a:lvl4pPr marL="1214963" algn="l" defTabSz="809976" rtl="0" eaLnBrk="1" latinLnBrk="0" hangingPunct="1">
-        <a:defRPr sz="1594" kern="1200">
+      <a:lvl4pPr marL="1079861" algn="l" defTabSz="719907" rtl="0" eaLnBrk="1" latinLnBrk="0" hangingPunct="1">
+        <a:defRPr sz="1417" kern="1200">
           <a:solidFill>
             <a:schemeClr val="tx1"/>
           </a:solidFill>
@@ -3287,8 +2918,8 @@
           <a:cs typeface="+mn-cs"/>
         </a:defRPr>
       </a:lvl4pPr>
-      <a:lvl5pPr marL="1619951" algn="l" defTabSz="809976" rtl="0" eaLnBrk="1" latinLnBrk="0" hangingPunct="1">
-        <a:defRPr sz="1594" kern="1200">
+      <a:lvl5pPr marL="1439814" algn="l" defTabSz="719907" rtl="0" eaLnBrk="1" latinLnBrk="0" hangingPunct="1">
+        <a:defRPr sz="1417" kern="1200">
           <a:solidFill>
             <a:schemeClr val="tx1"/>
           </a:solidFill>
@@ -3297,8 +2928,8 @@
           <a:cs typeface="+mn-cs"/>
         </a:defRPr>
       </a:lvl5pPr>
-      <a:lvl6pPr marL="2024939" algn="l" defTabSz="809976" rtl="0" eaLnBrk="1" latinLnBrk="0" hangingPunct="1">
-        <a:defRPr sz="1594" kern="1200">
+      <a:lvl6pPr marL="1799768" algn="l" defTabSz="719907" rtl="0" eaLnBrk="1" latinLnBrk="0" hangingPunct="1">
+        <a:defRPr sz="1417" kern="1200">
           <a:solidFill>
             <a:schemeClr val="tx1"/>
           </a:solidFill>
@@ -3307,8 +2938,8 @@
           <a:cs typeface="+mn-cs"/>
         </a:defRPr>
       </a:lvl6pPr>
-      <a:lvl7pPr marL="2429927" algn="l" defTabSz="809976" rtl="0" eaLnBrk="1" latinLnBrk="0" hangingPunct="1">
-        <a:defRPr sz="1594" kern="1200">
+      <a:lvl7pPr marL="2159721" algn="l" defTabSz="719907" rtl="0" eaLnBrk="1" latinLnBrk="0" hangingPunct="1">
+        <a:defRPr sz="1417" kern="1200">
           <a:solidFill>
             <a:schemeClr val="tx1"/>
           </a:solidFill>
@@ -3317,8 +2948,8 @@
           <a:cs typeface="+mn-cs"/>
         </a:defRPr>
       </a:lvl7pPr>
-      <a:lvl8pPr marL="2834914" algn="l" defTabSz="809976" rtl="0" eaLnBrk="1" latinLnBrk="0" hangingPunct="1">
-        <a:defRPr sz="1594" kern="1200">
+      <a:lvl8pPr marL="2519675" algn="l" defTabSz="719907" rtl="0" eaLnBrk="1" latinLnBrk="0" hangingPunct="1">
+        <a:defRPr sz="1417" kern="1200">
           <a:solidFill>
             <a:schemeClr val="tx1"/>
           </a:solidFill>
@@ -3327,8 +2958,8 @@
           <a:cs typeface="+mn-cs"/>
         </a:defRPr>
       </a:lvl8pPr>
-      <a:lvl9pPr marL="3239902" algn="l" defTabSz="809976" rtl="0" eaLnBrk="1" latinLnBrk="0" hangingPunct="1">
-        <a:defRPr sz="1594" kern="1200">
+      <a:lvl9pPr marL="2879628" algn="l" defTabSz="719907" rtl="0" eaLnBrk="1" latinLnBrk="0" hangingPunct="1">
+        <a:defRPr sz="1417" kern="1200">
           <a:solidFill>
             <a:schemeClr val="tx1"/>
           </a:solidFill>
@@ -3381,8 +3012,8 @@
         </p:nvSpPr>
         <p:spPr>
           <a:xfrm>
-            <a:off x="643128" y="1524000"/>
-            <a:ext cx="9614052" cy="7559039"/>
+            <a:off x="425035" y="1015926"/>
+            <a:ext cx="6415601" cy="4965774"/>
           </a:xfrm>
           <a:prstGeom prst="rect">
             <a:avLst/>
@@ -3422,7 +3053,86 @@
           <a:lstStyle/>
           <a:p>
             <a:pPr algn="ctr"/>
-            <a:endParaRPr lang="vi-VN"/>
+            <a:endParaRPr lang="vi-VN" sz="800"/>
+          </a:p>
+        </p:txBody>
+      </p:sp>
+      <p:sp>
+        <p:nvSpPr>
+          <p:cNvPr id="50" name="Rectangle 49">
+            <a:extLst>
+              <a:ext uri="{FF2B5EF4-FFF2-40B4-BE49-F238E27FC236}">
+                <a16:creationId xmlns:a16="http://schemas.microsoft.com/office/drawing/2014/main" id="{EADF1768-5ECC-28AF-F101-4720336A2B30}"/>
+              </a:ext>
+            </a:extLst>
+          </p:cNvPr>
+          <p:cNvSpPr/>
+          <p:nvPr/>
+        </p:nvSpPr>
+        <p:spPr>
+          <a:xfrm>
+            <a:off x="3028482" y="3393466"/>
+            <a:ext cx="3653369" cy="2417651"/>
+          </a:xfrm>
+          <a:prstGeom prst="rect">
+            <a:avLst/>
+          </a:prstGeom>
+          <a:solidFill>
+            <a:schemeClr val="accent1">
+              <a:lumMod val="20000"/>
+              <a:lumOff val="80000"/>
+              <a:alpha val="24000"/>
+            </a:schemeClr>
+          </a:solidFill>
+          <a:ln w="19050">
+            <a:solidFill>
+              <a:schemeClr val="accent1">
+                <a:lumMod val="75000"/>
+                <a:alpha val="42000"/>
+              </a:schemeClr>
+            </a:solidFill>
+          </a:ln>
+        </p:spPr>
+        <p:style>
+          <a:lnRef idx="0">
+            <a:scrgbClr r="0" g="0" b="0"/>
+          </a:lnRef>
+          <a:fillRef idx="0">
+            <a:scrgbClr r="0" g="0" b="0"/>
+          </a:fillRef>
+          <a:effectRef idx="0">
+            <a:scrgbClr r="0" g="0" b="0"/>
+          </a:effectRef>
+          <a:fontRef idx="minor">
+            <a:schemeClr val="lt1"/>
+          </a:fontRef>
+        </p:style>
+        <p:txBody>
+          <a:bodyPr tIns="61200" rtlCol="0" anchor="t" anchorCtr="0"/>
+          <a:lstStyle/>
+          <a:p>
+            <a:pPr algn="ctr"/>
+            <a:r>
+              <a:rPr lang="en-US" sz="1200" dirty="0">
+                <a:solidFill>
+                  <a:schemeClr val="tx2">
+                    <a:lumMod val="90000"/>
+                    <a:lumOff val="10000"/>
+                  </a:schemeClr>
+                </a:solidFill>
+                <a:latin typeface="Aptos" panose="020B0004020202020204" pitchFamily="34" charset="0"/>
+              </a:rPr>
+              <a:t>category</a:t>
+            </a:r>
+            <a:endParaRPr lang="vi-VN" sz="700" dirty="0">
+              <a:solidFill>
+                <a:schemeClr val="tx2">
+                  <a:lumMod val="90000"/>
+                  <a:lumOff val="10000"/>
+                </a:schemeClr>
+              </a:solidFill>
+              <a:latin typeface="Aptos" panose="020B0004020202020204" pitchFamily="34" charset="0"/>
+            </a:endParaRPr>
           </a:p>
         </p:txBody>
       </p:sp>
@@ -3454,8 +3164,8 @@
         </p:blipFill>
         <p:spPr>
           <a:xfrm>
-            <a:off x="2788201" y="9593282"/>
-            <a:ext cx="914400" cy="914400"/>
+            <a:off x="1502685" y="6437089"/>
+            <a:ext cx="609555" cy="609555"/>
           </a:xfrm>
           <a:prstGeom prst="rect">
             <a:avLst/>
@@ -3490,8 +3200,8 @@
         </p:blipFill>
         <p:spPr>
           <a:xfrm>
-            <a:off x="2788201" y="139681"/>
-            <a:ext cx="914400" cy="914400"/>
+            <a:off x="1502685" y="93114"/>
+            <a:ext cx="609555" cy="609555"/>
           </a:xfrm>
           <a:prstGeom prst="rect">
             <a:avLst/>
@@ -3512,8 +3222,8 @@
         </p:nvSpPr>
         <p:spPr>
           <a:xfrm>
-            <a:off x="2391242" y="2177727"/>
-            <a:ext cx="1708318" cy="843780"/>
+            <a:off x="1281528" y="1451711"/>
+            <a:ext cx="1051870" cy="459363"/>
           </a:xfrm>
           <a:prstGeom prst="rect">
             <a:avLst/>
@@ -3523,7 +3233,7 @@
               <a:alpha val="50000"/>
             </a:schemeClr>
           </a:solidFill>
-          <a:ln w="25400">
+          <a:ln w="19050">
             <a:solidFill>
               <a:schemeClr val="accent6">
                 <a:lumMod val="50000"/>
@@ -3551,7 +3261,7 @@
           <a:p>
             <a:pPr algn="ctr"/>
             <a:r>
-              <a:rPr lang="en-US" sz="2400" dirty="0">
+              <a:rPr lang="en-US" sz="1400" dirty="0">
                 <a:solidFill>
                   <a:schemeClr val="accent6">
                     <a:lumMod val="50000"/>
@@ -3561,7 +3271,7 @@
               </a:rPr>
               <a:t>UI</a:t>
             </a:r>
-            <a:endParaRPr lang="vi-VN" sz="2000" dirty="0">
+            <a:endParaRPr lang="vi-VN" sz="1200" dirty="0">
               <a:solidFill>
                 <a:schemeClr val="accent6">
                   <a:lumMod val="50000"/>
@@ -3586,8 +3296,8 @@
         </p:nvSpPr>
         <p:spPr>
           <a:xfrm>
-            <a:off x="2391242" y="3931559"/>
-            <a:ext cx="1708318" cy="843780"/>
+            <a:off x="1281528" y="2620846"/>
+            <a:ext cx="1051870" cy="459363"/>
           </a:xfrm>
           <a:prstGeom prst="rect">
             <a:avLst/>
@@ -3597,7 +3307,7 @@
               <a:alpha val="50000"/>
             </a:schemeClr>
           </a:solidFill>
-          <a:ln w="25400">
+          <a:ln w="19050">
             <a:solidFill>
               <a:schemeClr val="accent6">
                 <a:lumMod val="50000"/>
@@ -3625,7 +3335,7 @@
           <a:p>
             <a:pPr algn="ctr"/>
             <a:r>
-              <a:rPr lang="en-US" sz="2400" dirty="0">
+              <a:rPr lang="en-US" sz="1400" dirty="0">
                 <a:solidFill>
                   <a:schemeClr val="accent6">
                     <a:lumMod val="50000"/>
@@ -3635,7 +3345,7 @@
               </a:rPr>
               <a:t>Main</a:t>
             </a:r>
-            <a:endParaRPr lang="vi-VN" sz="2000" dirty="0">
+            <a:endParaRPr lang="vi-VN" sz="1200" dirty="0">
               <a:solidFill>
                 <a:schemeClr val="accent6">
                   <a:lumMod val="50000"/>
@@ -3660,8 +3370,8 @@
         </p:nvSpPr>
         <p:spPr>
           <a:xfrm>
-            <a:off x="2391242" y="5651161"/>
-            <a:ext cx="1708318" cy="843780"/>
+            <a:off x="1281528" y="3767164"/>
+            <a:ext cx="1051870" cy="459363"/>
           </a:xfrm>
           <a:prstGeom prst="rect">
             <a:avLst/>
@@ -3671,7 +3381,7 @@
               <a:alpha val="50000"/>
             </a:schemeClr>
           </a:solidFill>
-          <a:ln w="25400">
+          <a:ln w="19050">
             <a:solidFill>
               <a:schemeClr val="accent6">
                 <a:lumMod val="50000"/>
@@ -3699,7 +3409,7 @@
           <a:p>
             <a:pPr algn="ctr"/>
             <a:r>
-              <a:rPr lang="en-US" sz="2000" dirty="0">
+              <a:rPr lang="en-US" sz="1200" dirty="0">
                 <a:solidFill>
                   <a:schemeClr val="accent6">
                     <a:lumMod val="50000"/>
@@ -3709,7 +3419,7 @@
               </a:rPr>
               <a:t>Command</a:t>
             </a:r>
-            <a:endParaRPr lang="vi-VN" dirty="0">
+            <a:endParaRPr lang="vi-VN" sz="700" dirty="0">
               <a:solidFill>
                 <a:schemeClr val="accent6">
                   <a:lumMod val="50000"/>
@@ -3734,8 +3444,8 @@
         </p:nvSpPr>
         <p:spPr>
           <a:xfrm>
-            <a:off x="2391242" y="7370761"/>
-            <a:ext cx="1708318" cy="843780"/>
+            <a:off x="1281528" y="4913479"/>
+            <a:ext cx="1051870" cy="459363"/>
           </a:xfrm>
           <a:prstGeom prst="rect">
             <a:avLst/>
@@ -3747,7 +3457,7 @@
               <a:alpha val="50000"/>
             </a:schemeClr>
           </a:solidFill>
-          <a:ln w="25400">
+          <a:ln w="19050">
             <a:solidFill>
               <a:schemeClr val="accent5">
                 <a:lumMod val="50000"/>
@@ -3775,7 +3485,7 @@
           <a:p>
             <a:pPr algn="ctr"/>
             <a:r>
-              <a:rPr lang="en-US" sz="2400" dirty="0">
+              <a:rPr lang="en-US" sz="1400" dirty="0">
                 <a:solidFill>
                   <a:schemeClr val="accent5">
                     <a:lumMod val="50000"/>
@@ -3785,7 +3495,7 @@
               </a:rPr>
               <a:t>Storage</a:t>
             </a:r>
-            <a:endParaRPr lang="vi-VN" sz="2000" dirty="0">
+            <a:endParaRPr lang="vi-VN" sz="1200" dirty="0">
               <a:solidFill>
                 <a:schemeClr val="accent5">
                   <a:lumMod val="50000"/>
@@ -3810,8 +3520,8 @@
         </p:nvSpPr>
         <p:spPr>
           <a:xfrm>
-            <a:off x="5027762" y="3931559"/>
-            <a:ext cx="1708318" cy="843780"/>
+            <a:off x="3039079" y="2620846"/>
+            <a:ext cx="1051870" cy="459363"/>
           </a:xfrm>
           <a:prstGeom prst="rect">
             <a:avLst/>
@@ -3821,7 +3531,7 @@
               <a:alpha val="50000"/>
             </a:schemeClr>
           </a:solidFill>
-          <a:ln w="25400">
+          <a:ln w="19050">
             <a:solidFill>
               <a:schemeClr val="accent6">
                 <a:lumMod val="50000"/>
@@ -3849,7 +3559,7 @@
           <a:p>
             <a:pPr algn="ctr"/>
             <a:r>
-              <a:rPr lang="en-US" sz="2400" dirty="0">
+              <a:rPr lang="en-US" sz="1400" dirty="0">
                 <a:solidFill>
                   <a:schemeClr val="accent6">
                     <a:lumMod val="50000"/>
@@ -3859,7 +3569,7 @@
               </a:rPr>
               <a:t>Parser</a:t>
             </a:r>
-            <a:endParaRPr lang="vi-VN" sz="2000" dirty="0">
+            <a:endParaRPr lang="vi-VN" sz="1200" dirty="0">
               <a:solidFill>
                 <a:schemeClr val="accent6">
                   <a:lumMod val="50000"/>
@@ -3884,8 +3594,8 @@
         </p:nvSpPr>
         <p:spPr>
           <a:xfrm>
-            <a:off x="7554362" y="2177727"/>
-            <a:ext cx="1708318" cy="843780"/>
+            <a:off x="5377405" y="1451713"/>
+            <a:ext cx="1051870" cy="459363"/>
           </a:xfrm>
           <a:prstGeom prst="rect">
             <a:avLst/>
@@ -3897,7 +3607,7 @@
               <a:alpha val="50000"/>
             </a:schemeClr>
           </a:solidFill>
-          <a:ln w="25400">
+          <a:ln w="19050">
             <a:solidFill>
               <a:schemeClr val="accent2">
                 <a:lumMod val="50000"/>
@@ -3925,7 +3635,7 @@
           <a:p>
             <a:pPr algn="ctr"/>
             <a:r>
-              <a:rPr lang="en-US" sz="2400" dirty="0">
+              <a:rPr lang="en-US" sz="1400" dirty="0">
                 <a:solidFill>
                   <a:schemeClr val="accent2">
                     <a:lumMod val="50000"/>
@@ -3935,244 +3645,10 @@
               </a:rPr>
               <a:t>Logging</a:t>
             </a:r>
-            <a:endParaRPr lang="vi-VN" sz="2000" dirty="0">
+            <a:endParaRPr lang="vi-VN" sz="1200" dirty="0">
               <a:solidFill>
                 <a:schemeClr val="accent2">
                   <a:lumMod val="50000"/>
-                </a:schemeClr>
-              </a:solidFill>
-              <a:latin typeface="Aptos" panose="020B0004020202020204" pitchFamily="34" charset="0"/>
-            </a:endParaRPr>
-          </a:p>
-        </p:txBody>
-      </p:sp>
-      <p:sp>
-        <p:nvSpPr>
-          <p:cNvPr id="17" name="Rectangle 16">
-            <a:extLst>
-              <a:ext uri="{FF2B5EF4-FFF2-40B4-BE49-F238E27FC236}">
-                <a16:creationId xmlns:a16="http://schemas.microsoft.com/office/drawing/2014/main" id="{3D08EA7F-BC06-C157-D040-26E1C5775983}"/>
-              </a:ext>
-            </a:extLst>
-          </p:cNvPr>
-          <p:cNvSpPr/>
-          <p:nvPr/>
-        </p:nvSpPr>
-        <p:spPr>
-          <a:xfrm>
-            <a:off x="5027762" y="5651160"/>
-            <a:ext cx="1708318" cy="843780"/>
-          </a:xfrm>
-          <a:prstGeom prst="rect">
-            <a:avLst/>
-          </a:prstGeom>
-          <a:solidFill>
-            <a:schemeClr val="accent1">
-              <a:lumMod val="40000"/>
-              <a:lumOff val="60000"/>
-              <a:alpha val="50000"/>
-            </a:schemeClr>
-          </a:solidFill>
-          <a:ln w="25400">
-            <a:solidFill>
-              <a:schemeClr val="accent1">
-                <a:lumMod val="75000"/>
-              </a:schemeClr>
-            </a:solidFill>
-          </a:ln>
-        </p:spPr>
-        <p:style>
-          <a:lnRef idx="0">
-            <a:scrgbClr r="0" g="0" b="0"/>
-          </a:lnRef>
-          <a:fillRef idx="0">
-            <a:scrgbClr r="0" g="0" b="0"/>
-          </a:fillRef>
-          <a:effectRef idx="0">
-            <a:scrgbClr r="0" g="0" b="0"/>
-          </a:effectRef>
-          <a:fontRef idx="minor">
-            <a:schemeClr val="lt1"/>
-          </a:fontRef>
-        </p:style>
-        <p:txBody>
-          <a:bodyPr rtlCol="0" anchor="ctr"/>
-          <a:lstStyle/>
-          <a:p>
-            <a:pPr algn="ctr"/>
-            <a:r>
-              <a:rPr lang="en-US" sz="2000" dirty="0" err="1">
-                <a:solidFill>
-                  <a:schemeClr val="tx2">
-                    <a:lumMod val="90000"/>
-                    <a:lumOff val="10000"/>
-                  </a:schemeClr>
-                </a:solidFill>
-                <a:latin typeface="Aptos" panose="020B0004020202020204" pitchFamily="34" charset="0"/>
-              </a:rPr>
-              <a:t>ExpenseList</a:t>
-            </a:r>
-            <a:endParaRPr lang="vi-VN" dirty="0">
-              <a:solidFill>
-                <a:schemeClr val="tx2">
-                  <a:lumMod val="90000"/>
-                  <a:lumOff val="10000"/>
-                </a:schemeClr>
-              </a:solidFill>
-              <a:latin typeface="Aptos" panose="020B0004020202020204" pitchFamily="34" charset="0"/>
-            </a:endParaRPr>
-          </a:p>
-        </p:txBody>
-      </p:sp>
-      <p:sp>
-        <p:nvSpPr>
-          <p:cNvPr id="18" name="Rectangle 17">
-            <a:extLst>
-              <a:ext uri="{FF2B5EF4-FFF2-40B4-BE49-F238E27FC236}">
-                <a16:creationId xmlns:a16="http://schemas.microsoft.com/office/drawing/2014/main" id="{56F66828-556F-677B-919E-933B53687D2C}"/>
-              </a:ext>
-            </a:extLst>
-          </p:cNvPr>
-          <p:cNvSpPr/>
-          <p:nvPr/>
-        </p:nvSpPr>
-        <p:spPr>
-          <a:xfrm>
-            <a:off x="7664282" y="5651160"/>
-            <a:ext cx="1708318" cy="843780"/>
-          </a:xfrm>
-          <a:prstGeom prst="rect">
-            <a:avLst/>
-          </a:prstGeom>
-          <a:solidFill>
-            <a:schemeClr val="accent1">
-              <a:lumMod val="40000"/>
-              <a:lumOff val="60000"/>
-              <a:alpha val="50000"/>
-            </a:schemeClr>
-          </a:solidFill>
-          <a:ln w="25400">
-            <a:solidFill>
-              <a:schemeClr val="accent1">
-                <a:lumMod val="75000"/>
-              </a:schemeClr>
-            </a:solidFill>
-          </a:ln>
-        </p:spPr>
-        <p:style>
-          <a:lnRef idx="0">
-            <a:scrgbClr r="0" g="0" b="0"/>
-          </a:lnRef>
-          <a:fillRef idx="0">
-            <a:scrgbClr r="0" g="0" b="0"/>
-          </a:fillRef>
-          <a:effectRef idx="0">
-            <a:scrgbClr r="0" g="0" b="0"/>
-          </a:effectRef>
-          <a:fontRef idx="minor">
-            <a:schemeClr val="lt1"/>
-          </a:fontRef>
-        </p:style>
-        <p:txBody>
-          <a:bodyPr rtlCol="0" anchor="ctr"/>
-          <a:lstStyle/>
-          <a:p>
-            <a:pPr algn="ctr"/>
-            <a:r>
-              <a:rPr lang="en-US" sz="2000" dirty="0">
-                <a:solidFill>
-                  <a:schemeClr val="tx2">
-                    <a:lumMod val="90000"/>
-                    <a:lumOff val="10000"/>
-                  </a:schemeClr>
-                </a:solidFill>
-                <a:latin typeface="Aptos" panose="020B0004020202020204" pitchFamily="34" charset="0"/>
-              </a:rPr>
-              <a:t>Expense</a:t>
-            </a:r>
-            <a:endParaRPr lang="vi-VN" dirty="0">
-              <a:solidFill>
-                <a:schemeClr val="tx2">
-                  <a:lumMod val="90000"/>
-                  <a:lumOff val="10000"/>
-                </a:schemeClr>
-              </a:solidFill>
-              <a:latin typeface="Aptos" panose="020B0004020202020204" pitchFamily="34" charset="0"/>
-            </a:endParaRPr>
-          </a:p>
-        </p:txBody>
-      </p:sp>
-      <p:sp>
-        <p:nvSpPr>
-          <p:cNvPr id="19" name="Rectangle 18">
-            <a:extLst>
-              <a:ext uri="{FF2B5EF4-FFF2-40B4-BE49-F238E27FC236}">
-                <a16:creationId xmlns:a16="http://schemas.microsoft.com/office/drawing/2014/main" id="{E5ED475E-6043-9513-61C6-922BA45A4ED0}"/>
-              </a:ext>
-            </a:extLst>
-          </p:cNvPr>
-          <p:cNvSpPr/>
-          <p:nvPr/>
-        </p:nvSpPr>
-        <p:spPr>
-          <a:xfrm>
-            <a:off x="5027762" y="7370761"/>
-            <a:ext cx="1708318" cy="843780"/>
-          </a:xfrm>
-          <a:prstGeom prst="rect">
-            <a:avLst/>
-          </a:prstGeom>
-          <a:solidFill>
-            <a:schemeClr val="accent1">
-              <a:lumMod val="40000"/>
-              <a:lumOff val="60000"/>
-              <a:alpha val="50000"/>
-            </a:schemeClr>
-          </a:solidFill>
-          <a:ln w="25400">
-            <a:solidFill>
-              <a:schemeClr val="accent1">
-                <a:lumMod val="75000"/>
-              </a:schemeClr>
-            </a:solidFill>
-          </a:ln>
-        </p:spPr>
-        <p:style>
-          <a:lnRef idx="0">
-            <a:scrgbClr r="0" g="0" b="0"/>
-          </a:lnRef>
-          <a:fillRef idx="0">
-            <a:scrgbClr r="0" g="0" b="0"/>
-          </a:fillRef>
-          <a:effectRef idx="0">
-            <a:scrgbClr r="0" g="0" b="0"/>
-          </a:effectRef>
-          <a:fontRef idx="minor">
-            <a:schemeClr val="lt1"/>
-          </a:fontRef>
-        </p:style>
-        <p:txBody>
-          <a:bodyPr rtlCol="0" anchor="ctr"/>
-          <a:lstStyle/>
-          <a:p>
-            <a:pPr algn="ctr"/>
-            <a:r>
-              <a:rPr lang="en-US" sz="2000" dirty="0" err="1">
-                <a:solidFill>
-                  <a:schemeClr val="tx2">
-                    <a:lumMod val="90000"/>
-                    <a:lumOff val="10000"/>
-                  </a:schemeClr>
-                </a:solidFill>
-                <a:latin typeface="Aptos" panose="020B0004020202020204" pitchFamily="34" charset="0"/>
-              </a:rPr>
-              <a:t>ExpenseFilter</a:t>
-            </a:r>
-            <a:endParaRPr lang="vi-VN" dirty="0">
-              <a:solidFill>
-                <a:schemeClr val="tx2">
-                  <a:lumMod val="90000"/>
-                  <a:lumOff val="10000"/>
                 </a:schemeClr>
               </a:solidFill>
               <a:latin typeface="Aptos" panose="020B0004020202020204" pitchFamily="34" charset="0"/>
@@ -4191,19 +3667,18 @@
           </p:cNvPr>
           <p:cNvCxnSpPr>
             <a:cxnSpLocks/>
-            <a:endCxn id="10" idx="0"/>
           </p:cNvCxnSpPr>
           <p:nvPr/>
         </p:nvCxnSpPr>
         <p:spPr>
           <a:xfrm>
-            <a:off x="3245401" y="1054081"/>
-            <a:ext cx="0" cy="1123646"/>
+            <a:off x="1811272" y="702669"/>
+            <a:ext cx="0" cy="749042"/>
           </a:xfrm>
           <a:prstGeom prst="straightConnector1">
             <a:avLst/>
           </a:prstGeom>
-          <a:ln w="50800" cap="sq" cmpd="sng" algn="ctr">
+          <a:ln w="38100" cap="sq" cmpd="sng" algn="ctr">
             <a:solidFill>
               <a:schemeClr val="tx1">
                 <a:lumMod val="75000"/>
@@ -4247,13 +3722,13 @@
         </p:nvCxnSpPr>
         <p:spPr>
           <a:xfrm>
-            <a:off x="3245401" y="3063240"/>
-            <a:ext cx="0" cy="853079"/>
+            <a:off x="1811272" y="1965960"/>
+            <a:ext cx="0" cy="632026"/>
           </a:xfrm>
           <a:prstGeom prst="straightConnector1">
             <a:avLst/>
           </a:prstGeom>
-          <a:ln w="50800" cap="sq" cmpd="sng" algn="ctr">
+          <a:ln w="44450" cap="sq" cmpd="sng" algn="ctr">
             <a:solidFill>
               <a:schemeClr val="tx1">
                 <a:lumMod val="75000"/>
@@ -4297,13 +3772,13 @@
         </p:nvCxnSpPr>
         <p:spPr>
           <a:xfrm>
-            <a:off x="3245401" y="4812030"/>
-            <a:ext cx="0" cy="825161"/>
+            <a:off x="1811272" y="3131820"/>
+            <a:ext cx="0" cy="614842"/>
           </a:xfrm>
           <a:prstGeom prst="straightConnector1">
             <a:avLst/>
           </a:prstGeom>
-          <a:ln w="50800" cap="sq" cmpd="sng" algn="ctr">
+          <a:ln w="44450" cap="sq" cmpd="sng" algn="ctr">
             <a:solidFill>
               <a:schemeClr val="tx1">
                 <a:lumMod val="75000"/>
@@ -4347,13 +3822,13 @@
         </p:nvCxnSpPr>
         <p:spPr>
           <a:xfrm>
-            <a:off x="3245401" y="6526530"/>
-            <a:ext cx="0" cy="841886"/>
+            <a:off x="1811272" y="4304634"/>
+            <a:ext cx="0" cy="561216"/>
           </a:xfrm>
           <a:prstGeom prst="straightConnector1">
             <a:avLst/>
           </a:prstGeom>
-          <a:ln w="50800" cap="sq" cmpd="sng" algn="ctr">
+          <a:ln w="44450" cap="sq" cmpd="sng" algn="ctr">
             <a:solidFill>
               <a:schemeClr val="tx1">
                 <a:lumMod val="75000"/>
@@ -4392,19 +3867,18 @@
           </p:cNvPr>
           <p:cNvCxnSpPr>
             <a:cxnSpLocks/>
-            <a:endCxn id="6" idx="0"/>
           </p:cNvCxnSpPr>
           <p:nvPr/>
         </p:nvCxnSpPr>
         <p:spPr>
           <a:xfrm>
-            <a:off x="3245401" y="8252460"/>
-            <a:ext cx="0" cy="1340822"/>
+            <a:off x="1811272" y="5501235"/>
+            <a:ext cx="0" cy="893816"/>
           </a:xfrm>
           <a:prstGeom prst="straightConnector1">
             <a:avLst/>
           </a:prstGeom>
-          <a:ln w="50800" cap="sq" cmpd="sng" algn="ctr">
+          <a:ln w="44450" cap="sq" cmpd="sng" algn="ctr">
             <a:solidFill>
               <a:schemeClr val="tx1">
                 <a:lumMod val="75000"/>
@@ -4444,19 +3918,18 @@
           <p:cNvCxnSpPr>
             <a:cxnSpLocks/>
             <a:stCxn id="12" idx="3"/>
-            <a:endCxn id="15" idx="1"/>
           </p:cNvCxnSpPr>
           <p:nvPr/>
         </p:nvCxnSpPr>
         <p:spPr>
           <a:xfrm>
-            <a:off x="4099560" y="4353449"/>
-            <a:ext cx="928202" cy="0"/>
+            <a:off x="2333398" y="2850528"/>
+            <a:ext cx="662218" cy="0"/>
           </a:xfrm>
           <a:prstGeom prst="straightConnector1">
             <a:avLst/>
           </a:prstGeom>
-          <a:ln w="50800" cap="sq" cmpd="sng" algn="ctr">
+          <a:ln w="38100" cap="sq" cmpd="sng" algn="ctr">
             <a:solidFill>
               <a:schemeClr val="tx1">
                 <a:lumMod val="75000"/>
@@ -4500,115 +3973,13 @@
         </p:nvCxnSpPr>
         <p:spPr>
           <a:xfrm>
-            <a:off x="4099560" y="6073050"/>
-            <a:ext cx="928202" cy="0"/>
+            <a:off x="2376860" y="3996844"/>
+            <a:ext cx="618756" cy="0"/>
           </a:xfrm>
           <a:prstGeom prst="straightConnector1">
             <a:avLst/>
           </a:prstGeom>
-          <a:ln w="50800" cap="sq" cmpd="sng" algn="ctr">
-            <a:solidFill>
-              <a:schemeClr val="tx1">
-                <a:lumMod val="75000"/>
-                <a:lumOff val="25000"/>
-              </a:schemeClr>
-            </a:solidFill>
-            <a:prstDash val="solid"/>
-            <a:bevel/>
-            <a:headEnd type="triangle" w="lg" len="med"/>
-            <a:tailEnd type="triangle" w="lg" len="med"/>
-          </a:ln>
-        </p:spPr>
-        <p:style>
-          <a:lnRef idx="0">
-            <a:scrgbClr r="0" g="0" b="0"/>
-          </a:lnRef>
-          <a:fillRef idx="0">
-            <a:scrgbClr r="0" g="0" b="0"/>
-          </a:fillRef>
-          <a:effectRef idx="0">
-            <a:scrgbClr r="0" g="0" b="0"/>
-          </a:effectRef>
-          <a:fontRef idx="minor">
-            <a:schemeClr val="tx1"/>
-          </a:fontRef>
-        </p:style>
-      </p:cxnSp>
-      <p:cxnSp>
-        <p:nvCxnSpPr>
-          <p:cNvPr id="38" name="Straight Arrow Connector 37">
-            <a:extLst>
-              <a:ext uri="{FF2B5EF4-FFF2-40B4-BE49-F238E27FC236}">
-                <a16:creationId xmlns:a16="http://schemas.microsoft.com/office/drawing/2014/main" id="{2DFA70BD-07B7-0B69-80B7-560C834946BC}"/>
-              </a:ext>
-            </a:extLst>
-          </p:cNvPr>
-          <p:cNvCxnSpPr>
-            <a:cxnSpLocks/>
-          </p:cNvCxnSpPr>
-          <p:nvPr/>
-        </p:nvCxnSpPr>
-        <p:spPr>
-          <a:xfrm>
-            <a:off x="6736080" y="6073050"/>
-            <a:ext cx="928202" cy="0"/>
-          </a:xfrm>
-          <a:prstGeom prst="straightConnector1">
-            <a:avLst/>
-          </a:prstGeom>
-          <a:ln w="50800" cap="sq" cmpd="sng" algn="ctr">
-            <a:solidFill>
-              <a:schemeClr val="tx1">
-                <a:lumMod val="75000"/>
-                <a:lumOff val="25000"/>
-              </a:schemeClr>
-            </a:solidFill>
-            <a:prstDash val="solid"/>
-            <a:bevel/>
-            <a:headEnd type="triangle" w="lg" len="med"/>
-            <a:tailEnd type="triangle" w="lg" len="med"/>
-          </a:ln>
-        </p:spPr>
-        <p:style>
-          <a:lnRef idx="0">
-            <a:scrgbClr r="0" g="0" b="0"/>
-          </a:lnRef>
-          <a:fillRef idx="0">
-            <a:scrgbClr r="0" g="0" b="0"/>
-          </a:fillRef>
-          <a:effectRef idx="0">
-            <a:scrgbClr r="0" g="0" b="0"/>
-          </a:effectRef>
-          <a:fontRef idx="minor">
-            <a:schemeClr val="tx1"/>
-          </a:fontRef>
-        </p:style>
-      </p:cxnSp>
-      <p:cxnSp>
-        <p:nvCxnSpPr>
-          <p:cNvPr id="39" name="Straight Arrow Connector 38">
-            <a:extLst>
-              <a:ext uri="{FF2B5EF4-FFF2-40B4-BE49-F238E27FC236}">
-                <a16:creationId xmlns:a16="http://schemas.microsoft.com/office/drawing/2014/main" id="{AFF793E9-14D2-C9CE-6CBC-6D5D78D844F6}"/>
-              </a:ext>
-            </a:extLst>
-          </p:cNvPr>
-          <p:cNvCxnSpPr>
-            <a:cxnSpLocks/>
-            <a:stCxn id="19" idx="0"/>
-            <a:endCxn id="17" idx="2"/>
-          </p:cNvCxnSpPr>
-          <p:nvPr/>
-        </p:nvCxnSpPr>
-        <p:spPr>
-          <a:xfrm flipV="1">
-            <a:off x="5881921" y="6494940"/>
-            <a:ext cx="0" cy="875821"/>
-          </a:xfrm>
-          <a:prstGeom prst="straightConnector1">
-            <a:avLst/>
-          </a:prstGeom>
-          <a:ln w="50800" cap="sq" cmpd="sng" algn="ctr">
+          <a:ln w="38100" cap="sq" cmpd="sng" algn="ctr">
             <a:solidFill>
               <a:schemeClr val="tx1">
                 <a:lumMod val="75000"/>
@@ -4646,6 +4017,7 @@
             </a:extLst>
           </p:cNvPr>
           <p:cNvCxnSpPr>
+            <a:cxnSpLocks/>
             <a:stCxn id="13" idx="1"/>
             <a:endCxn id="10" idx="1"/>
           </p:cNvCxnSpPr>
@@ -4653,15 +4025,15 @@
         </p:nvCxnSpPr>
         <p:spPr>
           <a:xfrm rot="10800000">
-            <a:off x="2391242" y="2599617"/>
-            <a:ext cx="12700" cy="3473434"/>
+            <a:off x="1281528" y="1681394"/>
+            <a:ext cx="12700" cy="2315453"/>
           </a:xfrm>
           <a:prstGeom prst="bentConnector3">
             <a:avLst>
-              <a:gd name="adj1" fmla="val 6240000"/>
+              <a:gd name="adj1" fmla="val 3440504"/>
             </a:avLst>
           </a:prstGeom>
-          <a:ln w="47625">
+          <a:ln w="38100">
             <a:solidFill>
               <a:schemeClr val="tx1">
                 <a:lumMod val="75000"/>
@@ -4701,8 +4073,8 @@
         </p:nvSpPr>
         <p:spPr>
           <a:xfrm>
-            <a:off x="3397675" y="4963935"/>
-            <a:ext cx="1508759" cy="369332"/>
+            <a:off x="1917439" y="3270355"/>
+            <a:ext cx="1005765" cy="246221"/>
           </a:xfrm>
           <a:prstGeom prst="rect">
             <a:avLst/>
@@ -4716,7 +4088,7 @@
           <a:lstStyle/>
           <a:p>
             <a:r>
-              <a:rPr lang="en-US" dirty="0">
+              <a:rPr lang="en-US" sz="1000" dirty="0">
                 <a:solidFill>
                   <a:schemeClr val="tx1">
                     <a:lumMod val="75000"/>
@@ -4726,7 +4098,7 @@
               </a:rPr>
               <a:t>&lt;&lt;Execute&gt;&gt;</a:t>
             </a:r>
-            <a:endParaRPr lang="vi-VN" dirty="0">
+            <a:endParaRPr lang="vi-VN" sz="1000" dirty="0">
               <a:solidFill>
                 <a:schemeClr val="tx1">
                   <a:lumMod val="75000"/>
@@ -4737,6 +4109,805 @@
           </a:p>
         </p:txBody>
       </p:sp>
+      <p:sp>
+        <p:nvSpPr>
+          <p:cNvPr id="2" name="Rectangle 1">
+            <a:extLst>
+              <a:ext uri="{FF2B5EF4-FFF2-40B4-BE49-F238E27FC236}">
+                <a16:creationId xmlns:a16="http://schemas.microsoft.com/office/drawing/2014/main" id="{4EC517CB-46AF-4559-4802-ED70CBDAC07B}"/>
+              </a:ext>
+            </a:extLst>
+          </p:cNvPr>
+          <p:cNvSpPr/>
+          <p:nvPr/>
+        </p:nvSpPr>
+        <p:spPr>
+          <a:xfrm>
+            <a:off x="4090949" y="1451712"/>
+            <a:ext cx="1051870" cy="459363"/>
+          </a:xfrm>
+          <a:prstGeom prst="rect">
+            <a:avLst/>
+          </a:prstGeom>
+          <a:solidFill>
+            <a:schemeClr val="accent2">
+              <a:lumMod val="20000"/>
+              <a:lumOff val="80000"/>
+              <a:alpha val="50000"/>
+            </a:schemeClr>
+          </a:solidFill>
+          <a:ln w="19050">
+            <a:solidFill>
+              <a:schemeClr val="accent2">
+                <a:lumMod val="50000"/>
+              </a:schemeClr>
+            </a:solidFill>
+          </a:ln>
+        </p:spPr>
+        <p:style>
+          <a:lnRef idx="0">
+            <a:scrgbClr r="0" g="0" b="0"/>
+          </a:lnRef>
+          <a:fillRef idx="0">
+            <a:scrgbClr r="0" g="0" b="0"/>
+          </a:fillRef>
+          <a:effectRef idx="0">
+            <a:scrgbClr r="0" g="0" b="0"/>
+          </a:effectRef>
+          <a:fontRef idx="minor">
+            <a:schemeClr val="lt1"/>
+          </a:fontRef>
+        </p:style>
+        <p:txBody>
+          <a:bodyPr rtlCol="0" anchor="ctr"/>
+          <a:lstStyle/>
+          <a:p>
+            <a:pPr algn="ctr"/>
+            <a:r>
+              <a:rPr lang="en-US" sz="1400" dirty="0">
+                <a:solidFill>
+                  <a:schemeClr val="accent2">
+                    <a:lumMod val="50000"/>
+                  </a:schemeClr>
+                </a:solidFill>
+                <a:latin typeface="Aptos" panose="020B0004020202020204" pitchFamily="34" charset="0"/>
+              </a:rPr>
+              <a:t>Exception</a:t>
+            </a:r>
+            <a:endParaRPr lang="vi-VN" sz="1200" dirty="0">
+              <a:solidFill>
+                <a:schemeClr val="accent2">
+                  <a:lumMod val="50000"/>
+                </a:schemeClr>
+              </a:solidFill>
+              <a:latin typeface="Aptos" panose="020B0004020202020204" pitchFamily="34" charset="0"/>
+            </a:endParaRPr>
+          </a:p>
+        </p:txBody>
+      </p:sp>
+      <p:sp>
+        <p:nvSpPr>
+          <p:cNvPr id="33" name="Rectangle 32">
+            <a:extLst>
+              <a:ext uri="{FF2B5EF4-FFF2-40B4-BE49-F238E27FC236}">
+                <a16:creationId xmlns:a16="http://schemas.microsoft.com/office/drawing/2014/main" id="{92440037-CB8C-8AC6-36D0-EA6E1CCE6CB8}"/>
+              </a:ext>
+            </a:extLst>
+          </p:cNvPr>
+          <p:cNvSpPr/>
+          <p:nvPr/>
+        </p:nvSpPr>
+        <p:spPr>
+          <a:xfrm>
+            <a:off x="3029370" y="3693815"/>
+            <a:ext cx="3653369" cy="2124933"/>
+          </a:xfrm>
+          <a:prstGeom prst="rect">
+            <a:avLst/>
+          </a:prstGeom>
+          <a:solidFill>
+            <a:schemeClr val="accent1">
+              <a:lumMod val="40000"/>
+              <a:lumOff val="60000"/>
+              <a:alpha val="24000"/>
+            </a:schemeClr>
+          </a:solidFill>
+          <a:ln w="19050">
+            <a:solidFill>
+              <a:schemeClr val="accent1">
+                <a:lumMod val="75000"/>
+                <a:alpha val="42000"/>
+              </a:schemeClr>
+            </a:solidFill>
+          </a:ln>
+        </p:spPr>
+        <p:style>
+          <a:lnRef idx="0">
+            <a:scrgbClr r="0" g="0" b="0"/>
+          </a:lnRef>
+          <a:fillRef idx="0">
+            <a:scrgbClr r="0" g="0" b="0"/>
+          </a:fillRef>
+          <a:effectRef idx="0">
+            <a:scrgbClr r="0" g="0" b="0"/>
+          </a:effectRef>
+          <a:fontRef idx="minor">
+            <a:schemeClr val="lt1"/>
+          </a:fontRef>
+        </p:style>
+        <p:txBody>
+          <a:bodyPr tIns="61200" rtlCol="0" anchor="t" anchorCtr="0"/>
+          <a:lstStyle/>
+          <a:p>
+            <a:pPr algn="ctr"/>
+            <a:r>
+              <a:rPr lang="en-US" sz="1200" dirty="0">
+                <a:solidFill>
+                  <a:schemeClr val="tx2">
+                    <a:lumMod val="90000"/>
+                    <a:lumOff val="10000"/>
+                  </a:schemeClr>
+                </a:solidFill>
+                <a:latin typeface="Aptos" panose="020B0004020202020204" pitchFamily="34" charset="0"/>
+              </a:rPr>
+              <a:t>expense</a:t>
+            </a:r>
+            <a:endParaRPr lang="vi-VN" sz="700" dirty="0">
+              <a:solidFill>
+                <a:schemeClr val="tx2">
+                  <a:lumMod val="90000"/>
+                  <a:lumOff val="10000"/>
+                </a:schemeClr>
+              </a:solidFill>
+              <a:latin typeface="Aptos" panose="020B0004020202020204" pitchFamily="34" charset="0"/>
+            </a:endParaRPr>
+          </a:p>
+        </p:txBody>
+      </p:sp>
+      <p:sp>
+        <p:nvSpPr>
+          <p:cNvPr id="17" name="Rectangle 16">
+            <a:extLst>
+              <a:ext uri="{FF2B5EF4-FFF2-40B4-BE49-F238E27FC236}">
+                <a16:creationId xmlns:a16="http://schemas.microsoft.com/office/drawing/2014/main" id="{3D08EA7F-BC06-C157-D040-26E1C5775983}"/>
+              </a:ext>
+            </a:extLst>
+          </p:cNvPr>
+          <p:cNvSpPr/>
+          <p:nvPr/>
+        </p:nvSpPr>
+        <p:spPr>
+          <a:xfrm>
+            <a:off x="3188513" y="4040539"/>
+            <a:ext cx="1051870" cy="383396"/>
+          </a:xfrm>
+          <a:prstGeom prst="rect">
+            <a:avLst/>
+          </a:prstGeom>
+          <a:solidFill>
+            <a:schemeClr val="accent1">
+              <a:lumMod val="40000"/>
+              <a:lumOff val="60000"/>
+              <a:alpha val="50000"/>
+            </a:schemeClr>
+          </a:solidFill>
+          <a:ln w="19050">
+            <a:solidFill>
+              <a:schemeClr val="accent1">
+                <a:lumMod val="75000"/>
+              </a:schemeClr>
+            </a:solidFill>
+          </a:ln>
+        </p:spPr>
+        <p:style>
+          <a:lnRef idx="0">
+            <a:scrgbClr r="0" g="0" b="0"/>
+          </a:lnRef>
+          <a:fillRef idx="0">
+            <a:scrgbClr r="0" g="0" b="0"/>
+          </a:fillRef>
+          <a:effectRef idx="0">
+            <a:scrgbClr r="0" g="0" b="0"/>
+          </a:effectRef>
+          <a:fontRef idx="minor">
+            <a:schemeClr val="lt1"/>
+          </a:fontRef>
+        </p:style>
+        <p:txBody>
+          <a:bodyPr rtlCol="0" anchor="ctr"/>
+          <a:lstStyle/>
+          <a:p>
+            <a:pPr algn="ctr"/>
+            <a:r>
+              <a:rPr lang="en-US" sz="1200" dirty="0" err="1">
+                <a:solidFill>
+                  <a:schemeClr val="tx2">
+                    <a:lumMod val="90000"/>
+                    <a:lumOff val="10000"/>
+                  </a:schemeClr>
+                </a:solidFill>
+                <a:latin typeface="Aptos" panose="020B0004020202020204" pitchFamily="34" charset="0"/>
+              </a:rPr>
+              <a:t>ExpenseList</a:t>
+            </a:r>
+            <a:endParaRPr lang="vi-VN" sz="700" dirty="0">
+              <a:solidFill>
+                <a:schemeClr val="tx2">
+                  <a:lumMod val="90000"/>
+                  <a:lumOff val="10000"/>
+                </a:schemeClr>
+              </a:solidFill>
+              <a:latin typeface="Aptos" panose="020B0004020202020204" pitchFamily="34" charset="0"/>
+            </a:endParaRPr>
+          </a:p>
+        </p:txBody>
+      </p:sp>
+      <p:sp>
+        <p:nvSpPr>
+          <p:cNvPr id="18" name="Rectangle 17">
+            <a:extLst>
+              <a:ext uri="{FF2B5EF4-FFF2-40B4-BE49-F238E27FC236}">
+                <a16:creationId xmlns:a16="http://schemas.microsoft.com/office/drawing/2014/main" id="{56F66828-556F-677B-919E-933B53687D2C}"/>
+              </a:ext>
+            </a:extLst>
+          </p:cNvPr>
+          <p:cNvSpPr/>
+          <p:nvPr/>
+        </p:nvSpPr>
+        <p:spPr>
+          <a:xfrm>
+            <a:off x="4336852" y="4040539"/>
+            <a:ext cx="1051870" cy="383396"/>
+          </a:xfrm>
+          <a:prstGeom prst="rect">
+            <a:avLst/>
+          </a:prstGeom>
+          <a:solidFill>
+            <a:schemeClr val="accent1">
+              <a:lumMod val="40000"/>
+              <a:lumOff val="60000"/>
+              <a:alpha val="50000"/>
+            </a:schemeClr>
+          </a:solidFill>
+          <a:ln w="19050">
+            <a:solidFill>
+              <a:schemeClr val="accent1">
+                <a:lumMod val="75000"/>
+              </a:schemeClr>
+            </a:solidFill>
+          </a:ln>
+        </p:spPr>
+        <p:style>
+          <a:lnRef idx="0">
+            <a:scrgbClr r="0" g="0" b="0"/>
+          </a:lnRef>
+          <a:fillRef idx="0">
+            <a:scrgbClr r="0" g="0" b="0"/>
+          </a:fillRef>
+          <a:effectRef idx="0">
+            <a:scrgbClr r="0" g="0" b="0"/>
+          </a:effectRef>
+          <a:fontRef idx="minor">
+            <a:schemeClr val="lt1"/>
+          </a:fontRef>
+        </p:style>
+        <p:txBody>
+          <a:bodyPr rtlCol="0" anchor="ctr"/>
+          <a:lstStyle/>
+          <a:p>
+            <a:pPr algn="ctr"/>
+            <a:r>
+              <a:rPr lang="en-US" sz="1200" dirty="0">
+                <a:solidFill>
+                  <a:schemeClr val="tx2">
+                    <a:lumMod val="90000"/>
+                    <a:lumOff val="10000"/>
+                  </a:schemeClr>
+                </a:solidFill>
+                <a:latin typeface="Aptos" panose="020B0004020202020204" pitchFamily="34" charset="0"/>
+              </a:rPr>
+              <a:t>Expense</a:t>
+            </a:r>
+            <a:endParaRPr lang="vi-VN" sz="700" dirty="0">
+              <a:solidFill>
+                <a:schemeClr val="tx2">
+                  <a:lumMod val="90000"/>
+                  <a:lumOff val="10000"/>
+                </a:schemeClr>
+              </a:solidFill>
+              <a:latin typeface="Aptos" panose="020B0004020202020204" pitchFamily="34" charset="0"/>
+            </a:endParaRPr>
+          </a:p>
+        </p:txBody>
+      </p:sp>
+      <p:sp>
+        <p:nvSpPr>
+          <p:cNvPr id="19" name="Rectangle 18">
+            <a:extLst>
+              <a:ext uri="{FF2B5EF4-FFF2-40B4-BE49-F238E27FC236}">
+                <a16:creationId xmlns:a16="http://schemas.microsoft.com/office/drawing/2014/main" id="{E5ED475E-6043-9513-61C6-922BA45A4ED0}"/>
+              </a:ext>
+            </a:extLst>
+          </p:cNvPr>
+          <p:cNvSpPr/>
+          <p:nvPr/>
+        </p:nvSpPr>
+        <p:spPr>
+          <a:xfrm>
+            <a:off x="5485192" y="4040539"/>
+            <a:ext cx="1051870" cy="383396"/>
+          </a:xfrm>
+          <a:prstGeom prst="rect">
+            <a:avLst/>
+          </a:prstGeom>
+          <a:solidFill>
+            <a:schemeClr val="accent1">
+              <a:lumMod val="40000"/>
+              <a:lumOff val="60000"/>
+              <a:alpha val="50000"/>
+            </a:schemeClr>
+          </a:solidFill>
+          <a:ln w="19050">
+            <a:solidFill>
+              <a:schemeClr val="accent1">
+                <a:lumMod val="75000"/>
+              </a:schemeClr>
+            </a:solidFill>
+          </a:ln>
+        </p:spPr>
+        <p:style>
+          <a:lnRef idx="0">
+            <a:scrgbClr r="0" g="0" b="0"/>
+          </a:lnRef>
+          <a:fillRef idx="0">
+            <a:scrgbClr r="0" g="0" b="0"/>
+          </a:fillRef>
+          <a:effectRef idx="0">
+            <a:scrgbClr r="0" g="0" b="0"/>
+          </a:effectRef>
+          <a:fontRef idx="minor">
+            <a:schemeClr val="lt1"/>
+          </a:fontRef>
+        </p:style>
+        <p:txBody>
+          <a:bodyPr rtlCol="0" anchor="ctr"/>
+          <a:lstStyle/>
+          <a:p>
+            <a:pPr algn="ctr"/>
+            <a:r>
+              <a:rPr lang="en-US" sz="1150" dirty="0" err="1">
+                <a:solidFill>
+                  <a:schemeClr val="tx2">
+                    <a:lumMod val="90000"/>
+                    <a:lumOff val="10000"/>
+                  </a:schemeClr>
+                </a:solidFill>
+                <a:latin typeface="Aptos" panose="020B0004020202020204" pitchFamily="34" charset="0"/>
+              </a:rPr>
+              <a:t>ExpenseFilter</a:t>
+            </a:r>
+            <a:endParaRPr lang="vi-VN" sz="1150" dirty="0">
+              <a:solidFill>
+                <a:schemeClr val="tx2">
+                  <a:lumMod val="90000"/>
+                  <a:lumOff val="10000"/>
+                </a:schemeClr>
+              </a:solidFill>
+              <a:latin typeface="Aptos" panose="020B0004020202020204" pitchFamily="34" charset="0"/>
+            </a:endParaRPr>
+          </a:p>
+        </p:txBody>
+      </p:sp>
+      <p:sp>
+        <p:nvSpPr>
+          <p:cNvPr id="35" name="Rectangle 34">
+            <a:extLst>
+              <a:ext uri="{FF2B5EF4-FFF2-40B4-BE49-F238E27FC236}">
+                <a16:creationId xmlns:a16="http://schemas.microsoft.com/office/drawing/2014/main" id="{97A50A6A-DFE2-DED6-76E5-3AA530ABDEED}"/>
+              </a:ext>
+            </a:extLst>
+          </p:cNvPr>
+          <p:cNvSpPr/>
+          <p:nvPr/>
+        </p:nvSpPr>
+        <p:spPr>
+          <a:xfrm>
+            <a:off x="3188512" y="4526256"/>
+            <a:ext cx="1627328" cy="383396"/>
+          </a:xfrm>
+          <a:prstGeom prst="rect">
+            <a:avLst/>
+          </a:prstGeom>
+          <a:solidFill>
+            <a:schemeClr val="accent1">
+              <a:lumMod val="40000"/>
+              <a:lumOff val="60000"/>
+              <a:alpha val="50000"/>
+            </a:schemeClr>
+          </a:solidFill>
+          <a:ln w="19050">
+            <a:solidFill>
+              <a:schemeClr val="accent1">
+                <a:lumMod val="75000"/>
+              </a:schemeClr>
+            </a:solidFill>
+          </a:ln>
+        </p:spPr>
+        <p:style>
+          <a:lnRef idx="0">
+            <a:scrgbClr r="0" g="0" b="0"/>
+          </a:lnRef>
+          <a:fillRef idx="0">
+            <a:scrgbClr r="0" g="0" b="0"/>
+          </a:fillRef>
+          <a:effectRef idx="0">
+            <a:scrgbClr r="0" g="0" b="0"/>
+          </a:effectRef>
+          <a:fontRef idx="minor">
+            <a:schemeClr val="lt1"/>
+          </a:fontRef>
+        </p:style>
+        <p:txBody>
+          <a:bodyPr rtlCol="0" anchor="ctr"/>
+          <a:lstStyle/>
+          <a:p>
+            <a:pPr algn="ctr"/>
+            <a:r>
+              <a:rPr lang="en-US" sz="1200" dirty="0" err="1">
+                <a:solidFill>
+                  <a:schemeClr val="tx2">
+                    <a:lumMod val="90000"/>
+                    <a:lumOff val="10000"/>
+                  </a:schemeClr>
+                </a:solidFill>
+                <a:latin typeface="Aptos" panose="020B0004020202020204" pitchFamily="34" charset="0"/>
+              </a:rPr>
+              <a:t>RecurringExpense</a:t>
+            </a:r>
+            <a:endParaRPr lang="vi-VN" sz="700" dirty="0">
+              <a:solidFill>
+                <a:schemeClr val="tx2">
+                  <a:lumMod val="90000"/>
+                  <a:lumOff val="10000"/>
+                </a:schemeClr>
+              </a:solidFill>
+              <a:latin typeface="Aptos" panose="020B0004020202020204" pitchFamily="34" charset="0"/>
+            </a:endParaRPr>
+          </a:p>
+        </p:txBody>
+      </p:sp>
+      <p:sp>
+        <p:nvSpPr>
+          <p:cNvPr id="36" name="Rectangle 35">
+            <a:extLst>
+              <a:ext uri="{FF2B5EF4-FFF2-40B4-BE49-F238E27FC236}">
+                <a16:creationId xmlns:a16="http://schemas.microsoft.com/office/drawing/2014/main" id="{D28D4905-AC85-1F94-7348-18C7D460A2A7}"/>
+              </a:ext>
+            </a:extLst>
+          </p:cNvPr>
+          <p:cNvSpPr/>
+          <p:nvPr/>
+        </p:nvSpPr>
+        <p:spPr>
+          <a:xfrm>
+            <a:off x="4909734" y="4526256"/>
+            <a:ext cx="1627328" cy="383396"/>
+          </a:xfrm>
+          <a:prstGeom prst="rect">
+            <a:avLst/>
+          </a:prstGeom>
+          <a:solidFill>
+            <a:schemeClr val="accent1">
+              <a:lumMod val="40000"/>
+              <a:lumOff val="60000"/>
+              <a:alpha val="50000"/>
+            </a:schemeClr>
+          </a:solidFill>
+          <a:ln w="19050">
+            <a:solidFill>
+              <a:schemeClr val="accent1">
+                <a:lumMod val="75000"/>
+              </a:schemeClr>
+            </a:solidFill>
+          </a:ln>
+        </p:spPr>
+        <p:style>
+          <a:lnRef idx="0">
+            <a:scrgbClr r="0" g="0" b="0"/>
+          </a:lnRef>
+          <a:fillRef idx="0">
+            <a:scrgbClr r="0" g="0" b="0"/>
+          </a:fillRef>
+          <a:effectRef idx="0">
+            <a:scrgbClr r="0" g="0" b="0"/>
+          </a:effectRef>
+          <a:fontRef idx="minor">
+            <a:schemeClr val="lt1"/>
+          </a:fontRef>
+        </p:style>
+        <p:txBody>
+          <a:bodyPr rtlCol="0" anchor="ctr"/>
+          <a:lstStyle/>
+          <a:p>
+            <a:pPr algn="ctr"/>
+            <a:r>
+              <a:rPr lang="en-US" sz="1150" dirty="0" err="1">
+                <a:solidFill>
+                  <a:schemeClr val="tx2">
+                    <a:lumMod val="90000"/>
+                    <a:lumOff val="10000"/>
+                  </a:schemeClr>
+                </a:solidFill>
+                <a:latin typeface="Aptos" panose="020B0004020202020204" pitchFamily="34" charset="0"/>
+              </a:rPr>
+              <a:t>RecurringExpenseList</a:t>
+            </a:r>
+            <a:endParaRPr lang="vi-VN" sz="1150" dirty="0">
+              <a:solidFill>
+                <a:schemeClr val="tx2">
+                  <a:lumMod val="90000"/>
+                  <a:lumOff val="10000"/>
+                </a:schemeClr>
+              </a:solidFill>
+              <a:latin typeface="Aptos" panose="020B0004020202020204" pitchFamily="34" charset="0"/>
+            </a:endParaRPr>
+          </a:p>
+        </p:txBody>
+      </p:sp>
+      <p:grpSp>
+        <p:nvGrpSpPr>
+          <p:cNvPr id="49" name="Group 48">
+            <a:extLst>
+              <a:ext uri="{FF2B5EF4-FFF2-40B4-BE49-F238E27FC236}">
+                <a16:creationId xmlns:a16="http://schemas.microsoft.com/office/drawing/2014/main" id="{E98D281D-744E-17D6-1B91-DBC17252A37A}"/>
+              </a:ext>
+            </a:extLst>
+          </p:cNvPr>
+          <p:cNvGrpSpPr/>
+          <p:nvPr/>
+        </p:nvGrpSpPr>
+        <p:grpSpPr>
+          <a:xfrm>
+            <a:off x="3029370" y="5037542"/>
+            <a:ext cx="3653369" cy="781210"/>
+            <a:chOff x="3029370" y="5037542"/>
+            <a:chExt cx="3653369" cy="936000"/>
+          </a:xfrm>
+        </p:grpSpPr>
+        <p:sp>
+          <p:nvSpPr>
+            <p:cNvPr id="42" name="Rectangle 41">
+              <a:extLst>
+                <a:ext uri="{FF2B5EF4-FFF2-40B4-BE49-F238E27FC236}">
+                  <a16:creationId xmlns:a16="http://schemas.microsoft.com/office/drawing/2014/main" id="{C20984D0-9B85-7D1F-CE6D-195C294157BD}"/>
+                </a:ext>
+              </a:extLst>
+            </p:cNvPr>
+            <p:cNvSpPr/>
+            <p:nvPr/>
+          </p:nvSpPr>
+          <p:spPr>
+            <a:xfrm>
+              <a:off x="3029370" y="5037542"/>
+              <a:ext cx="3653369" cy="936000"/>
+            </a:xfrm>
+            <a:prstGeom prst="rect">
+              <a:avLst/>
+            </a:prstGeom>
+            <a:solidFill>
+              <a:srgbClr val="85B2E9">
+                <a:alpha val="23922"/>
+              </a:srgbClr>
+            </a:solidFill>
+            <a:ln w="19050">
+              <a:solidFill>
+                <a:schemeClr val="accent1">
+                  <a:lumMod val="75000"/>
+                  <a:alpha val="42000"/>
+                </a:schemeClr>
+              </a:solidFill>
+            </a:ln>
+          </p:spPr>
+          <p:style>
+            <a:lnRef idx="0">
+              <a:scrgbClr r="0" g="0" b="0"/>
+            </a:lnRef>
+            <a:fillRef idx="0">
+              <a:scrgbClr r="0" g="0" b="0"/>
+            </a:fillRef>
+            <a:effectRef idx="0">
+              <a:scrgbClr r="0" g="0" b="0"/>
+            </a:effectRef>
+            <a:fontRef idx="minor">
+              <a:schemeClr val="lt1"/>
+            </a:fontRef>
+          </p:style>
+          <p:txBody>
+            <a:bodyPr tIns="61200" rtlCol="0" anchor="t" anchorCtr="0"/>
+            <a:lstStyle/>
+            <a:p>
+              <a:pPr algn="ctr"/>
+              <a:r>
+                <a:rPr lang="en-US" sz="1200" dirty="0" err="1">
+                  <a:solidFill>
+                    <a:schemeClr val="tx2">
+                      <a:lumMod val="90000"/>
+                      <a:lumOff val="10000"/>
+                    </a:schemeClr>
+                  </a:solidFill>
+                  <a:latin typeface="Aptos" panose="020B0004020202020204" pitchFamily="34" charset="0"/>
+                </a:rPr>
+                <a:t>expense_operations</a:t>
+              </a:r>
+              <a:endParaRPr lang="vi-VN" sz="700" dirty="0">
+                <a:solidFill>
+                  <a:schemeClr val="tx2">
+                    <a:lumMod val="90000"/>
+                    <a:lumOff val="10000"/>
+                  </a:schemeClr>
+                </a:solidFill>
+                <a:latin typeface="Aptos" panose="020B0004020202020204" pitchFamily="34" charset="0"/>
+              </a:endParaRPr>
+            </a:p>
+          </p:txBody>
+        </p:sp>
+        <p:sp>
+          <p:nvSpPr>
+            <p:cNvPr id="45" name="Rectangle 44">
+              <a:extLst>
+                <a:ext uri="{FF2B5EF4-FFF2-40B4-BE49-F238E27FC236}">
+                  <a16:creationId xmlns:a16="http://schemas.microsoft.com/office/drawing/2014/main" id="{EEDB3748-DC3C-E284-8313-31953C8738AB}"/>
+                </a:ext>
+              </a:extLst>
+            </p:cNvPr>
+            <p:cNvSpPr/>
+            <p:nvPr/>
+          </p:nvSpPr>
+          <p:spPr>
+            <a:xfrm>
+              <a:off x="3188512" y="5360945"/>
+              <a:ext cx="1627328" cy="459363"/>
+            </a:xfrm>
+            <a:prstGeom prst="rect">
+              <a:avLst/>
+            </a:prstGeom>
+            <a:solidFill>
+              <a:schemeClr val="accent1">
+                <a:lumMod val="40000"/>
+                <a:lumOff val="60000"/>
+                <a:alpha val="50000"/>
+              </a:schemeClr>
+            </a:solidFill>
+            <a:ln w="19050">
+              <a:solidFill>
+                <a:schemeClr val="accent1">
+                  <a:lumMod val="75000"/>
+                </a:schemeClr>
+              </a:solidFill>
+            </a:ln>
+          </p:spPr>
+          <p:style>
+            <a:lnRef idx="0">
+              <a:scrgbClr r="0" g="0" b="0"/>
+            </a:lnRef>
+            <a:fillRef idx="0">
+              <a:scrgbClr r="0" g="0" b="0"/>
+            </a:fillRef>
+            <a:effectRef idx="0">
+              <a:scrgbClr r="0" g="0" b="0"/>
+            </a:effectRef>
+            <a:fontRef idx="minor">
+              <a:schemeClr val="lt1"/>
+            </a:fontRef>
+          </p:style>
+          <p:txBody>
+            <a:bodyPr rtlCol="0" anchor="ctr"/>
+            <a:lstStyle/>
+            <a:p>
+              <a:pPr algn="ctr"/>
+              <a:r>
+                <a:rPr lang="en-US" sz="1200" dirty="0">
+                  <a:solidFill>
+                    <a:schemeClr val="tx2">
+                      <a:lumMod val="90000"/>
+                      <a:lumOff val="10000"/>
+                    </a:schemeClr>
+                  </a:solidFill>
+                  <a:latin typeface="Aptos" panose="020B0004020202020204" pitchFamily="34" charset="0"/>
+                </a:rPr>
+                <a:t>Visualizer</a:t>
+              </a:r>
+              <a:endParaRPr lang="vi-VN" sz="700" dirty="0">
+                <a:solidFill>
+                  <a:schemeClr val="tx2">
+                    <a:lumMod val="90000"/>
+                    <a:lumOff val="10000"/>
+                  </a:schemeClr>
+                </a:solidFill>
+                <a:latin typeface="Aptos" panose="020B0004020202020204" pitchFamily="34" charset="0"/>
+              </a:endParaRPr>
+            </a:p>
+          </p:txBody>
+        </p:sp>
+        <p:sp>
+          <p:nvSpPr>
+            <p:cNvPr id="47" name="Rectangle 46">
+              <a:extLst>
+                <a:ext uri="{FF2B5EF4-FFF2-40B4-BE49-F238E27FC236}">
+                  <a16:creationId xmlns:a16="http://schemas.microsoft.com/office/drawing/2014/main" id="{2D7877F9-2B14-63EC-D386-FDBF2F9244CF}"/>
+                </a:ext>
+              </a:extLst>
+            </p:cNvPr>
+            <p:cNvSpPr/>
+            <p:nvPr/>
+          </p:nvSpPr>
+          <p:spPr>
+            <a:xfrm>
+              <a:off x="4909734" y="5360945"/>
+              <a:ext cx="1627328" cy="459363"/>
+            </a:xfrm>
+            <a:prstGeom prst="rect">
+              <a:avLst/>
+            </a:prstGeom>
+            <a:solidFill>
+              <a:schemeClr val="accent1">
+                <a:lumMod val="40000"/>
+                <a:lumOff val="60000"/>
+                <a:alpha val="50000"/>
+              </a:schemeClr>
+            </a:solidFill>
+            <a:ln w="19050">
+              <a:solidFill>
+                <a:schemeClr val="accent1">
+                  <a:lumMod val="75000"/>
+                </a:schemeClr>
+              </a:solidFill>
+            </a:ln>
+          </p:spPr>
+          <p:style>
+            <a:lnRef idx="0">
+              <a:scrgbClr r="0" g="0" b="0"/>
+            </a:lnRef>
+            <a:fillRef idx="0">
+              <a:scrgbClr r="0" g="0" b="0"/>
+            </a:fillRef>
+            <a:effectRef idx="0">
+              <a:scrgbClr r="0" g="0" b="0"/>
+            </a:effectRef>
+            <a:fontRef idx="minor">
+              <a:schemeClr val="lt1"/>
+            </a:fontRef>
+          </p:style>
+          <p:txBody>
+            <a:bodyPr rtlCol="0" anchor="ctr"/>
+            <a:lstStyle/>
+            <a:p>
+              <a:pPr algn="ctr"/>
+              <a:r>
+                <a:rPr lang="en-US" sz="1150" dirty="0">
+                  <a:solidFill>
+                    <a:schemeClr val="tx2">
+                      <a:lumMod val="90000"/>
+                      <a:lumOff val="10000"/>
+                    </a:schemeClr>
+                  </a:solidFill>
+                  <a:latin typeface="Aptos" panose="020B0004020202020204" pitchFamily="34" charset="0"/>
+                </a:rPr>
+                <a:t>Statistics</a:t>
+              </a:r>
+              <a:endParaRPr lang="vi-VN" sz="1150" dirty="0">
+                <a:solidFill>
+                  <a:schemeClr val="tx2">
+                    <a:lumMod val="90000"/>
+                    <a:lumOff val="10000"/>
+                  </a:schemeClr>
+                </a:solidFill>
+                <a:latin typeface="Aptos" panose="020B0004020202020204" pitchFamily="34" charset="0"/>
+              </a:endParaRPr>
+            </a:p>
+          </p:txBody>
+        </p:sp>
+      </p:grpSp>
     </p:spTree>
     <p:extLst>
       <p:ext uri="{BB962C8B-B14F-4D97-AF65-F5344CB8AC3E}">
@@ -4753,7 +4924,7 @@
 <file path=ppt/theme/theme1.xml><?xml version="1.0" encoding="utf-8"?>
 <a:theme xmlns:a="http://schemas.openxmlformats.org/drawingml/2006/main" name="Office Theme">
   <a:themeElements>
-    <a:clrScheme name="Office">
+    <a:clrScheme name="Office Theme">
       <a:dk1>
         <a:sysClr val="windowText" lastClr="000000"/>
       </a:dk1>
@@ -4791,7 +4962,7 @@
         <a:srgbClr val="96607D"/>
       </a:folHlink>
     </a:clrScheme>
-    <a:fontScheme name="Office">
+    <a:fontScheme name="Office Theme">
       <a:majorFont>
         <a:latin typeface="Aptos Display" panose="02110004020202020204"/>
         <a:ea typeface=""/>
@@ -4897,7 +5068,7 @@
         <a:font script="Tfng" typeface="Ebrima"/>
       </a:minorFont>
     </a:fontScheme>
-    <a:fmtScheme name="Office">
+    <a:fmtScheme name="Office Theme">
       <a:fillStyleLst>
         <a:solidFill>
           <a:schemeClr val="phClr"/>

--- a/docs/diagrams/powerpoint/ArchitectureDiagram.pptx
+++ b/docs/diagrams/powerpoint/ArchitectureDiagram.pptx
@@ -2,12 +2,12 @@
 <file path=ppt/presentation.xml><?xml version="1.0" encoding="utf-8"?>
 <p:presentation xmlns:a="http://schemas.openxmlformats.org/drawingml/2006/main" xmlns:r="http://schemas.openxmlformats.org/officeDocument/2006/relationships" xmlns:p="http://schemas.openxmlformats.org/presentationml/2006/main" saveSubsetFonts="1">
   <p:sldMasterIdLst>
-    <p:sldMasterId id="2147483684" r:id="rId1"/>
+    <p:sldMasterId id="2147483696" r:id="rId1"/>
   </p:sldMasterIdLst>
   <p:sldIdLst>
     <p:sldId id="256" r:id="rId2"/>
   </p:sldIdLst>
-  <p:sldSz cx="7199313" cy="7199313"/>
+  <p:sldSz cx="5759450" cy="5759450"/>
   <p:notesSz cx="6858000" cy="9144000"/>
   <p:defaultTextStyle>
     <a:defPPr>
@@ -141,15 +141,15 @@
         </p:nvSpPr>
         <p:spPr>
           <a:xfrm>
-            <a:off x="539949" y="1178222"/>
-            <a:ext cx="6119416" cy="2506427"/>
+            <a:off x="431959" y="942577"/>
+            <a:ext cx="4895533" cy="2005142"/>
           </a:xfrm>
         </p:spPr>
         <p:txBody>
           <a:bodyPr anchor="b"/>
           <a:lstStyle>
             <a:lvl1pPr algn="ctr">
-              <a:defRPr sz="4724"/>
+              <a:defRPr sz="3779"/>
             </a:lvl1pPr>
           </a:lstStyle>
           <a:p>
@@ -173,8 +173,8 @@
         </p:nvSpPr>
         <p:spPr>
           <a:xfrm>
-            <a:off x="899914" y="3781306"/>
-            <a:ext cx="5399485" cy="1738167"/>
+            <a:off x="719931" y="3025045"/>
+            <a:ext cx="4319588" cy="1390533"/>
           </a:xfrm>
         </p:spPr>
         <p:txBody>
@@ -182,39 +182,39 @@
           <a:lstStyle>
             <a:lvl1pPr marL="0" indent="0" algn="ctr">
               <a:buNone/>
-              <a:defRPr sz="1890"/>
+              <a:defRPr sz="1512"/>
             </a:lvl1pPr>
-            <a:lvl2pPr marL="359954" indent="0" algn="ctr">
-              <a:buNone/>
-              <a:defRPr sz="1575"/>
+            <a:lvl2pPr marL="287990" indent="0" algn="ctr">
+              <a:buNone/>
+              <a:defRPr sz="1260"/>
             </a:lvl2pPr>
-            <a:lvl3pPr marL="719907" indent="0" algn="ctr">
-              <a:buNone/>
-              <a:defRPr sz="1417"/>
+            <a:lvl3pPr marL="575981" indent="0" algn="ctr">
+              <a:buNone/>
+              <a:defRPr sz="1134"/>
             </a:lvl3pPr>
-            <a:lvl4pPr marL="1079861" indent="0" algn="ctr">
-              <a:buNone/>
-              <a:defRPr sz="1260"/>
+            <a:lvl4pPr marL="863971" indent="0" algn="ctr">
+              <a:buNone/>
+              <a:defRPr sz="1008"/>
             </a:lvl4pPr>
-            <a:lvl5pPr marL="1439814" indent="0" algn="ctr">
-              <a:buNone/>
-              <a:defRPr sz="1260"/>
+            <a:lvl5pPr marL="1151961" indent="0" algn="ctr">
+              <a:buNone/>
+              <a:defRPr sz="1008"/>
             </a:lvl5pPr>
-            <a:lvl6pPr marL="1799768" indent="0" algn="ctr">
-              <a:buNone/>
-              <a:defRPr sz="1260"/>
+            <a:lvl6pPr marL="1439951" indent="0" algn="ctr">
+              <a:buNone/>
+              <a:defRPr sz="1008"/>
             </a:lvl6pPr>
-            <a:lvl7pPr marL="2159721" indent="0" algn="ctr">
-              <a:buNone/>
-              <a:defRPr sz="1260"/>
+            <a:lvl7pPr marL="1727942" indent="0" algn="ctr">
+              <a:buNone/>
+              <a:defRPr sz="1008"/>
             </a:lvl7pPr>
-            <a:lvl8pPr marL="2519675" indent="0" algn="ctr">
-              <a:buNone/>
-              <a:defRPr sz="1260"/>
+            <a:lvl8pPr marL="2015932" indent="0" algn="ctr">
+              <a:buNone/>
+              <a:defRPr sz="1008"/>
             </a:lvl8pPr>
-            <a:lvl9pPr marL="2879628" indent="0" algn="ctr">
-              <a:buNone/>
-              <a:defRPr sz="1260"/>
+            <a:lvl9pPr marL="2303922" indent="0" algn="ctr">
+              <a:buNone/>
+              <a:defRPr sz="1008"/>
             </a:lvl9pPr>
           </a:lstStyle>
           <a:p>
@@ -244,7 +244,7 @@
             <a:fld id="{11A6662E-FAF4-44BC-88B5-85A7CBFB6D30}" type="datetime1">
               <a:rPr lang="en-US" smtClean="0"/>
               <a:pPr/>
-              <a:t>11/5/2024</a:t>
+              <a:t>11/6/2024</a:t>
             </a:fld>
             <a:endParaRPr lang="en-US" dirty="0"/>
           </a:p>
@@ -302,7 +302,7 @@
     </p:spTree>
     <p:extLst>
       <p:ext uri="{BB962C8B-B14F-4D97-AF65-F5344CB8AC3E}">
-        <p14:creationId xmlns:p14="http://schemas.microsoft.com/office/powerpoint/2010/main" val="1704050636"/>
+        <p14:creationId xmlns:p14="http://schemas.microsoft.com/office/powerpoint/2010/main" val="2366218789"/>
       </p:ext>
     </p:extLst>
   </p:cSld>
@@ -421,7 +421,7 @@
           <a:p>
             <a:fld id="{4C559632-1575-4E14-B53B-3DC3D5ED3947}" type="datetime1">
               <a:rPr lang="en-US" smtClean="0"/>
-              <a:t>11/5/2024</a:t>
+              <a:t>11/6/2024</a:t>
             </a:fld>
             <a:endParaRPr lang="en-US"/>
           </a:p>
@@ -472,7 +472,7 @@
     </p:spTree>
     <p:extLst>
       <p:ext uri="{BB962C8B-B14F-4D97-AF65-F5344CB8AC3E}">
-        <p14:creationId xmlns:p14="http://schemas.microsoft.com/office/powerpoint/2010/main" val="196864402"/>
+        <p14:creationId xmlns:p14="http://schemas.microsoft.com/office/powerpoint/2010/main" val="549872863"/>
       </p:ext>
     </p:extLst>
   </p:cSld>
@@ -511,8 +511,8 @@
         </p:nvSpPr>
         <p:spPr>
           <a:xfrm>
-            <a:off x="5152009" y="383297"/>
-            <a:ext cx="1552352" cy="6101085"/>
+            <a:off x="4121607" y="306637"/>
+            <a:ext cx="1241881" cy="4880868"/>
           </a:xfrm>
         </p:spPr>
         <p:txBody>
@@ -539,8 +539,8 @@
         </p:nvSpPr>
         <p:spPr>
           <a:xfrm>
-            <a:off x="494953" y="383297"/>
-            <a:ext cx="4567064" cy="6101085"/>
+            <a:off x="395963" y="306637"/>
+            <a:ext cx="3653651" cy="4880868"/>
           </a:xfrm>
         </p:spPr>
         <p:txBody>
@@ -601,7 +601,7 @@
           <a:p>
             <a:fld id="{CC4A6868-2568-4CC9-B302-F37117B01A6E}" type="datetime1">
               <a:rPr lang="en-US" smtClean="0"/>
-              <a:t>11/5/2024</a:t>
+              <a:t>11/6/2024</a:t>
             </a:fld>
             <a:endParaRPr lang="en-US"/>
           </a:p>
@@ -652,7 +652,7 @@
     </p:spTree>
     <p:extLst>
       <p:ext uri="{BB962C8B-B14F-4D97-AF65-F5344CB8AC3E}">
-        <p14:creationId xmlns:p14="http://schemas.microsoft.com/office/powerpoint/2010/main" val="2434958143"/>
+        <p14:creationId xmlns:p14="http://schemas.microsoft.com/office/powerpoint/2010/main" val="791821346"/>
       </p:ext>
     </p:extLst>
   </p:cSld>
@@ -771,7 +771,7 @@
           <a:p>
             <a:fld id="{0055F08A-1E71-4B2B-BB49-E743F2903911}" type="datetime1">
               <a:rPr lang="en-US" smtClean="0"/>
-              <a:t>11/5/2024</a:t>
+              <a:t>11/6/2024</a:t>
             </a:fld>
             <a:endParaRPr lang="en-US" dirty="0"/>
           </a:p>
@@ -822,7 +822,7 @@
     </p:spTree>
     <p:extLst>
       <p:ext uri="{BB962C8B-B14F-4D97-AF65-F5344CB8AC3E}">
-        <p14:creationId xmlns:p14="http://schemas.microsoft.com/office/powerpoint/2010/main" val="1685064768"/>
+        <p14:creationId xmlns:p14="http://schemas.microsoft.com/office/powerpoint/2010/main" val="3098433394"/>
       </p:ext>
     </p:extLst>
   </p:cSld>
@@ -861,15 +861,15 @@
         </p:nvSpPr>
         <p:spPr>
           <a:xfrm>
-            <a:off x="491204" y="1794831"/>
-            <a:ext cx="6209407" cy="2994714"/>
+            <a:off x="392963" y="1435864"/>
+            <a:ext cx="4967526" cy="2395771"/>
           </a:xfrm>
         </p:spPr>
         <p:txBody>
           <a:bodyPr anchor="b"/>
           <a:lstStyle>
             <a:lvl1pPr>
-              <a:defRPr sz="4724"/>
+              <a:defRPr sz="3779"/>
             </a:lvl1pPr>
           </a:lstStyle>
           <a:p>
@@ -893,8 +893,8 @@
         </p:nvSpPr>
         <p:spPr>
           <a:xfrm>
-            <a:off x="491204" y="4817876"/>
-            <a:ext cx="6209407" cy="1574849"/>
+            <a:off x="392963" y="3854300"/>
+            <a:ext cx="4967526" cy="1259879"/>
           </a:xfrm>
         </p:spPr>
         <p:txBody>
@@ -902,7 +902,7 @@
           <a:lstStyle>
             <a:lvl1pPr marL="0" indent="0">
               <a:buNone/>
-              <a:defRPr sz="1890">
+              <a:defRPr sz="1512">
                 <a:solidFill>
                   <a:schemeClr val="tx1">
                     <a:tint val="82000"/>
@@ -910,9 +910,9 @@
                 </a:solidFill>
               </a:defRPr>
             </a:lvl1pPr>
-            <a:lvl2pPr marL="359954" indent="0">
-              <a:buNone/>
-              <a:defRPr sz="1575">
+            <a:lvl2pPr marL="287990" indent="0">
+              <a:buNone/>
+              <a:defRPr sz="1260">
                 <a:solidFill>
                   <a:schemeClr val="tx1">
                     <a:tint val="82000"/>
@@ -920,9 +920,9 @@
                 </a:solidFill>
               </a:defRPr>
             </a:lvl2pPr>
-            <a:lvl3pPr marL="719907" indent="0">
-              <a:buNone/>
-              <a:defRPr sz="1417">
+            <a:lvl3pPr marL="575981" indent="0">
+              <a:buNone/>
+              <a:defRPr sz="1134">
                 <a:solidFill>
                   <a:schemeClr val="tx1">
                     <a:tint val="82000"/>
@@ -930,9 +930,9 @@
                 </a:solidFill>
               </a:defRPr>
             </a:lvl3pPr>
-            <a:lvl4pPr marL="1079861" indent="0">
-              <a:buNone/>
-              <a:defRPr sz="1260">
+            <a:lvl4pPr marL="863971" indent="0">
+              <a:buNone/>
+              <a:defRPr sz="1008">
                 <a:solidFill>
                   <a:schemeClr val="tx1">
                     <a:tint val="82000"/>
@@ -940,9 +940,9 @@
                 </a:solidFill>
               </a:defRPr>
             </a:lvl4pPr>
-            <a:lvl5pPr marL="1439814" indent="0">
-              <a:buNone/>
-              <a:defRPr sz="1260">
+            <a:lvl5pPr marL="1151961" indent="0">
+              <a:buNone/>
+              <a:defRPr sz="1008">
                 <a:solidFill>
                   <a:schemeClr val="tx1">
                     <a:tint val="82000"/>
@@ -950,9 +950,9 @@
                 </a:solidFill>
               </a:defRPr>
             </a:lvl5pPr>
-            <a:lvl6pPr marL="1799768" indent="0">
-              <a:buNone/>
-              <a:defRPr sz="1260">
+            <a:lvl6pPr marL="1439951" indent="0">
+              <a:buNone/>
+              <a:defRPr sz="1008">
                 <a:solidFill>
                   <a:schemeClr val="tx1">
                     <a:tint val="82000"/>
@@ -960,9 +960,9 @@
                 </a:solidFill>
               </a:defRPr>
             </a:lvl6pPr>
-            <a:lvl7pPr marL="2159721" indent="0">
-              <a:buNone/>
-              <a:defRPr sz="1260">
+            <a:lvl7pPr marL="1727942" indent="0">
+              <a:buNone/>
+              <a:defRPr sz="1008">
                 <a:solidFill>
                   <a:schemeClr val="tx1">
                     <a:tint val="82000"/>
@@ -970,9 +970,9 @@
                 </a:solidFill>
               </a:defRPr>
             </a:lvl7pPr>
-            <a:lvl8pPr marL="2519675" indent="0">
-              <a:buNone/>
-              <a:defRPr sz="1260">
+            <a:lvl8pPr marL="2015932" indent="0">
+              <a:buNone/>
+              <a:defRPr sz="1008">
                 <a:solidFill>
                   <a:schemeClr val="tx1">
                     <a:tint val="82000"/>
@@ -980,9 +980,9 @@
                 </a:solidFill>
               </a:defRPr>
             </a:lvl8pPr>
-            <a:lvl9pPr marL="2879628" indent="0">
-              <a:buNone/>
-              <a:defRPr sz="1260">
+            <a:lvl9pPr marL="2303922" indent="0">
+              <a:buNone/>
+              <a:defRPr sz="1008">
                 <a:solidFill>
                   <a:schemeClr val="tx1">
                     <a:tint val="82000"/>
@@ -1017,7 +1017,7 @@
           <a:p>
             <a:fld id="{15417D9E-721A-44BB-8863-9873FE64DA75}" type="datetime1">
               <a:rPr lang="en-US" smtClean="0"/>
-              <a:t>11/5/2024</a:t>
+              <a:t>11/6/2024</a:t>
             </a:fld>
             <a:endParaRPr lang="en-US"/>
           </a:p>
@@ -1068,7 +1068,7 @@
     </p:spTree>
     <p:extLst>
       <p:ext uri="{BB962C8B-B14F-4D97-AF65-F5344CB8AC3E}">
-        <p14:creationId xmlns:p14="http://schemas.microsoft.com/office/powerpoint/2010/main" val="4030461686"/>
+        <p14:creationId xmlns:p14="http://schemas.microsoft.com/office/powerpoint/2010/main" val="1190167450"/>
       </p:ext>
     </p:extLst>
   </p:cSld>
@@ -1130,8 +1130,8 @@
         </p:nvSpPr>
         <p:spPr>
           <a:xfrm>
-            <a:off x="494953" y="1916484"/>
-            <a:ext cx="3059708" cy="4567898"/>
+            <a:off x="395962" y="1533187"/>
+            <a:ext cx="2447766" cy="3654318"/>
           </a:xfrm>
         </p:spPr>
         <p:txBody>
@@ -1187,8 +1187,8 @@
         </p:nvSpPr>
         <p:spPr>
           <a:xfrm>
-            <a:off x="3644652" y="1916484"/>
-            <a:ext cx="3059708" cy="4567898"/>
+            <a:off x="2915722" y="1533187"/>
+            <a:ext cx="2447766" cy="3654318"/>
           </a:xfrm>
         </p:spPr>
         <p:txBody>
@@ -1249,7 +1249,7 @@
           <a:p>
             <a:fld id="{5F31DA2F-80B8-49CF-99FB-5ABCA53A607A}" type="datetime1">
               <a:rPr lang="en-US" smtClean="0"/>
-              <a:t>11/5/2024</a:t>
+              <a:t>11/6/2024</a:t>
             </a:fld>
             <a:endParaRPr lang="en-US"/>
           </a:p>
@@ -1300,7 +1300,7 @@
     </p:spTree>
     <p:extLst>
       <p:ext uri="{BB962C8B-B14F-4D97-AF65-F5344CB8AC3E}">
-        <p14:creationId xmlns:p14="http://schemas.microsoft.com/office/powerpoint/2010/main" val="1858592108"/>
+        <p14:creationId xmlns:p14="http://schemas.microsoft.com/office/powerpoint/2010/main" val="228503191"/>
       </p:ext>
     </p:extLst>
   </p:cSld>
@@ -1339,8 +1339,8 @@
         </p:nvSpPr>
         <p:spPr>
           <a:xfrm>
-            <a:off x="495891" y="383299"/>
-            <a:ext cx="6209407" cy="1391534"/>
+            <a:off x="396712" y="306639"/>
+            <a:ext cx="4967526" cy="1113227"/>
           </a:xfrm>
         </p:spPr>
         <p:txBody>
@@ -1367,8 +1367,8 @@
         </p:nvSpPr>
         <p:spPr>
           <a:xfrm>
-            <a:off x="495891" y="1764832"/>
-            <a:ext cx="3045646" cy="864917"/>
+            <a:off x="396713" y="1411865"/>
+            <a:ext cx="2436517" cy="691934"/>
           </a:xfrm>
         </p:spPr>
         <p:txBody>
@@ -1376,39 +1376,39 @@
           <a:lstStyle>
             <a:lvl1pPr marL="0" indent="0">
               <a:buNone/>
-              <a:defRPr sz="1890" b="1"/>
+              <a:defRPr sz="1512" b="1"/>
             </a:lvl1pPr>
-            <a:lvl2pPr marL="359954" indent="0">
-              <a:buNone/>
-              <a:defRPr sz="1575" b="1"/>
+            <a:lvl2pPr marL="287990" indent="0">
+              <a:buNone/>
+              <a:defRPr sz="1260" b="1"/>
             </a:lvl2pPr>
-            <a:lvl3pPr marL="719907" indent="0">
-              <a:buNone/>
-              <a:defRPr sz="1417" b="1"/>
+            <a:lvl3pPr marL="575981" indent="0">
+              <a:buNone/>
+              <a:defRPr sz="1134" b="1"/>
             </a:lvl3pPr>
-            <a:lvl4pPr marL="1079861" indent="0">
-              <a:buNone/>
-              <a:defRPr sz="1260" b="1"/>
+            <a:lvl4pPr marL="863971" indent="0">
+              <a:buNone/>
+              <a:defRPr sz="1008" b="1"/>
             </a:lvl4pPr>
-            <a:lvl5pPr marL="1439814" indent="0">
-              <a:buNone/>
-              <a:defRPr sz="1260" b="1"/>
+            <a:lvl5pPr marL="1151961" indent="0">
+              <a:buNone/>
+              <a:defRPr sz="1008" b="1"/>
             </a:lvl5pPr>
-            <a:lvl6pPr marL="1799768" indent="0">
-              <a:buNone/>
-              <a:defRPr sz="1260" b="1"/>
+            <a:lvl6pPr marL="1439951" indent="0">
+              <a:buNone/>
+              <a:defRPr sz="1008" b="1"/>
             </a:lvl6pPr>
-            <a:lvl7pPr marL="2159721" indent="0">
-              <a:buNone/>
-              <a:defRPr sz="1260" b="1"/>
+            <a:lvl7pPr marL="1727942" indent="0">
+              <a:buNone/>
+              <a:defRPr sz="1008" b="1"/>
             </a:lvl7pPr>
-            <a:lvl8pPr marL="2519675" indent="0">
-              <a:buNone/>
-              <a:defRPr sz="1260" b="1"/>
+            <a:lvl8pPr marL="2015932" indent="0">
+              <a:buNone/>
+              <a:defRPr sz="1008" b="1"/>
             </a:lvl8pPr>
-            <a:lvl9pPr marL="2879628" indent="0">
-              <a:buNone/>
-              <a:defRPr sz="1260" b="1"/>
+            <a:lvl9pPr marL="2303922" indent="0">
+              <a:buNone/>
+              <a:defRPr sz="1008" b="1"/>
             </a:lvl9pPr>
           </a:lstStyle>
           <a:p>
@@ -1432,8 +1432,8 @@
         </p:nvSpPr>
         <p:spPr>
           <a:xfrm>
-            <a:off x="495891" y="2629749"/>
-            <a:ext cx="3045646" cy="3867965"/>
+            <a:off x="396713" y="2103799"/>
+            <a:ext cx="2436517" cy="3094372"/>
           </a:xfrm>
         </p:spPr>
         <p:txBody>
@@ -1489,8 +1489,8 @@
         </p:nvSpPr>
         <p:spPr>
           <a:xfrm>
-            <a:off x="3644652" y="1764832"/>
-            <a:ext cx="3060646" cy="864917"/>
+            <a:off x="2915722" y="1411865"/>
+            <a:ext cx="2448516" cy="691934"/>
           </a:xfrm>
         </p:spPr>
         <p:txBody>
@@ -1498,39 +1498,39 @@
           <a:lstStyle>
             <a:lvl1pPr marL="0" indent="0">
               <a:buNone/>
-              <a:defRPr sz="1890" b="1"/>
+              <a:defRPr sz="1512" b="1"/>
             </a:lvl1pPr>
-            <a:lvl2pPr marL="359954" indent="0">
-              <a:buNone/>
-              <a:defRPr sz="1575" b="1"/>
+            <a:lvl2pPr marL="287990" indent="0">
+              <a:buNone/>
+              <a:defRPr sz="1260" b="1"/>
             </a:lvl2pPr>
-            <a:lvl3pPr marL="719907" indent="0">
-              <a:buNone/>
-              <a:defRPr sz="1417" b="1"/>
+            <a:lvl3pPr marL="575981" indent="0">
+              <a:buNone/>
+              <a:defRPr sz="1134" b="1"/>
             </a:lvl3pPr>
-            <a:lvl4pPr marL="1079861" indent="0">
-              <a:buNone/>
-              <a:defRPr sz="1260" b="1"/>
+            <a:lvl4pPr marL="863971" indent="0">
+              <a:buNone/>
+              <a:defRPr sz="1008" b="1"/>
             </a:lvl4pPr>
-            <a:lvl5pPr marL="1439814" indent="0">
-              <a:buNone/>
-              <a:defRPr sz="1260" b="1"/>
+            <a:lvl5pPr marL="1151961" indent="0">
+              <a:buNone/>
+              <a:defRPr sz="1008" b="1"/>
             </a:lvl5pPr>
-            <a:lvl6pPr marL="1799768" indent="0">
-              <a:buNone/>
-              <a:defRPr sz="1260" b="1"/>
+            <a:lvl6pPr marL="1439951" indent="0">
+              <a:buNone/>
+              <a:defRPr sz="1008" b="1"/>
             </a:lvl6pPr>
-            <a:lvl7pPr marL="2159721" indent="0">
-              <a:buNone/>
-              <a:defRPr sz="1260" b="1"/>
+            <a:lvl7pPr marL="1727942" indent="0">
+              <a:buNone/>
+              <a:defRPr sz="1008" b="1"/>
             </a:lvl7pPr>
-            <a:lvl8pPr marL="2519675" indent="0">
-              <a:buNone/>
-              <a:defRPr sz="1260" b="1"/>
+            <a:lvl8pPr marL="2015932" indent="0">
+              <a:buNone/>
+              <a:defRPr sz="1008" b="1"/>
             </a:lvl8pPr>
-            <a:lvl9pPr marL="2879628" indent="0">
-              <a:buNone/>
-              <a:defRPr sz="1260" b="1"/>
+            <a:lvl9pPr marL="2303922" indent="0">
+              <a:buNone/>
+              <a:defRPr sz="1008" b="1"/>
             </a:lvl9pPr>
           </a:lstStyle>
           <a:p>
@@ -1554,8 +1554,8 @@
         </p:nvSpPr>
         <p:spPr>
           <a:xfrm>
-            <a:off x="3644652" y="2629749"/>
-            <a:ext cx="3060646" cy="3867965"/>
+            <a:off x="2915722" y="2103799"/>
+            <a:ext cx="2448516" cy="3094372"/>
           </a:xfrm>
         </p:spPr>
         <p:txBody>
@@ -1616,7 +1616,7 @@
           <a:p>
             <a:fld id="{28852172-E6C9-4B6C-929A-A9DE3837BBF1}" type="datetime1">
               <a:rPr lang="en-US" smtClean="0"/>
-              <a:t>11/5/2024</a:t>
+              <a:t>11/6/2024</a:t>
             </a:fld>
             <a:endParaRPr lang="en-US"/>
           </a:p>
@@ -1667,7 +1667,7 @@
     </p:spTree>
     <p:extLst>
       <p:ext uri="{BB962C8B-B14F-4D97-AF65-F5344CB8AC3E}">
-        <p14:creationId xmlns:p14="http://schemas.microsoft.com/office/powerpoint/2010/main" val="2825425814"/>
+        <p14:creationId xmlns:p14="http://schemas.microsoft.com/office/powerpoint/2010/main" val="2254673066"/>
       </p:ext>
     </p:extLst>
   </p:cSld>
@@ -1734,7 +1734,7 @@
           <a:p>
             <a:fld id="{3AB41CFF-90C9-47B3-9DA1-F2BF8D839F7E}" type="datetime1">
               <a:rPr lang="en-US" smtClean="0"/>
-              <a:t>11/5/2024</a:t>
+              <a:t>11/6/2024</a:t>
             </a:fld>
             <a:endParaRPr lang="en-US"/>
           </a:p>
@@ -1785,7 +1785,7 @@
     </p:spTree>
     <p:extLst>
       <p:ext uri="{BB962C8B-B14F-4D97-AF65-F5344CB8AC3E}">
-        <p14:creationId xmlns:p14="http://schemas.microsoft.com/office/powerpoint/2010/main" val="3320329045"/>
+        <p14:creationId xmlns:p14="http://schemas.microsoft.com/office/powerpoint/2010/main" val="3987257729"/>
       </p:ext>
     </p:extLst>
   </p:cSld>
@@ -1829,7 +1829,7 @@
           <a:p>
             <a:fld id="{F06048FA-06AB-4884-A69B-986B96E68A24}" type="datetime1">
               <a:rPr lang="en-US" smtClean="0"/>
-              <a:t>11/5/2024</a:t>
+              <a:t>11/6/2024</a:t>
             </a:fld>
             <a:endParaRPr lang="en-US"/>
           </a:p>
@@ -1880,7 +1880,7 @@
     </p:spTree>
     <p:extLst>
       <p:ext uri="{BB962C8B-B14F-4D97-AF65-F5344CB8AC3E}">
-        <p14:creationId xmlns:p14="http://schemas.microsoft.com/office/powerpoint/2010/main" val="425926993"/>
+        <p14:creationId xmlns:p14="http://schemas.microsoft.com/office/powerpoint/2010/main" val="2960139918"/>
       </p:ext>
     </p:extLst>
   </p:cSld>
@@ -1919,15 +1919,15 @@
         </p:nvSpPr>
         <p:spPr>
           <a:xfrm>
-            <a:off x="495890" y="479954"/>
-            <a:ext cx="2321966" cy="1679840"/>
+            <a:off x="396712" y="383963"/>
+            <a:ext cx="1857573" cy="1343872"/>
           </a:xfrm>
         </p:spPr>
         <p:txBody>
           <a:bodyPr anchor="b"/>
           <a:lstStyle>
             <a:lvl1pPr>
-              <a:defRPr sz="2519"/>
+              <a:defRPr sz="2016"/>
             </a:lvl1pPr>
           </a:lstStyle>
           <a:p>
@@ -1951,39 +1951,39 @@
         </p:nvSpPr>
         <p:spPr>
           <a:xfrm>
-            <a:off x="3060646" y="1036570"/>
-            <a:ext cx="3644652" cy="5116178"/>
+            <a:off x="2448516" y="829256"/>
+            <a:ext cx="2915722" cy="4092942"/>
           </a:xfrm>
         </p:spPr>
         <p:txBody>
           <a:bodyPr/>
           <a:lstStyle>
             <a:lvl1pPr>
-              <a:defRPr sz="2519"/>
+              <a:defRPr sz="2016"/>
             </a:lvl1pPr>
             <a:lvl2pPr>
-              <a:defRPr sz="2204"/>
+              <a:defRPr sz="1764"/>
             </a:lvl2pPr>
             <a:lvl3pPr>
-              <a:defRPr sz="1890"/>
+              <a:defRPr sz="1512"/>
             </a:lvl3pPr>
             <a:lvl4pPr>
-              <a:defRPr sz="1575"/>
+              <a:defRPr sz="1260"/>
             </a:lvl4pPr>
             <a:lvl5pPr>
-              <a:defRPr sz="1575"/>
+              <a:defRPr sz="1260"/>
             </a:lvl5pPr>
             <a:lvl6pPr>
-              <a:defRPr sz="1575"/>
+              <a:defRPr sz="1260"/>
             </a:lvl6pPr>
             <a:lvl7pPr>
-              <a:defRPr sz="1575"/>
+              <a:defRPr sz="1260"/>
             </a:lvl7pPr>
             <a:lvl8pPr>
-              <a:defRPr sz="1575"/>
+              <a:defRPr sz="1260"/>
             </a:lvl8pPr>
             <a:lvl9pPr>
-              <a:defRPr sz="1575"/>
+              <a:defRPr sz="1260"/>
             </a:lvl9pPr>
           </a:lstStyle>
           <a:p>
@@ -2036,8 +2036,8 @@
         </p:nvSpPr>
         <p:spPr>
           <a:xfrm>
-            <a:off x="495890" y="2159794"/>
-            <a:ext cx="2321966" cy="4001285"/>
+            <a:off x="396712" y="1727835"/>
+            <a:ext cx="1857573" cy="3201028"/>
           </a:xfrm>
         </p:spPr>
         <p:txBody>
@@ -2045,39 +2045,39 @@
           <a:lstStyle>
             <a:lvl1pPr marL="0" indent="0">
               <a:buNone/>
-              <a:defRPr sz="1260"/>
+              <a:defRPr sz="1008"/>
             </a:lvl1pPr>
-            <a:lvl2pPr marL="359954" indent="0">
-              <a:buNone/>
-              <a:defRPr sz="1102"/>
+            <a:lvl2pPr marL="287990" indent="0">
+              <a:buNone/>
+              <a:defRPr sz="882"/>
             </a:lvl2pPr>
-            <a:lvl3pPr marL="719907" indent="0">
-              <a:buNone/>
-              <a:defRPr sz="945"/>
+            <a:lvl3pPr marL="575981" indent="0">
+              <a:buNone/>
+              <a:defRPr sz="756"/>
             </a:lvl3pPr>
-            <a:lvl4pPr marL="1079861" indent="0">
-              <a:buNone/>
-              <a:defRPr sz="787"/>
+            <a:lvl4pPr marL="863971" indent="0">
+              <a:buNone/>
+              <a:defRPr sz="630"/>
             </a:lvl4pPr>
-            <a:lvl5pPr marL="1439814" indent="0">
-              <a:buNone/>
-              <a:defRPr sz="787"/>
+            <a:lvl5pPr marL="1151961" indent="0">
+              <a:buNone/>
+              <a:defRPr sz="630"/>
             </a:lvl5pPr>
-            <a:lvl6pPr marL="1799768" indent="0">
-              <a:buNone/>
-              <a:defRPr sz="787"/>
+            <a:lvl6pPr marL="1439951" indent="0">
+              <a:buNone/>
+              <a:defRPr sz="630"/>
             </a:lvl6pPr>
-            <a:lvl7pPr marL="2159721" indent="0">
-              <a:buNone/>
-              <a:defRPr sz="787"/>
+            <a:lvl7pPr marL="1727942" indent="0">
+              <a:buNone/>
+              <a:defRPr sz="630"/>
             </a:lvl7pPr>
-            <a:lvl8pPr marL="2519675" indent="0">
-              <a:buNone/>
-              <a:defRPr sz="787"/>
+            <a:lvl8pPr marL="2015932" indent="0">
+              <a:buNone/>
+              <a:defRPr sz="630"/>
             </a:lvl8pPr>
-            <a:lvl9pPr marL="2879628" indent="0">
-              <a:buNone/>
-              <a:defRPr sz="787"/>
+            <a:lvl9pPr marL="2303922" indent="0">
+              <a:buNone/>
+              <a:defRPr sz="630"/>
             </a:lvl9pPr>
           </a:lstStyle>
           <a:p>
@@ -2106,7 +2106,7 @@
           <a:p>
             <a:fld id="{50DB7ABA-0172-4F9C-889D-567164F66BCD}" type="datetime1">
               <a:rPr lang="en-US" smtClean="0"/>
-              <a:t>11/5/2024</a:t>
+              <a:t>11/6/2024</a:t>
             </a:fld>
             <a:endParaRPr lang="en-US"/>
           </a:p>
@@ -2157,7 +2157,7 @@
     </p:spTree>
     <p:extLst>
       <p:ext uri="{BB962C8B-B14F-4D97-AF65-F5344CB8AC3E}">
-        <p14:creationId xmlns:p14="http://schemas.microsoft.com/office/powerpoint/2010/main" val="1540979372"/>
+        <p14:creationId xmlns:p14="http://schemas.microsoft.com/office/powerpoint/2010/main" val="1606487"/>
       </p:ext>
     </p:extLst>
   </p:cSld>
@@ -2196,15 +2196,15 @@
         </p:nvSpPr>
         <p:spPr>
           <a:xfrm>
-            <a:off x="495890" y="479954"/>
-            <a:ext cx="2321966" cy="1679840"/>
+            <a:off x="396712" y="383963"/>
+            <a:ext cx="1857573" cy="1343872"/>
           </a:xfrm>
         </p:spPr>
         <p:txBody>
           <a:bodyPr anchor="b"/>
           <a:lstStyle>
             <a:lvl1pPr>
-              <a:defRPr sz="2519"/>
+              <a:defRPr sz="2016"/>
             </a:lvl1pPr>
           </a:lstStyle>
           <a:p>
@@ -2228,8 +2228,8 @@
         </p:nvSpPr>
         <p:spPr>
           <a:xfrm>
-            <a:off x="3060646" y="1036570"/>
-            <a:ext cx="3644652" cy="5116178"/>
+            <a:off x="2448516" y="829256"/>
+            <a:ext cx="2915722" cy="4092942"/>
           </a:xfrm>
         </p:spPr>
         <p:txBody>
@@ -2237,39 +2237,39 @@
           <a:lstStyle>
             <a:lvl1pPr marL="0" indent="0">
               <a:buNone/>
-              <a:defRPr sz="2519"/>
+              <a:defRPr sz="2016"/>
             </a:lvl1pPr>
-            <a:lvl2pPr marL="359954" indent="0">
-              <a:buNone/>
-              <a:defRPr sz="2204"/>
+            <a:lvl2pPr marL="287990" indent="0">
+              <a:buNone/>
+              <a:defRPr sz="1764"/>
             </a:lvl2pPr>
-            <a:lvl3pPr marL="719907" indent="0">
-              <a:buNone/>
-              <a:defRPr sz="1890"/>
+            <a:lvl3pPr marL="575981" indent="0">
+              <a:buNone/>
+              <a:defRPr sz="1512"/>
             </a:lvl3pPr>
-            <a:lvl4pPr marL="1079861" indent="0">
-              <a:buNone/>
-              <a:defRPr sz="1575"/>
+            <a:lvl4pPr marL="863971" indent="0">
+              <a:buNone/>
+              <a:defRPr sz="1260"/>
             </a:lvl4pPr>
-            <a:lvl5pPr marL="1439814" indent="0">
-              <a:buNone/>
-              <a:defRPr sz="1575"/>
+            <a:lvl5pPr marL="1151961" indent="0">
+              <a:buNone/>
+              <a:defRPr sz="1260"/>
             </a:lvl5pPr>
-            <a:lvl6pPr marL="1799768" indent="0">
-              <a:buNone/>
-              <a:defRPr sz="1575"/>
+            <a:lvl6pPr marL="1439951" indent="0">
+              <a:buNone/>
+              <a:defRPr sz="1260"/>
             </a:lvl6pPr>
-            <a:lvl7pPr marL="2159721" indent="0">
-              <a:buNone/>
-              <a:defRPr sz="1575"/>
+            <a:lvl7pPr marL="1727942" indent="0">
+              <a:buNone/>
+              <a:defRPr sz="1260"/>
             </a:lvl7pPr>
-            <a:lvl8pPr marL="2519675" indent="0">
-              <a:buNone/>
-              <a:defRPr sz="1575"/>
+            <a:lvl8pPr marL="2015932" indent="0">
+              <a:buNone/>
+              <a:defRPr sz="1260"/>
             </a:lvl8pPr>
-            <a:lvl9pPr marL="2879628" indent="0">
-              <a:buNone/>
-              <a:defRPr sz="1575"/>
+            <a:lvl9pPr marL="2303922" indent="0">
+              <a:buNone/>
+              <a:defRPr sz="1260"/>
             </a:lvl9pPr>
           </a:lstStyle>
           <a:p>
@@ -2293,8 +2293,8 @@
         </p:nvSpPr>
         <p:spPr>
           <a:xfrm>
-            <a:off x="495890" y="2159794"/>
-            <a:ext cx="2321966" cy="4001285"/>
+            <a:off x="396712" y="1727835"/>
+            <a:ext cx="1857573" cy="3201028"/>
           </a:xfrm>
         </p:spPr>
         <p:txBody>
@@ -2302,39 +2302,39 @@
           <a:lstStyle>
             <a:lvl1pPr marL="0" indent="0">
               <a:buNone/>
-              <a:defRPr sz="1260"/>
+              <a:defRPr sz="1008"/>
             </a:lvl1pPr>
-            <a:lvl2pPr marL="359954" indent="0">
-              <a:buNone/>
-              <a:defRPr sz="1102"/>
+            <a:lvl2pPr marL="287990" indent="0">
+              <a:buNone/>
+              <a:defRPr sz="882"/>
             </a:lvl2pPr>
-            <a:lvl3pPr marL="719907" indent="0">
-              <a:buNone/>
-              <a:defRPr sz="945"/>
+            <a:lvl3pPr marL="575981" indent="0">
+              <a:buNone/>
+              <a:defRPr sz="756"/>
             </a:lvl3pPr>
-            <a:lvl4pPr marL="1079861" indent="0">
-              <a:buNone/>
-              <a:defRPr sz="787"/>
+            <a:lvl4pPr marL="863971" indent="0">
+              <a:buNone/>
+              <a:defRPr sz="630"/>
             </a:lvl4pPr>
-            <a:lvl5pPr marL="1439814" indent="0">
-              <a:buNone/>
-              <a:defRPr sz="787"/>
+            <a:lvl5pPr marL="1151961" indent="0">
+              <a:buNone/>
+              <a:defRPr sz="630"/>
             </a:lvl5pPr>
-            <a:lvl6pPr marL="1799768" indent="0">
-              <a:buNone/>
-              <a:defRPr sz="787"/>
+            <a:lvl6pPr marL="1439951" indent="0">
+              <a:buNone/>
+              <a:defRPr sz="630"/>
             </a:lvl6pPr>
-            <a:lvl7pPr marL="2159721" indent="0">
-              <a:buNone/>
-              <a:defRPr sz="787"/>
+            <a:lvl7pPr marL="1727942" indent="0">
+              <a:buNone/>
+              <a:defRPr sz="630"/>
             </a:lvl7pPr>
-            <a:lvl8pPr marL="2519675" indent="0">
-              <a:buNone/>
-              <a:defRPr sz="787"/>
+            <a:lvl8pPr marL="2015932" indent="0">
+              <a:buNone/>
+              <a:defRPr sz="630"/>
             </a:lvl8pPr>
-            <a:lvl9pPr marL="2879628" indent="0">
-              <a:buNone/>
-              <a:defRPr sz="787"/>
+            <a:lvl9pPr marL="2303922" indent="0">
+              <a:buNone/>
+              <a:defRPr sz="630"/>
             </a:lvl9pPr>
           </a:lstStyle>
           <a:p>
@@ -2363,7 +2363,7 @@
           <a:p>
             <a:fld id="{78AC6A5B-8AE7-4A41-B5A7-9ADC6686DC18}" type="datetime1">
               <a:rPr lang="en-US" smtClean="0"/>
-              <a:t>11/5/2024</a:t>
+              <a:t>11/6/2024</a:t>
             </a:fld>
             <a:endParaRPr lang="en-US"/>
           </a:p>
@@ -2414,7 +2414,7 @@
     </p:spTree>
     <p:extLst>
       <p:ext uri="{BB962C8B-B14F-4D97-AF65-F5344CB8AC3E}">
-        <p14:creationId xmlns:p14="http://schemas.microsoft.com/office/powerpoint/2010/main" val="1844069275"/>
+        <p14:creationId xmlns:p14="http://schemas.microsoft.com/office/powerpoint/2010/main" val="871441009"/>
       </p:ext>
     </p:extLst>
   </p:cSld>
@@ -2458,8 +2458,8 @@
         </p:nvSpPr>
         <p:spPr>
           <a:xfrm>
-            <a:off x="494953" y="383299"/>
-            <a:ext cx="6209407" cy="1391534"/>
+            <a:off x="395962" y="306639"/>
+            <a:ext cx="4967526" cy="1113227"/>
           </a:xfrm>
           <a:prstGeom prst="rect">
             <a:avLst/>
@@ -2491,8 +2491,8 @@
         </p:nvSpPr>
         <p:spPr>
           <a:xfrm>
-            <a:off x="494953" y="1916484"/>
-            <a:ext cx="6209407" cy="4567898"/>
+            <a:off x="395962" y="1533187"/>
+            <a:ext cx="4967526" cy="3654318"/>
           </a:xfrm>
           <a:prstGeom prst="rect">
             <a:avLst/>
@@ -2553,8 +2553,8 @@
         </p:nvSpPr>
         <p:spPr>
           <a:xfrm>
-            <a:off x="494953" y="6672698"/>
-            <a:ext cx="1619845" cy="383297"/>
+            <a:off x="395962" y="5338158"/>
+            <a:ext cx="1295876" cy="306637"/>
           </a:xfrm>
           <a:prstGeom prst="rect">
             <a:avLst/>
@@ -2564,7 +2564,7 @@
           <a:bodyPr vert="horz" lIns="91440" tIns="45720" rIns="91440" bIns="45720" rtlCol="0" anchor="ctr"/>
           <a:lstStyle>
             <a:lvl1pPr algn="l">
-              <a:defRPr sz="945">
+              <a:defRPr sz="756">
                 <a:solidFill>
                   <a:schemeClr val="tx1">
                     <a:tint val="82000"/>
@@ -2577,7 +2577,7 @@
             <a:fld id="{57E0CF6C-748E-4B7A-BC8B-3011EF78ED13}" type="datetime1">
               <a:rPr lang="en-US" smtClean="0"/>
               <a:pPr/>
-              <a:t>11/5/2024</a:t>
+              <a:t>11/6/2024</a:t>
             </a:fld>
             <a:endParaRPr lang="en-US" dirty="0"/>
           </a:p>
@@ -2595,8 +2595,8 @@
         </p:nvSpPr>
         <p:spPr>
           <a:xfrm>
-            <a:off x="2384773" y="6672698"/>
-            <a:ext cx="2429768" cy="383297"/>
+            <a:off x="1907818" y="5338158"/>
+            <a:ext cx="1943814" cy="306637"/>
           </a:xfrm>
           <a:prstGeom prst="rect">
             <a:avLst/>
@@ -2606,7 +2606,7 @@
           <a:bodyPr vert="horz" lIns="91440" tIns="45720" rIns="91440" bIns="45720" rtlCol="0" anchor="ctr"/>
           <a:lstStyle>
             <a:lvl1pPr algn="ctr">
-              <a:defRPr sz="945">
+              <a:defRPr sz="756">
                 <a:solidFill>
                   <a:schemeClr val="tx1">
                     <a:tint val="82000"/>
@@ -2638,8 +2638,8 @@
         </p:nvSpPr>
         <p:spPr>
           <a:xfrm>
-            <a:off x="5084515" y="6672698"/>
-            <a:ext cx="1619845" cy="383297"/>
+            <a:off x="4067612" y="5338158"/>
+            <a:ext cx="1295876" cy="306637"/>
           </a:xfrm>
           <a:prstGeom prst="rect">
             <a:avLst/>
@@ -2649,7 +2649,7 @@
           <a:bodyPr vert="horz" lIns="91440" tIns="45720" rIns="91440" bIns="45720" rtlCol="0" anchor="ctr"/>
           <a:lstStyle>
             <a:lvl1pPr algn="r">
-              <a:defRPr sz="945">
+              <a:defRPr sz="756">
                 <a:solidFill>
                   <a:schemeClr val="tx1">
                     <a:tint val="82000"/>
@@ -2671,28 +2671,28 @@
     </p:spTree>
     <p:extLst>
       <p:ext uri="{BB962C8B-B14F-4D97-AF65-F5344CB8AC3E}">
-        <p14:creationId xmlns:p14="http://schemas.microsoft.com/office/powerpoint/2010/main" val="1032861046"/>
+        <p14:creationId xmlns:p14="http://schemas.microsoft.com/office/powerpoint/2010/main" val="1681684928"/>
       </p:ext>
     </p:extLst>
   </p:cSld>
   <p:clrMap bg1="lt1" tx1="dk1" bg2="lt2" tx2="dk2" accent1="accent1" accent2="accent2" accent3="accent3" accent4="accent4" accent5="accent5" accent6="accent6" hlink="hlink" folHlink="folHlink"/>
   <p:sldLayoutIdLst>
-    <p:sldLayoutId id="2147483685" r:id="rId1"/>
-    <p:sldLayoutId id="2147483686" r:id="rId2"/>
-    <p:sldLayoutId id="2147483687" r:id="rId3"/>
-    <p:sldLayoutId id="2147483688" r:id="rId4"/>
-    <p:sldLayoutId id="2147483689" r:id="rId5"/>
-    <p:sldLayoutId id="2147483690" r:id="rId6"/>
-    <p:sldLayoutId id="2147483691" r:id="rId7"/>
-    <p:sldLayoutId id="2147483692" r:id="rId8"/>
-    <p:sldLayoutId id="2147483693" r:id="rId9"/>
-    <p:sldLayoutId id="2147483694" r:id="rId10"/>
-    <p:sldLayoutId id="2147483695" r:id="rId11"/>
+    <p:sldLayoutId id="2147483697" r:id="rId1"/>
+    <p:sldLayoutId id="2147483698" r:id="rId2"/>
+    <p:sldLayoutId id="2147483699" r:id="rId3"/>
+    <p:sldLayoutId id="2147483700" r:id="rId4"/>
+    <p:sldLayoutId id="2147483701" r:id="rId5"/>
+    <p:sldLayoutId id="2147483702" r:id="rId6"/>
+    <p:sldLayoutId id="2147483703" r:id="rId7"/>
+    <p:sldLayoutId id="2147483704" r:id="rId8"/>
+    <p:sldLayoutId id="2147483705" r:id="rId9"/>
+    <p:sldLayoutId id="2147483706" r:id="rId10"/>
+    <p:sldLayoutId id="2147483707" r:id="rId11"/>
   </p:sldLayoutIdLst>
   <p:hf sldNum="0" hdr="0" ftr="0" dt="0"/>
   <p:txStyles>
     <p:titleStyle>
-      <a:lvl1pPr algn="l" defTabSz="719907" rtl="0" eaLnBrk="1" latinLnBrk="0" hangingPunct="1">
+      <a:lvl1pPr algn="l" defTabSz="575981" rtl="0" eaLnBrk="1" latinLnBrk="0" hangingPunct="1">
         <a:lnSpc>
           <a:spcPct val="90000"/>
         </a:lnSpc>
@@ -2700,7 +2700,7 @@
           <a:spcPct val="0"/>
         </a:spcBef>
         <a:buNone/>
-        <a:defRPr sz="3464" kern="1200">
+        <a:defRPr sz="2772" kern="1200">
           <a:solidFill>
             <a:schemeClr val="tx1"/>
           </a:solidFill>
@@ -2711,16 +2711,16 @@
       </a:lvl1pPr>
     </p:titleStyle>
     <p:bodyStyle>
-      <a:lvl1pPr marL="179977" indent="-179977" algn="l" defTabSz="719907" rtl="0" eaLnBrk="1" latinLnBrk="0" hangingPunct="1">
+      <a:lvl1pPr marL="143995" indent="-143995" algn="l" defTabSz="575981" rtl="0" eaLnBrk="1" latinLnBrk="0" hangingPunct="1">
         <a:lnSpc>
           <a:spcPct val="90000"/>
         </a:lnSpc>
         <a:spcBef>
-          <a:spcPts val="787"/>
+          <a:spcPts val="630"/>
         </a:spcBef>
         <a:buFont typeface="Arial" panose="020B0604020202020204" pitchFamily="34" charset="0"/>
         <a:buChar char="•"/>
-        <a:defRPr sz="2204" kern="1200">
+        <a:defRPr sz="1764" kern="1200">
           <a:solidFill>
             <a:schemeClr val="tx1"/>
           </a:solidFill>
@@ -2729,16 +2729,16 @@
           <a:cs typeface="+mn-cs"/>
         </a:defRPr>
       </a:lvl1pPr>
-      <a:lvl2pPr marL="539930" indent="-179977" algn="l" defTabSz="719907" rtl="0" eaLnBrk="1" latinLnBrk="0" hangingPunct="1">
+      <a:lvl2pPr marL="431985" indent="-143995" algn="l" defTabSz="575981" rtl="0" eaLnBrk="1" latinLnBrk="0" hangingPunct="1">
         <a:lnSpc>
           <a:spcPct val="90000"/>
         </a:lnSpc>
         <a:spcBef>
-          <a:spcPts val="394"/>
+          <a:spcPts val="315"/>
         </a:spcBef>
         <a:buFont typeface="Arial" panose="020B0604020202020204" pitchFamily="34" charset="0"/>
         <a:buChar char="•"/>
-        <a:defRPr sz="1890" kern="1200">
+        <a:defRPr sz="1512" kern="1200">
           <a:solidFill>
             <a:schemeClr val="tx1"/>
           </a:solidFill>
@@ -2747,16 +2747,16 @@
           <a:cs typeface="+mn-cs"/>
         </a:defRPr>
       </a:lvl2pPr>
-      <a:lvl3pPr marL="899884" indent="-179977" algn="l" defTabSz="719907" rtl="0" eaLnBrk="1" latinLnBrk="0" hangingPunct="1">
+      <a:lvl3pPr marL="719976" indent="-143995" algn="l" defTabSz="575981" rtl="0" eaLnBrk="1" latinLnBrk="0" hangingPunct="1">
         <a:lnSpc>
           <a:spcPct val="90000"/>
         </a:lnSpc>
         <a:spcBef>
-          <a:spcPts val="394"/>
+          <a:spcPts val="315"/>
         </a:spcBef>
         <a:buFont typeface="Arial" panose="020B0604020202020204" pitchFamily="34" charset="0"/>
         <a:buChar char="•"/>
-        <a:defRPr sz="1575" kern="1200">
+        <a:defRPr sz="1260" kern="1200">
           <a:solidFill>
             <a:schemeClr val="tx1"/>
           </a:solidFill>
@@ -2765,16 +2765,16 @@
           <a:cs typeface="+mn-cs"/>
         </a:defRPr>
       </a:lvl3pPr>
-      <a:lvl4pPr marL="1259837" indent="-179977" algn="l" defTabSz="719907" rtl="0" eaLnBrk="1" latinLnBrk="0" hangingPunct="1">
+      <a:lvl4pPr marL="1007966" indent="-143995" algn="l" defTabSz="575981" rtl="0" eaLnBrk="1" latinLnBrk="0" hangingPunct="1">
         <a:lnSpc>
           <a:spcPct val="90000"/>
         </a:lnSpc>
         <a:spcBef>
-          <a:spcPts val="394"/>
+          <a:spcPts val="315"/>
         </a:spcBef>
         <a:buFont typeface="Arial" panose="020B0604020202020204" pitchFamily="34" charset="0"/>
         <a:buChar char="•"/>
-        <a:defRPr sz="1417" kern="1200">
+        <a:defRPr sz="1134" kern="1200">
           <a:solidFill>
             <a:schemeClr val="tx1"/>
           </a:solidFill>
@@ -2783,16 +2783,16 @@
           <a:cs typeface="+mn-cs"/>
         </a:defRPr>
       </a:lvl4pPr>
-      <a:lvl5pPr marL="1619791" indent="-179977" algn="l" defTabSz="719907" rtl="0" eaLnBrk="1" latinLnBrk="0" hangingPunct="1">
+      <a:lvl5pPr marL="1295956" indent="-143995" algn="l" defTabSz="575981" rtl="0" eaLnBrk="1" latinLnBrk="0" hangingPunct="1">
         <a:lnSpc>
           <a:spcPct val="90000"/>
         </a:lnSpc>
         <a:spcBef>
-          <a:spcPts val="394"/>
+          <a:spcPts val="315"/>
         </a:spcBef>
         <a:buFont typeface="Arial" panose="020B0604020202020204" pitchFamily="34" charset="0"/>
         <a:buChar char="•"/>
-        <a:defRPr sz="1417" kern="1200">
+        <a:defRPr sz="1134" kern="1200">
           <a:solidFill>
             <a:schemeClr val="tx1"/>
           </a:solidFill>
@@ -2801,16 +2801,16 @@
           <a:cs typeface="+mn-cs"/>
         </a:defRPr>
       </a:lvl5pPr>
-      <a:lvl6pPr marL="1979745" indent="-179977" algn="l" defTabSz="719907" rtl="0" eaLnBrk="1" latinLnBrk="0" hangingPunct="1">
+      <a:lvl6pPr marL="1583947" indent="-143995" algn="l" defTabSz="575981" rtl="0" eaLnBrk="1" latinLnBrk="0" hangingPunct="1">
         <a:lnSpc>
           <a:spcPct val="90000"/>
         </a:lnSpc>
         <a:spcBef>
-          <a:spcPts val="394"/>
+          <a:spcPts val="315"/>
         </a:spcBef>
         <a:buFont typeface="Arial" panose="020B0604020202020204" pitchFamily="34" charset="0"/>
         <a:buChar char="•"/>
-        <a:defRPr sz="1417" kern="1200">
+        <a:defRPr sz="1134" kern="1200">
           <a:solidFill>
             <a:schemeClr val="tx1"/>
           </a:solidFill>
@@ -2819,16 +2819,16 @@
           <a:cs typeface="+mn-cs"/>
         </a:defRPr>
       </a:lvl6pPr>
-      <a:lvl7pPr marL="2339698" indent="-179977" algn="l" defTabSz="719907" rtl="0" eaLnBrk="1" latinLnBrk="0" hangingPunct="1">
+      <a:lvl7pPr marL="1871937" indent="-143995" algn="l" defTabSz="575981" rtl="0" eaLnBrk="1" latinLnBrk="0" hangingPunct="1">
         <a:lnSpc>
           <a:spcPct val="90000"/>
         </a:lnSpc>
         <a:spcBef>
-          <a:spcPts val="394"/>
+          <a:spcPts val="315"/>
         </a:spcBef>
         <a:buFont typeface="Arial" panose="020B0604020202020204" pitchFamily="34" charset="0"/>
         <a:buChar char="•"/>
-        <a:defRPr sz="1417" kern="1200">
+        <a:defRPr sz="1134" kern="1200">
           <a:solidFill>
             <a:schemeClr val="tx1"/>
           </a:solidFill>
@@ -2837,16 +2837,16 @@
           <a:cs typeface="+mn-cs"/>
         </a:defRPr>
       </a:lvl7pPr>
-      <a:lvl8pPr marL="2699652" indent="-179977" algn="l" defTabSz="719907" rtl="0" eaLnBrk="1" latinLnBrk="0" hangingPunct="1">
+      <a:lvl8pPr marL="2159927" indent="-143995" algn="l" defTabSz="575981" rtl="0" eaLnBrk="1" latinLnBrk="0" hangingPunct="1">
         <a:lnSpc>
           <a:spcPct val="90000"/>
         </a:lnSpc>
         <a:spcBef>
-          <a:spcPts val="394"/>
+          <a:spcPts val="315"/>
         </a:spcBef>
         <a:buFont typeface="Arial" panose="020B0604020202020204" pitchFamily="34" charset="0"/>
         <a:buChar char="•"/>
-        <a:defRPr sz="1417" kern="1200">
+        <a:defRPr sz="1134" kern="1200">
           <a:solidFill>
             <a:schemeClr val="tx1"/>
           </a:solidFill>
@@ -2855,16 +2855,16 @@
           <a:cs typeface="+mn-cs"/>
         </a:defRPr>
       </a:lvl8pPr>
-      <a:lvl9pPr marL="3059605" indent="-179977" algn="l" defTabSz="719907" rtl="0" eaLnBrk="1" latinLnBrk="0" hangingPunct="1">
+      <a:lvl9pPr marL="2447917" indent="-143995" algn="l" defTabSz="575981" rtl="0" eaLnBrk="1" latinLnBrk="0" hangingPunct="1">
         <a:lnSpc>
           <a:spcPct val="90000"/>
         </a:lnSpc>
         <a:spcBef>
-          <a:spcPts val="394"/>
+          <a:spcPts val="315"/>
         </a:spcBef>
         <a:buFont typeface="Arial" panose="020B0604020202020204" pitchFamily="34" charset="0"/>
         <a:buChar char="•"/>
-        <a:defRPr sz="1417" kern="1200">
+        <a:defRPr sz="1134" kern="1200">
           <a:solidFill>
             <a:schemeClr val="tx1"/>
           </a:solidFill>
@@ -2878,8 +2878,8 @@
       <a:defPPr>
         <a:defRPr lang="en-US"/>
       </a:defPPr>
-      <a:lvl1pPr marL="0" algn="l" defTabSz="719907" rtl="0" eaLnBrk="1" latinLnBrk="0" hangingPunct="1">
-        <a:defRPr sz="1417" kern="1200">
+      <a:lvl1pPr marL="0" algn="l" defTabSz="575981" rtl="0" eaLnBrk="1" latinLnBrk="0" hangingPunct="1">
+        <a:defRPr sz="1134" kern="1200">
           <a:solidFill>
             <a:schemeClr val="tx1"/>
           </a:solidFill>
@@ -2888,8 +2888,8 @@
           <a:cs typeface="+mn-cs"/>
         </a:defRPr>
       </a:lvl1pPr>
-      <a:lvl2pPr marL="359954" algn="l" defTabSz="719907" rtl="0" eaLnBrk="1" latinLnBrk="0" hangingPunct="1">
-        <a:defRPr sz="1417" kern="1200">
+      <a:lvl2pPr marL="287990" algn="l" defTabSz="575981" rtl="0" eaLnBrk="1" latinLnBrk="0" hangingPunct="1">
+        <a:defRPr sz="1134" kern="1200">
           <a:solidFill>
             <a:schemeClr val="tx1"/>
           </a:solidFill>
@@ -2898,8 +2898,8 @@
           <a:cs typeface="+mn-cs"/>
         </a:defRPr>
       </a:lvl2pPr>
-      <a:lvl3pPr marL="719907" algn="l" defTabSz="719907" rtl="0" eaLnBrk="1" latinLnBrk="0" hangingPunct="1">
-        <a:defRPr sz="1417" kern="1200">
+      <a:lvl3pPr marL="575981" algn="l" defTabSz="575981" rtl="0" eaLnBrk="1" latinLnBrk="0" hangingPunct="1">
+        <a:defRPr sz="1134" kern="1200">
           <a:solidFill>
             <a:schemeClr val="tx1"/>
           </a:solidFill>
@@ -2908,8 +2908,8 @@
           <a:cs typeface="+mn-cs"/>
         </a:defRPr>
       </a:lvl3pPr>
-      <a:lvl4pPr marL="1079861" algn="l" defTabSz="719907" rtl="0" eaLnBrk="1" latinLnBrk="0" hangingPunct="1">
-        <a:defRPr sz="1417" kern="1200">
+      <a:lvl4pPr marL="863971" algn="l" defTabSz="575981" rtl="0" eaLnBrk="1" latinLnBrk="0" hangingPunct="1">
+        <a:defRPr sz="1134" kern="1200">
           <a:solidFill>
             <a:schemeClr val="tx1"/>
           </a:solidFill>
@@ -2918,8 +2918,8 @@
           <a:cs typeface="+mn-cs"/>
         </a:defRPr>
       </a:lvl4pPr>
-      <a:lvl5pPr marL="1439814" algn="l" defTabSz="719907" rtl="0" eaLnBrk="1" latinLnBrk="0" hangingPunct="1">
-        <a:defRPr sz="1417" kern="1200">
+      <a:lvl5pPr marL="1151961" algn="l" defTabSz="575981" rtl="0" eaLnBrk="1" latinLnBrk="0" hangingPunct="1">
+        <a:defRPr sz="1134" kern="1200">
           <a:solidFill>
             <a:schemeClr val="tx1"/>
           </a:solidFill>
@@ -2928,8 +2928,8 @@
           <a:cs typeface="+mn-cs"/>
         </a:defRPr>
       </a:lvl5pPr>
-      <a:lvl6pPr marL="1799768" algn="l" defTabSz="719907" rtl="0" eaLnBrk="1" latinLnBrk="0" hangingPunct="1">
-        <a:defRPr sz="1417" kern="1200">
+      <a:lvl6pPr marL="1439951" algn="l" defTabSz="575981" rtl="0" eaLnBrk="1" latinLnBrk="0" hangingPunct="1">
+        <a:defRPr sz="1134" kern="1200">
           <a:solidFill>
             <a:schemeClr val="tx1"/>
           </a:solidFill>
@@ -2938,8 +2938,8 @@
           <a:cs typeface="+mn-cs"/>
         </a:defRPr>
       </a:lvl6pPr>
-      <a:lvl7pPr marL="2159721" algn="l" defTabSz="719907" rtl="0" eaLnBrk="1" latinLnBrk="0" hangingPunct="1">
-        <a:defRPr sz="1417" kern="1200">
+      <a:lvl7pPr marL="1727942" algn="l" defTabSz="575981" rtl="0" eaLnBrk="1" latinLnBrk="0" hangingPunct="1">
+        <a:defRPr sz="1134" kern="1200">
           <a:solidFill>
             <a:schemeClr val="tx1"/>
           </a:solidFill>
@@ -2948,8 +2948,8 @@
           <a:cs typeface="+mn-cs"/>
         </a:defRPr>
       </a:lvl7pPr>
-      <a:lvl8pPr marL="2519675" algn="l" defTabSz="719907" rtl="0" eaLnBrk="1" latinLnBrk="0" hangingPunct="1">
-        <a:defRPr sz="1417" kern="1200">
+      <a:lvl8pPr marL="2015932" algn="l" defTabSz="575981" rtl="0" eaLnBrk="1" latinLnBrk="0" hangingPunct="1">
+        <a:defRPr sz="1134" kern="1200">
           <a:solidFill>
             <a:schemeClr val="tx1"/>
           </a:solidFill>
@@ -2958,8 +2958,8 @@
           <a:cs typeface="+mn-cs"/>
         </a:defRPr>
       </a:lvl8pPr>
-      <a:lvl9pPr marL="2879628" algn="l" defTabSz="719907" rtl="0" eaLnBrk="1" latinLnBrk="0" hangingPunct="1">
-        <a:defRPr sz="1417" kern="1200">
+      <a:lvl9pPr marL="2303922" algn="l" defTabSz="575981" rtl="0" eaLnBrk="1" latinLnBrk="0" hangingPunct="1">
+        <a:defRPr sz="1134" kern="1200">
           <a:solidFill>
             <a:schemeClr val="tx1"/>
           </a:solidFill>
@@ -3012,8 +3012,8 @@
         </p:nvSpPr>
         <p:spPr>
           <a:xfrm>
-            <a:off x="425035" y="1015926"/>
-            <a:ext cx="6415601" cy="4965774"/>
+            <a:off x="340029" y="812741"/>
+            <a:ext cx="5132481" cy="3972619"/>
           </a:xfrm>
           <a:prstGeom prst="rect">
             <a:avLst/>
@@ -3053,7 +3053,7 @@
           <a:lstStyle/>
           <a:p>
             <a:pPr algn="ctr"/>
-            <a:endParaRPr lang="vi-VN" sz="800"/>
+            <a:endParaRPr lang="vi-VN" sz="640"/>
           </a:p>
         </p:txBody>
       </p:sp>
@@ -3071,8 +3071,8 @@
         </p:nvSpPr>
         <p:spPr>
           <a:xfrm>
-            <a:off x="3028482" y="3393466"/>
-            <a:ext cx="3653369" cy="2417651"/>
+            <a:off x="2430553" y="2714773"/>
+            <a:ext cx="2914928" cy="1934121"/>
           </a:xfrm>
           <a:prstGeom prst="rect">
             <a:avLst/>
@@ -3108,12 +3108,12 @@
           </a:fontRef>
         </p:style>
         <p:txBody>
-          <a:bodyPr tIns="61200" rtlCol="0" anchor="t" anchorCtr="0"/>
+          <a:bodyPr tIns="48960" rtlCol="0" anchor="t" anchorCtr="0"/>
           <a:lstStyle/>
           <a:p>
             <a:pPr algn="ctr"/>
             <a:r>
-              <a:rPr lang="en-US" sz="1200" dirty="0">
+              <a:rPr lang="en-US" sz="960" dirty="0">
                 <a:solidFill>
                   <a:schemeClr val="tx2">
                     <a:lumMod val="90000"/>
@@ -3124,7 +3124,7 @@
               </a:rPr>
               <a:t>category</a:t>
             </a:r>
-            <a:endParaRPr lang="vi-VN" sz="700" dirty="0">
+            <a:endParaRPr lang="vi-VN" sz="560" dirty="0">
               <a:solidFill>
                 <a:schemeClr val="tx2">
                   <a:lumMod val="90000"/>
@@ -3164,8 +3164,8 @@
         </p:blipFill>
         <p:spPr>
           <a:xfrm>
-            <a:off x="1502685" y="6437089"/>
-            <a:ext cx="609555" cy="609555"/>
+            <a:off x="1202149" y="5149672"/>
+            <a:ext cx="487644" cy="487644"/>
           </a:xfrm>
           <a:prstGeom prst="rect">
             <a:avLst/>
@@ -3200,8 +3200,8 @@
         </p:blipFill>
         <p:spPr>
           <a:xfrm>
-            <a:off x="1502685" y="93114"/>
-            <a:ext cx="609555" cy="609555"/>
+            <a:off x="1202149" y="74492"/>
+            <a:ext cx="487644" cy="487644"/>
           </a:xfrm>
           <a:prstGeom prst="rect">
             <a:avLst/>
@@ -3222,8 +3222,8 @@
         </p:nvSpPr>
         <p:spPr>
           <a:xfrm>
-            <a:off x="1281528" y="1451711"/>
-            <a:ext cx="1051870" cy="459363"/>
+            <a:off x="1025223" y="1161370"/>
+            <a:ext cx="841496" cy="367490"/>
           </a:xfrm>
           <a:prstGeom prst="rect">
             <a:avLst/>
@@ -3261,7 +3261,7 @@
           <a:p>
             <a:pPr algn="ctr"/>
             <a:r>
-              <a:rPr lang="en-US" sz="1400" dirty="0">
+              <a:rPr lang="en-US" sz="1120" dirty="0">
                 <a:solidFill>
                   <a:schemeClr val="accent6">
                     <a:lumMod val="50000"/>
@@ -3271,7 +3271,7 @@
               </a:rPr>
               <a:t>UI</a:t>
             </a:r>
-            <a:endParaRPr lang="vi-VN" sz="1200" dirty="0">
+            <a:endParaRPr lang="vi-VN" sz="960" dirty="0">
               <a:solidFill>
                 <a:schemeClr val="accent6">
                   <a:lumMod val="50000"/>
@@ -3296,8 +3296,8 @@
         </p:nvSpPr>
         <p:spPr>
           <a:xfrm>
-            <a:off x="1281528" y="2620846"/>
-            <a:ext cx="1051870" cy="459363"/>
+            <a:off x="1025223" y="2096678"/>
+            <a:ext cx="841496" cy="367490"/>
           </a:xfrm>
           <a:prstGeom prst="rect">
             <a:avLst/>
@@ -3335,7 +3335,7 @@
           <a:p>
             <a:pPr algn="ctr"/>
             <a:r>
-              <a:rPr lang="en-US" sz="1400" dirty="0">
+              <a:rPr lang="en-US" sz="1120" dirty="0">
                 <a:solidFill>
                   <a:schemeClr val="accent6">
                     <a:lumMod val="50000"/>
@@ -3345,7 +3345,7 @@
               </a:rPr>
               <a:t>Main</a:t>
             </a:r>
-            <a:endParaRPr lang="vi-VN" sz="1200" dirty="0">
+            <a:endParaRPr lang="vi-VN" sz="960" dirty="0">
               <a:solidFill>
                 <a:schemeClr val="accent6">
                   <a:lumMod val="50000"/>
@@ -3370,8 +3370,8 @@
         </p:nvSpPr>
         <p:spPr>
           <a:xfrm>
-            <a:off x="1281528" y="3767164"/>
-            <a:ext cx="1051870" cy="459363"/>
+            <a:off x="1025223" y="3013732"/>
+            <a:ext cx="841496" cy="367490"/>
           </a:xfrm>
           <a:prstGeom prst="rect">
             <a:avLst/>
@@ -3409,7 +3409,7 @@
           <a:p>
             <a:pPr algn="ctr"/>
             <a:r>
-              <a:rPr lang="en-US" sz="1200" dirty="0">
+              <a:rPr lang="en-US" sz="960" dirty="0">
                 <a:solidFill>
                   <a:schemeClr val="accent6">
                     <a:lumMod val="50000"/>
@@ -3419,7 +3419,7 @@
               </a:rPr>
               <a:t>Command</a:t>
             </a:r>
-            <a:endParaRPr lang="vi-VN" sz="700" dirty="0">
+            <a:endParaRPr lang="vi-VN" sz="560" dirty="0">
               <a:solidFill>
                 <a:schemeClr val="accent6">
                   <a:lumMod val="50000"/>
@@ -3444,8 +3444,8 @@
         </p:nvSpPr>
         <p:spPr>
           <a:xfrm>
-            <a:off x="1281528" y="4913479"/>
-            <a:ext cx="1051870" cy="459363"/>
+            <a:off x="1025223" y="3930784"/>
+            <a:ext cx="841496" cy="367490"/>
           </a:xfrm>
           <a:prstGeom prst="rect">
             <a:avLst/>
@@ -3485,7 +3485,7 @@
           <a:p>
             <a:pPr algn="ctr"/>
             <a:r>
-              <a:rPr lang="en-US" sz="1400" dirty="0">
+              <a:rPr lang="en-US" sz="1120" dirty="0">
                 <a:solidFill>
                   <a:schemeClr val="accent5">
                     <a:lumMod val="50000"/>
@@ -3495,7 +3495,7 @@
               </a:rPr>
               <a:t>Storage</a:t>
             </a:r>
-            <a:endParaRPr lang="vi-VN" sz="1200" dirty="0">
+            <a:endParaRPr lang="vi-VN" sz="960" dirty="0">
               <a:solidFill>
                 <a:schemeClr val="accent5">
                   <a:lumMod val="50000"/>
@@ -3520,8 +3520,8 @@
         </p:nvSpPr>
         <p:spPr>
           <a:xfrm>
-            <a:off x="3039079" y="2620846"/>
-            <a:ext cx="1051870" cy="459363"/>
+            <a:off x="2439391" y="2096678"/>
+            <a:ext cx="841496" cy="367490"/>
           </a:xfrm>
           <a:prstGeom prst="rect">
             <a:avLst/>
@@ -3559,7 +3559,7 @@
           <a:p>
             <a:pPr algn="ctr"/>
             <a:r>
-              <a:rPr lang="en-US" sz="1400" dirty="0">
+              <a:rPr lang="en-US" sz="1120" dirty="0">
                 <a:solidFill>
                   <a:schemeClr val="accent6">
                     <a:lumMod val="50000"/>
@@ -3569,7 +3569,7 @@
               </a:rPr>
               <a:t>Parser</a:t>
             </a:r>
-            <a:endParaRPr lang="vi-VN" sz="1200" dirty="0">
+            <a:endParaRPr lang="vi-VN" sz="960" dirty="0">
               <a:solidFill>
                 <a:schemeClr val="accent6">
                   <a:lumMod val="50000"/>
@@ -3594,8 +3594,8 @@
         </p:nvSpPr>
         <p:spPr>
           <a:xfrm>
-            <a:off x="5377405" y="1451713"/>
-            <a:ext cx="1051870" cy="459363"/>
+            <a:off x="4301924" y="1161371"/>
+            <a:ext cx="841496" cy="367490"/>
           </a:xfrm>
           <a:prstGeom prst="rect">
             <a:avLst/>
@@ -3635,7 +3635,7 @@
           <a:p>
             <a:pPr algn="ctr"/>
             <a:r>
-              <a:rPr lang="en-US" sz="1400" dirty="0">
+              <a:rPr lang="en-US" sz="1120" dirty="0">
                 <a:solidFill>
                   <a:schemeClr val="accent2">
                     <a:lumMod val="50000"/>
@@ -3645,7 +3645,7 @@
               </a:rPr>
               <a:t>Logging</a:t>
             </a:r>
-            <a:endParaRPr lang="vi-VN" sz="1200" dirty="0">
+            <a:endParaRPr lang="vi-VN" sz="960" dirty="0">
               <a:solidFill>
                 <a:schemeClr val="accent2">
                   <a:lumMod val="50000"/>
@@ -3672,8 +3672,8 @@
         </p:nvCxnSpPr>
         <p:spPr>
           <a:xfrm>
-            <a:off x="1811272" y="702669"/>
-            <a:ext cx="0" cy="749042"/>
+            <a:off x="1449018" y="562135"/>
+            <a:ext cx="0" cy="599234"/>
           </a:xfrm>
           <a:prstGeom prst="straightConnector1">
             <a:avLst/>
@@ -3722,8 +3722,8 @@
         </p:nvCxnSpPr>
         <p:spPr>
           <a:xfrm>
-            <a:off x="1811272" y="1965960"/>
-            <a:ext cx="0" cy="632026"/>
+            <a:off x="1449018" y="1572768"/>
+            <a:ext cx="0" cy="505621"/>
           </a:xfrm>
           <a:prstGeom prst="straightConnector1">
             <a:avLst/>
@@ -3772,8 +3772,8 @@
         </p:nvCxnSpPr>
         <p:spPr>
           <a:xfrm>
-            <a:off x="1811272" y="3131820"/>
-            <a:ext cx="0" cy="614842"/>
+            <a:off x="1449018" y="2505456"/>
+            <a:ext cx="0" cy="491874"/>
           </a:xfrm>
           <a:prstGeom prst="straightConnector1">
             <a:avLst/>
@@ -3822,8 +3822,8 @@
         </p:nvCxnSpPr>
         <p:spPr>
           <a:xfrm>
-            <a:off x="1811272" y="4304634"/>
-            <a:ext cx="0" cy="561216"/>
+            <a:off x="1449018" y="3443707"/>
+            <a:ext cx="0" cy="448973"/>
           </a:xfrm>
           <a:prstGeom prst="straightConnector1">
             <a:avLst/>
@@ -3872,8 +3872,8 @@
         </p:nvCxnSpPr>
         <p:spPr>
           <a:xfrm>
-            <a:off x="1811272" y="5501235"/>
-            <a:ext cx="0" cy="893816"/>
+            <a:off x="1449018" y="4358641"/>
+            <a:ext cx="0" cy="757401"/>
           </a:xfrm>
           <a:prstGeom prst="straightConnector1">
             <a:avLst/>
@@ -3917,14 +3917,13 @@
           </p:cNvPr>
           <p:cNvCxnSpPr>
             <a:cxnSpLocks/>
-            <a:stCxn id="12" idx="3"/>
           </p:cNvCxnSpPr>
           <p:nvPr/>
         </p:nvCxnSpPr>
         <p:spPr>
           <a:xfrm>
-            <a:off x="2333398" y="2850528"/>
-            <a:ext cx="662218" cy="0"/>
+            <a:off x="1887039" y="2280423"/>
+            <a:ext cx="518400" cy="0"/>
           </a:xfrm>
           <a:prstGeom prst="straightConnector1">
             <a:avLst/>
@@ -3973,8 +3972,8 @@
         </p:nvCxnSpPr>
         <p:spPr>
           <a:xfrm>
-            <a:off x="2376860" y="3996844"/>
-            <a:ext cx="618756" cy="0"/>
+            <a:off x="1892231" y="3197475"/>
+            <a:ext cx="495005" cy="0"/>
           </a:xfrm>
           <a:prstGeom prst="straightConnector1">
             <a:avLst/>
@@ -4025,8 +4024,8 @@
         </p:nvCxnSpPr>
         <p:spPr>
           <a:xfrm rot="10800000">
-            <a:off x="1281528" y="1681394"/>
-            <a:ext cx="12700" cy="2315453"/>
+            <a:off x="1025223" y="1345116"/>
+            <a:ext cx="10160" cy="1852362"/>
           </a:xfrm>
           <a:prstGeom prst="bentConnector3">
             <a:avLst>
@@ -4073,8 +4072,8 @@
         </p:nvSpPr>
         <p:spPr>
           <a:xfrm>
-            <a:off x="1917439" y="3270355"/>
-            <a:ext cx="1005765" cy="246221"/>
+            <a:off x="1533952" y="2616284"/>
+            <a:ext cx="804612" cy="215444"/>
           </a:xfrm>
           <a:prstGeom prst="rect">
             <a:avLst/>
@@ -4088,7 +4087,7 @@
           <a:lstStyle/>
           <a:p>
             <a:r>
-              <a:rPr lang="en-US" sz="1000" dirty="0">
+              <a:rPr lang="en-US" sz="800" dirty="0">
                 <a:solidFill>
                   <a:schemeClr val="tx1">
                     <a:lumMod val="75000"/>
@@ -4098,7 +4097,7 @@
               </a:rPr>
               <a:t>&lt;&lt;Execute&gt;&gt;</a:t>
             </a:r>
-            <a:endParaRPr lang="vi-VN" sz="1000" dirty="0">
+            <a:endParaRPr lang="vi-VN" sz="800" dirty="0">
               <a:solidFill>
                 <a:schemeClr val="tx1">
                   <a:lumMod val="75000"/>
@@ -4123,8 +4122,8 @@
         </p:nvSpPr>
         <p:spPr>
           <a:xfrm>
-            <a:off x="4090949" y="1451712"/>
-            <a:ext cx="1051870" cy="459363"/>
+            <a:off x="3272759" y="1161370"/>
+            <a:ext cx="841496" cy="367490"/>
           </a:xfrm>
           <a:prstGeom prst="rect">
             <a:avLst/>
@@ -4164,7 +4163,7 @@
           <a:p>
             <a:pPr algn="ctr"/>
             <a:r>
-              <a:rPr lang="en-US" sz="1400" dirty="0">
+              <a:rPr lang="en-US" sz="1120" dirty="0">
                 <a:solidFill>
                   <a:schemeClr val="accent2">
                     <a:lumMod val="50000"/>
@@ -4174,7 +4173,7 @@
               </a:rPr>
               <a:t>Exception</a:t>
             </a:r>
-            <a:endParaRPr lang="vi-VN" sz="1200" dirty="0">
+            <a:endParaRPr lang="vi-VN" sz="960" dirty="0">
               <a:solidFill>
                 <a:schemeClr val="accent2">
                   <a:lumMod val="50000"/>
@@ -4199,8 +4198,8 @@
         </p:nvSpPr>
         <p:spPr>
           <a:xfrm>
-            <a:off x="3029370" y="3693815"/>
-            <a:ext cx="3653369" cy="2124933"/>
+            <a:off x="2431263" y="2955053"/>
+            <a:ext cx="2914928" cy="1699946"/>
           </a:xfrm>
           <a:prstGeom prst="rect">
             <a:avLst/>
@@ -4236,12 +4235,12 @@
           </a:fontRef>
         </p:style>
         <p:txBody>
-          <a:bodyPr tIns="61200" rtlCol="0" anchor="t" anchorCtr="0"/>
+          <a:bodyPr tIns="48960" rtlCol="0" anchor="t" anchorCtr="0"/>
           <a:lstStyle/>
           <a:p>
             <a:pPr algn="ctr"/>
             <a:r>
-              <a:rPr lang="en-US" sz="1200" dirty="0">
+              <a:rPr lang="en-US" sz="960" dirty="0">
                 <a:solidFill>
                   <a:schemeClr val="tx2">
                     <a:lumMod val="90000"/>
@@ -4252,7 +4251,7 @@
               </a:rPr>
               <a:t>expense</a:t>
             </a:r>
-            <a:endParaRPr lang="vi-VN" sz="700" dirty="0">
+            <a:endParaRPr lang="vi-VN" sz="560" dirty="0">
               <a:solidFill>
                 <a:schemeClr val="tx2">
                   <a:lumMod val="90000"/>
@@ -4278,8 +4277,8 @@
         </p:nvSpPr>
         <p:spPr>
           <a:xfrm>
-            <a:off x="3188513" y="4040539"/>
-            <a:ext cx="1051870" cy="383396"/>
+            <a:off x="2550811" y="3232431"/>
+            <a:ext cx="841496" cy="306717"/>
           </a:xfrm>
           <a:prstGeom prst="rect">
             <a:avLst/>
@@ -4319,7 +4318,7 @@
           <a:p>
             <a:pPr algn="ctr"/>
             <a:r>
-              <a:rPr lang="en-US" sz="1200" dirty="0" err="1">
+              <a:rPr lang="en-US" sz="960" dirty="0" err="1">
                 <a:solidFill>
                   <a:schemeClr val="tx2">
                     <a:lumMod val="90000"/>
@@ -4330,7 +4329,7 @@
               </a:rPr>
               <a:t>ExpenseList</a:t>
             </a:r>
-            <a:endParaRPr lang="vi-VN" sz="700" dirty="0">
+            <a:endParaRPr lang="vi-VN" sz="560" dirty="0">
               <a:solidFill>
                 <a:schemeClr val="tx2">
                   <a:lumMod val="90000"/>
@@ -4356,8 +4355,8 @@
         </p:nvSpPr>
         <p:spPr>
           <a:xfrm>
-            <a:off x="4336852" y="4040539"/>
-            <a:ext cx="1051870" cy="383396"/>
+            <a:off x="3469482" y="3232431"/>
+            <a:ext cx="841496" cy="306717"/>
           </a:xfrm>
           <a:prstGeom prst="rect">
             <a:avLst/>
@@ -4397,7 +4396,7 @@
           <a:p>
             <a:pPr algn="ctr"/>
             <a:r>
-              <a:rPr lang="en-US" sz="1200" dirty="0">
+              <a:rPr lang="en-US" sz="960" dirty="0">
                 <a:solidFill>
                   <a:schemeClr val="tx2">
                     <a:lumMod val="90000"/>
@@ -4408,7 +4407,7 @@
               </a:rPr>
               <a:t>Expense</a:t>
             </a:r>
-            <a:endParaRPr lang="vi-VN" sz="700" dirty="0">
+            <a:endParaRPr lang="vi-VN" sz="560" dirty="0">
               <a:solidFill>
                 <a:schemeClr val="tx2">
                   <a:lumMod val="90000"/>
@@ -4434,8 +4433,8 @@
         </p:nvSpPr>
         <p:spPr>
           <a:xfrm>
-            <a:off x="5485192" y="4040539"/>
-            <a:ext cx="1051870" cy="383396"/>
+            <a:off x="4388154" y="3232431"/>
+            <a:ext cx="841496" cy="306717"/>
           </a:xfrm>
           <a:prstGeom prst="rect">
             <a:avLst/>
@@ -4475,7 +4474,7 @@
           <a:p>
             <a:pPr algn="ctr"/>
             <a:r>
-              <a:rPr lang="en-US" sz="1150" dirty="0" err="1">
+              <a:rPr lang="en-US" sz="880" dirty="0" err="1">
                 <a:solidFill>
                   <a:schemeClr val="tx2">
                     <a:lumMod val="90000"/>
@@ -4486,7 +4485,7 @@
               </a:rPr>
               <a:t>ExpenseFilter</a:t>
             </a:r>
-            <a:endParaRPr lang="vi-VN" sz="1150" dirty="0">
+            <a:endParaRPr lang="vi-VN" sz="880" dirty="0">
               <a:solidFill>
                 <a:schemeClr val="tx2">
                   <a:lumMod val="90000"/>
@@ -4512,8 +4511,8 @@
         </p:nvSpPr>
         <p:spPr>
           <a:xfrm>
-            <a:off x="3188512" y="4526256"/>
-            <a:ext cx="1627328" cy="383396"/>
+            <a:off x="2550810" y="3621005"/>
+            <a:ext cx="1301862" cy="306717"/>
           </a:xfrm>
           <a:prstGeom prst="rect">
             <a:avLst/>
@@ -4553,7 +4552,7 @@
           <a:p>
             <a:pPr algn="ctr"/>
             <a:r>
-              <a:rPr lang="en-US" sz="1200" dirty="0" err="1">
+              <a:rPr lang="en-US" sz="960" dirty="0" err="1">
                 <a:solidFill>
                   <a:schemeClr val="tx2">
                     <a:lumMod val="90000"/>
@@ -4564,7 +4563,7 @@
               </a:rPr>
               <a:t>RecurringExpense</a:t>
             </a:r>
-            <a:endParaRPr lang="vi-VN" sz="700" dirty="0">
+            <a:endParaRPr lang="vi-VN" sz="560" dirty="0">
               <a:solidFill>
                 <a:schemeClr val="tx2">
                   <a:lumMod val="90000"/>
@@ -4590,8 +4589,8 @@
         </p:nvSpPr>
         <p:spPr>
           <a:xfrm>
-            <a:off x="4909734" y="4526256"/>
-            <a:ext cx="1627328" cy="383396"/>
+            <a:off x="3927788" y="3621005"/>
+            <a:ext cx="1301862" cy="306717"/>
           </a:xfrm>
           <a:prstGeom prst="rect">
             <a:avLst/>
@@ -4631,7 +4630,7 @@
           <a:p>
             <a:pPr algn="ctr"/>
             <a:r>
-              <a:rPr lang="en-US" sz="1150" dirty="0" err="1">
+              <a:rPr lang="en-US" sz="920" dirty="0" err="1">
                 <a:solidFill>
                   <a:schemeClr val="tx2">
                     <a:lumMod val="90000"/>
@@ -4642,7 +4641,7 @@
               </a:rPr>
               <a:t>RecurringExpenseList</a:t>
             </a:r>
-            <a:endParaRPr lang="vi-VN" sz="1150" dirty="0">
+            <a:endParaRPr lang="vi-VN" sz="920" dirty="0">
               <a:solidFill>
                 <a:schemeClr val="tx2">
                   <a:lumMod val="90000"/>
@@ -4668,8 +4667,8 @@
         </p:nvGrpSpPr>
         <p:grpSpPr>
           <a:xfrm>
-            <a:off x="3029370" y="5037542"/>
-            <a:ext cx="3653369" cy="781210"/>
+            <a:off x="2431263" y="4030034"/>
+            <a:ext cx="2914928" cy="624968"/>
             <a:chOff x="3029370" y="5037542"/>
             <a:chExt cx="3653369" cy="936000"/>
           </a:xfrm>
@@ -4723,12 +4722,12 @@
             </a:fontRef>
           </p:style>
           <p:txBody>
-            <a:bodyPr tIns="61200" rtlCol="0" anchor="t" anchorCtr="0"/>
+            <a:bodyPr tIns="48960" rtlCol="0" anchor="t" anchorCtr="0"/>
             <a:lstStyle/>
             <a:p>
               <a:pPr algn="ctr"/>
               <a:r>
-                <a:rPr lang="en-US" sz="1200" dirty="0" err="1">
+                <a:rPr lang="en-US" sz="960" dirty="0" err="1">
                   <a:solidFill>
                     <a:schemeClr val="tx2">
                       <a:lumMod val="90000"/>
@@ -4739,7 +4738,7 @@
                 </a:rPr>
                 <a:t>expense_operations</a:t>
               </a:r>
-              <a:endParaRPr lang="vi-VN" sz="700" dirty="0">
+              <a:endParaRPr lang="vi-VN" sz="560" dirty="0">
                 <a:solidFill>
                   <a:schemeClr val="tx2">
                     <a:lumMod val="90000"/>
@@ -4806,7 +4805,7 @@
             <a:p>
               <a:pPr algn="ctr"/>
               <a:r>
-                <a:rPr lang="en-US" sz="1200" dirty="0">
+                <a:rPr lang="en-US" sz="960" dirty="0">
                   <a:solidFill>
                     <a:schemeClr val="tx2">
                       <a:lumMod val="90000"/>
@@ -4817,7 +4816,7 @@
                 </a:rPr>
                 <a:t>Visualizer</a:t>
               </a:r>
-              <a:endParaRPr lang="vi-VN" sz="700" dirty="0">
+              <a:endParaRPr lang="vi-VN" sz="560" dirty="0">
                 <a:solidFill>
                   <a:schemeClr val="tx2">
                     <a:lumMod val="90000"/>
@@ -4884,7 +4883,7 @@
             <a:p>
               <a:pPr algn="ctr"/>
               <a:r>
-                <a:rPr lang="en-US" sz="1150" dirty="0">
+                <a:rPr lang="en-US" sz="920" dirty="0">
                   <a:solidFill>
                     <a:schemeClr val="tx2">
                       <a:lumMod val="90000"/>
@@ -4895,7 +4894,7 @@
                 </a:rPr>
                 <a:t>Statistics</a:t>
               </a:r>
-              <a:endParaRPr lang="vi-VN" sz="1150" dirty="0">
+              <a:endParaRPr lang="vi-VN" sz="920" dirty="0">
                 <a:solidFill>
                   <a:schemeClr val="tx2">
                     <a:lumMod val="90000"/>

--- a/docs/diagrams/powerpoint/ArchitectureDiagram.pptx
+++ b/docs/diagrams/powerpoint/ArchitectureDiagram.pptx
@@ -244,7 +244,7 @@
             <a:fld id="{11A6662E-FAF4-44BC-88B5-85A7CBFB6D30}" type="datetime1">
               <a:rPr lang="en-US" smtClean="0"/>
               <a:pPr/>
-              <a:t>11/6/2024</a:t>
+              <a:t>11/10/2024</a:t>
             </a:fld>
             <a:endParaRPr lang="en-US" dirty="0"/>
           </a:p>
@@ -421,7 +421,7 @@
           <a:p>
             <a:fld id="{4C559632-1575-4E14-B53B-3DC3D5ED3947}" type="datetime1">
               <a:rPr lang="en-US" smtClean="0"/>
-              <a:t>11/6/2024</a:t>
+              <a:t>11/10/2024</a:t>
             </a:fld>
             <a:endParaRPr lang="en-US"/>
           </a:p>
@@ -601,7 +601,7 @@
           <a:p>
             <a:fld id="{CC4A6868-2568-4CC9-B302-F37117B01A6E}" type="datetime1">
               <a:rPr lang="en-US" smtClean="0"/>
-              <a:t>11/6/2024</a:t>
+              <a:t>11/10/2024</a:t>
             </a:fld>
             <a:endParaRPr lang="en-US"/>
           </a:p>
@@ -771,7 +771,7 @@
           <a:p>
             <a:fld id="{0055F08A-1E71-4B2B-BB49-E743F2903911}" type="datetime1">
               <a:rPr lang="en-US" smtClean="0"/>
-              <a:t>11/6/2024</a:t>
+              <a:t>11/10/2024</a:t>
             </a:fld>
             <a:endParaRPr lang="en-US" dirty="0"/>
           </a:p>
@@ -1017,7 +1017,7 @@
           <a:p>
             <a:fld id="{15417D9E-721A-44BB-8863-9873FE64DA75}" type="datetime1">
               <a:rPr lang="en-US" smtClean="0"/>
-              <a:t>11/6/2024</a:t>
+              <a:t>11/10/2024</a:t>
             </a:fld>
             <a:endParaRPr lang="en-US"/>
           </a:p>
@@ -1249,7 +1249,7 @@
           <a:p>
             <a:fld id="{5F31DA2F-80B8-49CF-99FB-5ABCA53A607A}" type="datetime1">
               <a:rPr lang="en-US" smtClean="0"/>
-              <a:t>11/6/2024</a:t>
+              <a:t>11/10/2024</a:t>
             </a:fld>
             <a:endParaRPr lang="en-US"/>
           </a:p>
@@ -1616,7 +1616,7 @@
           <a:p>
             <a:fld id="{28852172-E6C9-4B6C-929A-A9DE3837BBF1}" type="datetime1">
               <a:rPr lang="en-US" smtClean="0"/>
-              <a:t>11/6/2024</a:t>
+              <a:t>11/10/2024</a:t>
             </a:fld>
             <a:endParaRPr lang="en-US"/>
           </a:p>
@@ -1734,7 +1734,7 @@
           <a:p>
             <a:fld id="{3AB41CFF-90C9-47B3-9DA1-F2BF8D839F7E}" type="datetime1">
               <a:rPr lang="en-US" smtClean="0"/>
-              <a:t>11/6/2024</a:t>
+              <a:t>11/10/2024</a:t>
             </a:fld>
             <a:endParaRPr lang="en-US"/>
           </a:p>
@@ -1829,7 +1829,7 @@
           <a:p>
             <a:fld id="{F06048FA-06AB-4884-A69B-986B96E68A24}" type="datetime1">
               <a:rPr lang="en-US" smtClean="0"/>
-              <a:t>11/6/2024</a:t>
+              <a:t>11/10/2024</a:t>
             </a:fld>
             <a:endParaRPr lang="en-US"/>
           </a:p>
@@ -2106,7 +2106,7 @@
           <a:p>
             <a:fld id="{50DB7ABA-0172-4F9C-889D-567164F66BCD}" type="datetime1">
               <a:rPr lang="en-US" smtClean="0"/>
-              <a:t>11/6/2024</a:t>
+              <a:t>11/10/2024</a:t>
             </a:fld>
             <a:endParaRPr lang="en-US"/>
           </a:p>
@@ -2363,7 +2363,7 @@
           <a:p>
             <a:fld id="{78AC6A5B-8AE7-4A41-B5A7-9ADC6686DC18}" type="datetime1">
               <a:rPr lang="en-US" smtClean="0"/>
-              <a:t>11/6/2024</a:t>
+              <a:t>11/10/2024</a:t>
             </a:fld>
             <a:endParaRPr lang="en-US"/>
           </a:p>
@@ -2577,7 +2577,7 @@
             <a:fld id="{57E0CF6C-748E-4B7A-BC8B-3011EF78ED13}" type="datetime1">
               <a:rPr lang="en-US" smtClean="0"/>
               <a:pPr/>
-              <a:t>11/6/2024</a:t>
+              <a:t>11/10/2024</a:t>
             </a:fld>
             <a:endParaRPr lang="en-US" dirty="0"/>
           </a:p>
@@ -3013,7 +3013,7 @@
         <p:spPr>
           <a:xfrm>
             <a:off x="340029" y="812741"/>
-            <a:ext cx="5132481" cy="3972619"/>
+            <a:ext cx="5132481" cy="4025266"/>
           </a:xfrm>
           <a:prstGeom prst="rect">
             <a:avLst/>
@@ -3072,7 +3072,7 @@
         <p:spPr>
           <a:xfrm>
             <a:off x="2430553" y="2714773"/>
-            <a:ext cx="2914928" cy="1934121"/>
+            <a:ext cx="2914928" cy="2002005"/>
           </a:xfrm>
           <a:prstGeom prst="rect">
             <a:avLst/>
@@ -3081,7 +3081,7 @@
             <a:schemeClr val="accent1">
               <a:lumMod val="20000"/>
               <a:lumOff val="80000"/>
-              <a:alpha val="24000"/>
+              <a:alpha val="9000"/>
             </a:schemeClr>
           </a:solidFill>
           <a:ln w="19050">
@@ -3115,10 +3115,7 @@
             <a:r>
               <a:rPr lang="en-US" sz="960" dirty="0">
                 <a:solidFill>
-                  <a:schemeClr val="tx2">
-                    <a:lumMod val="90000"/>
-                    <a:lumOff val="10000"/>
-                  </a:schemeClr>
+                  <a:srgbClr val="102D48"/>
                 </a:solidFill>
                 <a:latin typeface="Aptos" panose="020B0004020202020204" pitchFamily="34" charset="0"/>
               </a:rPr>
@@ -3126,10 +3123,7 @@
             </a:r>
             <a:endParaRPr lang="vi-VN" sz="560" dirty="0">
               <a:solidFill>
-                <a:schemeClr val="tx2">
-                  <a:lumMod val="90000"/>
-                  <a:lumOff val="10000"/>
-                </a:schemeClr>
+                <a:srgbClr val="102D48"/>
               </a:solidFill>
               <a:latin typeface="Aptos" panose="020B0004020202020204" pitchFamily="34" charset="0"/>
             </a:endParaRPr>
@@ -4198,8 +4192,8 @@
         </p:nvSpPr>
         <p:spPr>
           <a:xfrm>
-            <a:off x="2431263" y="2955053"/>
-            <a:ext cx="2914928" cy="1699946"/>
+            <a:off x="2431263" y="2997330"/>
+            <a:ext cx="2914928" cy="1719448"/>
           </a:xfrm>
           <a:prstGeom prst="rect">
             <a:avLst/>
@@ -4242,10 +4236,7 @@
             <a:r>
               <a:rPr lang="en-US" sz="960" dirty="0">
                 <a:solidFill>
-                  <a:schemeClr val="tx2">
-                    <a:lumMod val="90000"/>
-                    <a:lumOff val="10000"/>
-                  </a:schemeClr>
+                  <a:srgbClr val="102D48"/>
                 </a:solidFill>
                 <a:latin typeface="Aptos" panose="020B0004020202020204" pitchFamily="34" charset="0"/>
               </a:rPr>
@@ -4253,10 +4244,7 @@
             </a:r>
             <a:endParaRPr lang="vi-VN" sz="560" dirty="0">
               <a:solidFill>
-                <a:schemeClr val="tx2">
-                  <a:lumMod val="90000"/>
-                  <a:lumOff val="10000"/>
-                </a:schemeClr>
+                <a:srgbClr val="102D48"/>
               </a:solidFill>
               <a:latin typeface="Aptos" panose="020B0004020202020204" pitchFamily="34" charset="0"/>
             </a:endParaRPr>
@@ -4277,8 +4265,8 @@
         </p:nvSpPr>
         <p:spPr>
           <a:xfrm>
-            <a:off x="2550811" y="3232431"/>
-            <a:ext cx="841496" cy="306717"/>
+            <a:off x="2547001" y="3262911"/>
+            <a:ext cx="841496" cy="279295"/>
           </a:xfrm>
           <a:prstGeom prst="rect">
             <a:avLst/>
@@ -4287,10 +4275,10 @@
             <a:schemeClr val="accent1">
               <a:lumMod val="40000"/>
               <a:lumOff val="60000"/>
-              <a:alpha val="50000"/>
+              <a:alpha val="26000"/>
             </a:schemeClr>
           </a:solidFill>
-          <a:ln w="19050">
+          <a:ln w="15875">
             <a:solidFill>
               <a:schemeClr val="accent1">
                 <a:lumMod val="75000"/>
@@ -4320,10 +4308,7 @@
             <a:r>
               <a:rPr lang="en-US" sz="960" dirty="0" err="1">
                 <a:solidFill>
-                  <a:schemeClr val="tx2">
-                    <a:lumMod val="90000"/>
-                    <a:lumOff val="10000"/>
-                  </a:schemeClr>
+                  <a:srgbClr val="102D48"/>
                 </a:solidFill>
                 <a:latin typeface="Aptos" panose="020B0004020202020204" pitchFamily="34" charset="0"/>
               </a:rPr>
@@ -4331,10 +4316,7 @@
             </a:r>
             <a:endParaRPr lang="vi-VN" sz="560" dirty="0">
               <a:solidFill>
-                <a:schemeClr val="tx2">
-                  <a:lumMod val="90000"/>
-                  <a:lumOff val="10000"/>
-                </a:schemeClr>
+                <a:srgbClr val="102D48"/>
               </a:solidFill>
               <a:latin typeface="Aptos" panose="020B0004020202020204" pitchFamily="34" charset="0"/>
             </a:endParaRPr>
@@ -4355,8 +4337,8 @@
         </p:nvSpPr>
         <p:spPr>
           <a:xfrm>
-            <a:off x="3469482" y="3232431"/>
-            <a:ext cx="841496" cy="306717"/>
+            <a:off x="3465672" y="3262911"/>
+            <a:ext cx="841496" cy="279295"/>
           </a:xfrm>
           <a:prstGeom prst="rect">
             <a:avLst/>
@@ -4365,10 +4347,10 @@
             <a:schemeClr val="accent1">
               <a:lumMod val="40000"/>
               <a:lumOff val="60000"/>
-              <a:alpha val="50000"/>
+              <a:alpha val="26000"/>
             </a:schemeClr>
           </a:solidFill>
-          <a:ln w="19050">
+          <a:ln w="15875">
             <a:solidFill>
               <a:schemeClr val="accent1">
                 <a:lumMod val="75000"/>
@@ -4398,10 +4380,7 @@
             <a:r>
               <a:rPr lang="en-US" sz="960" dirty="0">
                 <a:solidFill>
-                  <a:schemeClr val="tx2">
-                    <a:lumMod val="90000"/>
-                    <a:lumOff val="10000"/>
-                  </a:schemeClr>
+                  <a:srgbClr val="102D48"/>
                 </a:solidFill>
                 <a:latin typeface="Aptos" panose="020B0004020202020204" pitchFamily="34" charset="0"/>
               </a:rPr>
@@ -4409,10 +4388,7 @@
             </a:r>
             <a:endParaRPr lang="vi-VN" sz="560" dirty="0">
               <a:solidFill>
-                <a:schemeClr val="tx2">
-                  <a:lumMod val="90000"/>
-                  <a:lumOff val="10000"/>
-                </a:schemeClr>
+                <a:srgbClr val="102D48"/>
               </a:solidFill>
               <a:latin typeface="Aptos" panose="020B0004020202020204" pitchFamily="34" charset="0"/>
             </a:endParaRPr>
@@ -4433,8 +4409,8 @@
         </p:nvSpPr>
         <p:spPr>
           <a:xfrm>
-            <a:off x="4388154" y="3232431"/>
-            <a:ext cx="841496" cy="306717"/>
+            <a:off x="4384344" y="3262911"/>
+            <a:ext cx="841496" cy="279295"/>
           </a:xfrm>
           <a:prstGeom prst="rect">
             <a:avLst/>
@@ -4443,10 +4419,10 @@
             <a:schemeClr val="accent1">
               <a:lumMod val="40000"/>
               <a:lumOff val="60000"/>
-              <a:alpha val="50000"/>
+              <a:alpha val="26000"/>
             </a:schemeClr>
           </a:solidFill>
-          <a:ln w="19050">
+          <a:ln w="15875">
             <a:solidFill>
               <a:schemeClr val="accent1">
                 <a:lumMod val="75000"/>
@@ -4476,10 +4452,7 @@
             <a:r>
               <a:rPr lang="en-US" sz="880" dirty="0" err="1">
                 <a:solidFill>
-                  <a:schemeClr val="tx2">
-                    <a:lumMod val="90000"/>
-                    <a:lumOff val="10000"/>
-                  </a:schemeClr>
+                  <a:srgbClr val="102D48"/>
                 </a:solidFill>
                 <a:latin typeface="Aptos" panose="020B0004020202020204" pitchFamily="34" charset="0"/>
               </a:rPr>
@@ -4487,10 +4460,7 @@
             </a:r>
             <a:endParaRPr lang="vi-VN" sz="880" dirty="0">
               <a:solidFill>
-                <a:schemeClr val="tx2">
-                  <a:lumMod val="90000"/>
-                  <a:lumOff val="10000"/>
-                </a:schemeClr>
+                <a:srgbClr val="102D48"/>
               </a:solidFill>
               <a:latin typeface="Aptos" panose="020B0004020202020204" pitchFamily="34" charset="0"/>
             </a:endParaRPr>
@@ -4511,8 +4481,8 @@
         </p:nvSpPr>
         <p:spPr>
           <a:xfrm>
-            <a:off x="2550810" y="3621005"/>
-            <a:ext cx="1301862" cy="306717"/>
+            <a:off x="2547000" y="3613385"/>
+            <a:ext cx="1301862" cy="279295"/>
           </a:xfrm>
           <a:prstGeom prst="rect">
             <a:avLst/>
@@ -4521,10 +4491,10 @@
             <a:schemeClr val="accent1">
               <a:lumMod val="40000"/>
               <a:lumOff val="60000"/>
-              <a:alpha val="50000"/>
+              <a:alpha val="26000"/>
             </a:schemeClr>
           </a:solidFill>
-          <a:ln w="19050">
+          <a:ln w="15875">
             <a:solidFill>
               <a:schemeClr val="accent1">
                 <a:lumMod val="75000"/>
@@ -4554,10 +4524,7 @@
             <a:r>
               <a:rPr lang="en-US" sz="960" dirty="0" err="1">
                 <a:solidFill>
-                  <a:schemeClr val="tx2">
-                    <a:lumMod val="90000"/>
-                    <a:lumOff val="10000"/>
-                  </a:schemeClr>
+                  <a:srgbClr val="102D48"/>
                 </a:solidFill>
                 <a:latin typeface="Aptos" panose="020B0004020202020204" pitchFamily="34" charset="0"/>
               </a:rPr>
@@ -4565,10 +4532,7 @@
             </a:r>
             <a:endParaRPr lang="vi-VN" sz="560" dirty="0">
               <a:solidFill>
-                <a:schemeClr val="tx2">
-                  <a:lumMod val="90000"/>
-                  <a:lumOff val="10000"/>
-                </a:schemeClr>
+                <a:srgbClr val="102D48"/>
               </a:solidFill>
               <a:latin typeface="Aptos" panose="020B0004020202020204" pitchFamily="34" charset="0"/>
             </a:endParaRPr>
@@ -4589,8 +4553,8 @@
         </p:nvSpPr>
         <p:spPr>
           <a:xfrm>
-            <a:off x="3927788" y="3621005"/>
-            <a:ext cx="1301862" cy="306717"/>
+            <a:off x="3923978" y="3613385"/>
+            <a:ext cx="1301862" cy="279295"/>
           </a:xfrm>
           <a:prstGeom prst="rect">
             <a:avLst/>
@@ -4599,10 +4563,10 @@
             <a:schemeClr val="accent1">
               <a:lumMod val="40000"/>
               <a:lumOff val="60000"/>
-              <a:alpha val="50000"/>
+              <a:alpha val="26000"/>
             </a:schemeClr>
           </a:solidFill>
-          <a:ln w="19050">
+          <a:ln w="15875">
             <a:solidFill>
               <a:schemeClr val="accent1">
                 <a:lumMod val="75000"/>
@@ -4632,10 +4596,7 @@
             <a:r>
               <a:rPr lang="en-US" sz="920" dirty="0" err="1">
                 <a:solidFill>
-                  <a:schemeClr val="tx2">
-                    <a:lumMod val="90000"/>
-                    <a:lumOff val="10000"/>
-                  </a:schemeClr>
+                  <a:srgbClr val="102D48"/>
                 </a:solidFill>
                 <a:latin typeface="Aptos" panose="020B0004020202020204" pitchFamily="34" charset="0"/>
               </a:rPr>
@@ -4643,270 +4604,228 @@
             </a:r>
             <a:endParaRPr lang="vi-VN" sz="920" dirty="0">
               <a:solidFill>
-                <a:schemeClr val="tx2">
-                  <a:lumMod val="90000"/>
-                  <a:lumOff val="10000"/>
-                </a:schemeClr>
+                <a:srgbClr val="102D48"/>
               </a:solidFill>
               <a:latin typeface="Aptos" panose="020B0004020202020204" pitchFamily="34" charset="0"/>
             </a:endParaRPr>
           </a:p>
         </p:txBody>
       </p:sp>
-      <p:grpSp>
-        <p:nvGrpSpPr>
-          <p:cNvPr id="49" name="Group 48">
+      <p:sp>
+        <p:nvSpPr>
+          <p:cNvPr id="42" name="Rectangle 41">
             <a:extLst>
               <a:ext uri="{FF2B5EF4-FFF2-40B4-BE49-F238E27FC236}">
-                <a16:creationId xmlns:a16="http://schemas.microsoft.com/office/drawing/2014/main" id="{E98D281D-744E-17D6-1B91-DBC17252A37A}"/>
+                <a16:creationId xmlns:a16="http://schemas.microsoft.com/office/drawing/2014/main" id="{C20984D0-9B85-7D1F-CE6D-195C294157BD}"/>
               </a:ext>
             </a:extLst>
           </p:cNvPr>
-          <p:cNvGrpSpPr/>
+          <p:cNvSpPr/>
           <p:nvPr/>
-        </p:nvGrpSpPr>
-        <p:grpSpPr>
+        </p:nvSpPr>
+        <p:spPr>
           <a:xfrm>
-            <a:off x="2431263" y="4030034"/>
-            <a:ext cx="2914928" cy="624968"/>
-            <a:chOff x="3029370" y="5037542"/>
-            <a:chExt cx="3653369" cy="936000"/>
-          </a:xfrm>
-        </p:grpSpPr>
-        <p:sp>
-          <p:nvSpPr>
-            <p:cNvPr id="42" name="Rectangle 41">
-              <a:extLst>
-                <a:ext uri="{FF2B5EF4-FFF2-40B4-BE49-F238E27FC236}">
-                  <a16:creationId xmlns:a16="http://schemas.microsoft.com/office/drawing/2014/main" id="{C20984D0-9B85-7D1F-CE6D-195C294157BD}"/>
-                </a:ext>
-              </a:extLst>
-            </p:cNvPr>
-            <p:cNvSpPr/>
-            <p:nvPr/>
-          </p:nvSpPr>
-          <p:spPr>
-            <a:xfrm>
-              <a:off x="3029370" y="5037542"/>
-              <a:ext cx="3653369" cy="936000"/>
-            </a:xfrm>
-            <a:prstGeom prst="rect">
-              <a:avLst/>
-            </a:prstGeom>
+            <a:off x="2558008" y="4015440"/>
+            <a:ext cx="2667832" cy="582640"/>
+          </a:xfrm>
+          <a:prstGeom prst="rect">
+            <a:avLst/>
+          </a:prstGeom>
+          <a:solidFill>
+            <a:srgbClr val="85B2E9">
+              <a:alpha val="37000"/>
+            </a:srgbClr>
+          </a:solidFill>
+          <a:ln w="19050">
             <a:solidFill>
-              <a:srgbClr val="85B2E9">
-                <a:alpha val="23922"/>
-              </a:srgbClr>
+              <a:schemeClr val="accent1">
+                <a:lumMod val="75000"/>
+                <a:alpha val="42000"/>
+              </a:schemeClr>
             </a:solidFill>
-            <a:ln w="19050">
-              <a:solidFill>
-                <a:schemeClr val="accent1">
-                  <a:lumMod val="75000"/>
-                  <a:alpha val="42000"/>
-                </a:schemeClr>
-              </a:solidFill>
-            </a:ln>
-          </p:spPr>
-          <p:style>
-            <a:lnRef idx="0">
-              <a:scrgbClr r="0" g="0" b="0"/>
-            </a:lnRef>
-            <a:fillRef idx="0">
-              <a:scrgbClr r="0" g="0" b="0"/>
-            </a:fillRef>
-            <a:effectRef idx="0">
-              <a:scrgbClr r="0" g="0" b="0"/>
-            </a:effectRef>
-            <a:fontRef idx="minor">
-              <a:schemeClr val="lt1"/>
-            </a:fontRef>
-          </p:style>
-          <p:txBody>
-            <a:bodyPr tIns="48960" rtlCol="0" anchor="t" anchorCtr="0"/>
-            <a:lstStyle/>
-            <a:p>
-              <a:pPr algn="ctr"/>
-              <a:r>
-                <a:rPr lang="en-US" sz="960" dirty="0" err="1">
-                  <a:solidFill>
-                    <a:schemeClr val="tx2">
-                      <a:lumMod val="90000"/>
-                      <a:lumOff val="10000"/>
-                    </a:schemeClr>
-                  </a:solidFill>
-                  <a:latin typeface="Aptos" panose="020B0004020202020204" pitchFamily="34" charset="0"/>
-                </a:rPr>
-                <a:t>expense_operations</a:t>
-              </a:r>
-              <a:endParaRPr lang="vi-VN" sz="560" dirty="0">
+          </a:ln>
+        </p:spPr>
+        <p:style>
+          <a:lnRef idx="0">
+            <a:scrgbClr r="0" g="0" b="0"/>
+          </a:lnRef>
+          <a:fillRef idx="0">
+            <a:scrgbClr r="0" g="0" b="0"/>
+          </a:fillRef>
+          <a:effectRef idx="0">
+            <a:scrgbClr r="0" g="0" b="0"/>
+          </a:effectRef>
+          <a:fontRef idx="minor">
+            <a:schemeClr val="lt1"/>
+          </a:fontRef>
+        </p:style>
+        <p:txBody>
+          <a:bodyPr tIns="48960" rtlCol="0" anchor="t" anchorCtr="0"/>
+          <a:lstStyle/>
+          <a:p>
+            <a:pPr algn="ctr"/>
+            <a:r>
+              <a:rPr lang="en-US" sz="960" dirty="0" err="1">
                 <a:solidFill>
-                  <a:schemeClr val="tx2">
-                    <a:lumMod val="90000"/>
-                    <a:lumOff val="10000"/>
-                  </a:schemeClr>
+                  <a:srgbClr val="102D48"/>
                 </a:solidFill>
                 <a:latin typeface="Aptos" panose="020B0004020202020204" pitchFamily="34" charset="0"/>
-              </a:endParaRPr>
-            </a:p>
-          </p:txBody>
-        </p:sp>
-        <p:sp>
-          <p:nvSpPr>
-            <p:cNvPr id="45" name="Rectangle 44">
-              <a:extLst>
-                <a:ext uri="{FF2B5EF4-FFF2-40B4-BE49-F238E27FC236}">
-                  <a16:creationId xmlns:a16="http://schemas.microsoft.com/office/drawing/2014/main" id="{EEDB3748-DC3C-E284-8313-31953C8738AB}"/>
-                </a:ext>
-              </a:extLst>
-            </p:cNvPr>
-            <p:cNvSpPr/>
-            <p:nvPr/>
-          </p:nvSpPr>
-          <p:spPr>
-            <a:xfrm>
-              <a:off x="3188512" y="5360945"/>
-              <a:ext cx="1627328" cy="459363"/>
-            </a:xfrm>
-            <a:prstGeom prst="rect">
-              <a:avLst/>
-            </a:prstGeom>
+              </a:rPr>
+              <a:t>expense_operations</a:t>
+            </a:r>
+            <a:endParaRPr lang="vi-VN" sz="560" dirty="0">
+              <a:solidFill>
+                <a:srgbClr val="102D48"/>
+              </a:solidFill>
+              <a:latin typeface="Aptos" panose="020B0004020202020204" pitchFamily="34" charset="0"/>
+            </a:endParaRPr>
+          </a:p>
+        </p:txBody>
+      </p:sp>
+      <p:sp>
+        <p:nvSpPr>
+          <p:cNvPr id="45" name="Rectangle 44">
+            <a:extLst>
+              <a:ext uri="{FF2B5EF4-FFF2-40B4-BE49-F238E27FC236}">
+                <a16:creationId xmlns:a16="http://schemas.microsoft.com/office/drawing/2014/main" id="{EEDB3748-DC3C-E284-8313-31953C8738AB}"/>
+              </a:ext>
+            </a:extLst>
+          </p:cNvPr>
+          <p:cNvSpPr/>
+          <p:nvPr/>
+        </p:nvSpPr>
+        <p:spPr>
+          <a:xfrm>
+            <a:off x="2699802" y="4259871"/>
+            <a:ext cx="1149060" cy="254413"/>
+          </a:xfrm>
+          <a:prstGeom prst="rect">
+            <a:avLst/>
+          </a:prstGeom>
+          <a:solidFill>
+            <a:schemeClr val="accent1">
+              <a:lumMod val="40000"/>
+              <a:lumOff val="60000"/>
+              <a:alpha val="26000"/>
+            </a:schemeClr>
+          </a:solidFill>
+          <a:ln w="15875">
             <a:solidFill>
               <a:schemeClr val="accent1">
-                <a:lumMod val="40000"/>
-                <a:lumOff val="60000"/>
-                <a:alpha val="50000"/>
+                <a:lumMod val="75000"/>
               </a:schemeClr>
             </a:solidFill>
-            <a:ln w="19050">
-              <a:solidFill>
-                <a:schemeClr val="accent1">
-                  <a:lumMod val="75000"/>
-                </a:schemeClr>
-              </a:solidFill>
-            </a:ln>
-          </p:spPr>
-          <p:style>
-            <a:lnRef idx="0">
-              <a:scrgbClr r="0" g="0" b="0"/>
-            </a:lnRef>
-            <a:fillRef idx="0">
-              <a:scrgbClr r="0" g="0" b="0"/>
-            </a:fillRef>
-            <a:effectRef idx="0">
-              <a:scrgbClr r="0" g="0" b="0"/>
-            </a:effectRef>
-            <a:fontRef idx="minor">
-              <a:schemeClr val="lt1"/>
-            </a:fontRef>
-          </p:style>
-          <p:txBody>
-            <a:bodyPr rtlCol="0" anchor="ctr"/>
-            <a:lstStyle/>
-            <a:p>
-              <a:pPr algn="ctr"/>
-              <a:r>
-                <a:rPr lang="en-US" sz="960" dirty="0">
-                  <a:solidFill>
-                    <a:schemeClr val="tx2">
-                      <a:lumMod val="90000"/>
-                      <a:lumOff val="10000"/>
-                    </a:schemeClr>
-                  </a:solidFill>
-                  <a:latin typeface="Aptos" panose="020B0004020202020204" pitchFamily="34" charset="0"/>
-                </a:rPr>
-                <a:t>Visualizer</a:t>
-              </a:r>
-              <a:endParaRPr lang="vi-VN" sz="560" dirty="0">
+          </a:ln>
+        </p:spPr>
+        <p:style>
+          <a:lnRef idx="0">
+            <a:scrgbClr r="0" g="0" b="0"/>
+          </a:lnRef>
+          <a:fillRef idx="0">
+            <a:scrgbClr r="0" g="0" b="0"/>
+          </a:fillRef>
+          <a:effectRef idx="0">
+            <a:scrgbClr r="0" g="0" b="0"/>
+          </a:effectRef>
+          <a:fontRef idx="minor">
+            <a:schemeClr val="lt1"/>
+          </a:fontRef>
+        </p:style>
+        <p:txBody>
+          <a:bodyPr rtlCol="0" anchor="ctr"/>
+          <a:lstStyle/>
+          <a:p>
+            <a:pPr algn="ctr"/>
+            <a:r>
+              <a:rPr lang="en-US" sz="1000" dirty="0">
                 <a:solidFill>
-                  <a:schemeClr val="tx2">
-                    <a:lumMod val="90000"/>
-                    <a:lumOff val="10000"/>
-                  </a:schemeClr>
+                  <a:srgbClr val="102D48"/>
                 </a:solidFill>
                 <a:latin typeface="Aptos" panose="020B0004020202020204" pitchFamily="34" charset="0"/>
-              </a:endParaRPr>
-            </a:p>
-          </p:txBody>
-        </p:sp>
-        <p:sp>
-          <p:nvSpPr>
-            <p:cNvPr id="47" name="Rectangle 46">
-              <a:extLst>
-                <a:ext uri="{FF2B5EF4-FFF2-40B4-BE49-F238E27FC236}">
-                  <a16:creationId xmlns:a16="http://schemas.microsoft.com/office/drawing/2014/main" id="{2D7877F9-2B14-63EC-D386-FDBF2F9244CF}"/>
-                </a:ext>
-              </a:extLst>
-            </p:cNvPr>
-            <p:cNvSpPr/>
-            <p:nvPr/>
-          </p:nvSpPr>
-          <p:spPr>
-            <a:xfrm>
-              <a:off x="4909734" y="5360945"/>
-              <a:ext cx="1627328" cy="459363"/>
-            </a:xfrm>
-            <a:prstGeom prst="rect">
-              <a:avLst/>
-            </a:prstGeom>
+              </a:rPr>
+              <a:t>Visualizer</a:t>
+            </a:r>
+            <a:endParaRPr lang="vi-VN" sz="1000" dirty="0">
+              <a:solidFill>
+                <a:srgbClr val="102D48"/>
+              </a:solidFill>
+              <a:latin typeface="Aptos" panose="020B0004020202020204" pitchFamily="34" charset="0"/>
+            </a:endParaRPr>
+          </a:p>
+        </p:txBody>
+      </p:sp>
+      <p:sp>
+        <p:nvSpPr>
+          <p:cNvPr id="47" name="Rectangle 46">
+            <a:extLst>
+              <a:ext uri="{FF2B5EF4-FFF2-40B4-BE49-F238E27FC236}">
+                <a16:creationId xmlns:a16="http://schemas.microsoft.com/office/drawing/2014/main" id="{2D7877F9-2B14-63EC-D386-FDBF2F9244CF}"/>
+              </a:ext>
+            </a:extLst>
+          </p:cNvPr>
+          <p:cNvSpPr/>
+          <p:nvPr/>
+        </p:nvSpPr>
+        <p:spPr>
+          <a:xfrm>
+            <a:off x="3923978" y="4259871"/>
+            <a:ext cx="1157554" cy="254413"/>
+          </a:xfrm>
+          <a:prstGeom prst="rect">
+            <a:avLst/>
+          </a:prstGeom>
+          <a:solidFill>
+            <a:schemeClr val="accent1">
+              <a:lumMod val="40000"/>
+              <a:lumOff val="60000"/>
+              <a:alpha val="26000"/>
+            </a:schemeClr>
+          </a:solidFill>
+          <a:ln w="15875">
             <a:solidFill>
               <a:schemeClr val="accent1">
-                <a:lumMod val="40000"/>
-                <a:lumOff val="60000"/>
-                <a:alpha val="50000"/>
+                <a:lumMod val="75000"/>
               </a:schemeClr>
             </a:solidFill>
-            <a:ln w="19050">
-              <a:solidFill>
-                <a:schemeClr val="accent1">
-                  <a:lumMod val="75000"/>
-                </a:schemeClr>
-              </a:solidFill>
-            </a:ln>
-          </p:spPr>
-          <p:style>
-            <a:lnRef idx="0">
-              <a:scrgbClr r="0" g="0" b="0"/>
-            </a:lnRef>
-            <a:fillRef idx="0">
-              <a:scrgbClr r="0" g="0" b="0"/>
-            </a:fillRef>
-            <a:effectRef idx="0">
-              <a:scrgbClr r="0" g="0" b="0"/>
-            </a:effectRef>
-            <a:fontRef idx="minor">
-              <a:schemeClr val="lt1"/>
-            </a:fontRef>
-          </p:style>
-          <p:txBody>
-            <a:bodyPr rtlCol="0" anchor="ctr"/>
-            <a:lstStyle/>
-            <a:p>
-              <a:pPr algn="ctr"/>
-              <a:r>
-                <a:rPr lang="en-US" sz="920" dirty="0">
-                  <a:solidFill>
-                    <a:schemeClr val="tx2">
-                      <a:lumMod val="90000"/>
-                      <a:lumOff val="10000"/>
-                    </a:schemeClr>
-                  </a:solidFill>
-                  <a:latin typeface="Aptos" panose="020B0004020202020204" pitchFamily="34" charset="0"/>
-                </a:rPr>
-                <a:t>Statistics</a:t>
-              </a:r>
-              <a:endParaRPr lang="vi-VN" sz="920" dirty="0">
+          </a:ln>
+        </p:spPr>
+        <p:style>
+          <a:lnRef idx="0">
+            <a:scrgbClr r="0" g="0" b="0"/>
+          </a:lnRef>
+          <a:fillRef idx="0">
+            <a:scrgbClr r="0" g="0" b="0"/>
+          </a:fillRef>
+          <a:effectRef idx="0">
+            <a:scrgbClr r="0" g="0" b="0"/>
+          </a:effectRef>
+          <a:fontRef idx="minor">
+            <a:schemeClr val="lt1"/>
+          </a:fontRef>
+        </p:style>
+        <p:txBody>
+          <a:bodyPr rtlCol="0" anchor="ctr"/>
+          <a:lstStyle/>
+          <a:p>
+            <a:pPr algn="ctr"/>
+            <a:r>
+              <a:rPr lang="en-US" sz="1000" dirty="0">
                 <a:solidFill>
-                  <a:schemeClr val="tx2">
-                    <a:lumMod val="90000"/>
-                    <a:lumOff val="10000"/>
-                  </a:schemeClr>
+                  <a:srgbClr val="102D48"/>
                 </a:solidFill>
                 <a:latin typeface="Aptos" panose="020B0004020202020204" pitchFamily="34" charset="0"/>
-              </a:endParaRPr>
-            </a:p>
-          </p:txBody>
-        </p:sp>
-      </p:grpSp>
+              </a:rPr>
+              <a:t>Statistics</a:t>
+            </a:r>
+            <a:endParaRPr lang="vi-VN" sz="1000" dirty="0">
+              <a:solidFill>
+                <a:srgbClr val="102D48"/>
+              </a:solidFill>
+              <a:latin typeface="Aptos" panose="020B0004020202020204" pitchFamily="34" charset="0"/>
+            </a:endParaRPr>
+          </a:p>
+        </p:txBody>
+      </p:sp>
     </p:spTree>
     <p:extLst>
       <p:ext uri="{BB962C8B-B14F-4D97-AF65-F5344CB8AC3E}">
